--- a/Presentation_02 (1).pptx
+++ b/Presentation_02 (1).pptx
@@ -7,12 +7,11 @@
   <p:sldIdLst>
     <p:sldId id="256" r:id="rId2"/>
     <p:sldId id="257" r:id="rId3"/>
-    <p:sldId id="258" r:id="rId4"/>
-    <p:sldId id="259" r:id="rId5"/>
-    <p:sldId id="260" r:id="rId6"/>
-    <p:sldId id="261" r:id="rId7"/>
-    <p:sldId id="262" r:id="rId8"/>
-    <p:sldId id="263" r:id="rId9"/>
+    <p:sldId id="259" r:id="rId4"/>
+    <p:sldId id="260" r:id="rId5"/>
+    <p:sldId id="261" r:id="rId6"/>
+    <p:sldId id="262" r:id="rId7"/>
+    <p:sldId id="263" r:id="rId8"/>
   </p:sldIdLst>
   <p:sldSz cx="12192000" cy="6858000"/>
   <p:notesSz cx="6858000" cy="9144000"/>
@@ -522,7 +521,7 @@
           <a:p>
             <a:fld id="{C650D1C8-D164-409B-9FA1-23744393A7F6}" type="datetimeFigureOut">
               <a:rPr lang="en-US" smtClean="0"/>
-              <a:t>6/8/2024</a:t>
+              <a:t>8/20/2024</a:t>
             </a:fld>
             <a:endParaRPr lang="en-US"/>
           </a:p>
@@ -713,7 +712,7 @@
           <a:p>
             <a:fld id="{C650D1C8-D164-409B-9FA1-23744393A7F6}" type="datetimeFigureOut">
               <a:rPr lang="en-US" smtClean="0"/>
-              <a:t>6/8/2024</a:t>
+              <a:t>8/20/2024</a:t>
             </a:fld>
             <a:endParaRPr lang="en-US"/>
           </a:p>
@@ -905,7 +904,7 @@
           <a:p>
             <a:fld id="{C650D1C8-D164-409B-9FA1-23744393A7F6}" type="datetimeFigureOut">
               <a:rPr lang="en-US" smtClean="0"/>
-              <a:t>6/8/2024</a:t>
+              <a:t>8/20/2024</a:t>
             </a:fld>
             <a:endParaRPr lang="en-US"/>
           </a:p>
@@ -1087,7 +1086,7 @@
           <a:p>
             <a:fld id="{C650D1C8-D164-409B-9FA1-23744393A7F6}" type="datetimeFigureOut">
               <a:rPr lang="en-US" smtClean="0"/>
-              <a:t>6/8/2024</a:t>
+              <a:t>8/20/2024</a:t>
             </a:fld>
             <a:endParaRPr lang="en-US"/>
           </a:p>
@@ -1412,7 +1411,7 @@
           <a:p>
             <a:fld id="{C650D1C8-D164-409B-9FA1-23744393A7F6}" type="datetimeFigureOut">
               <a:rPr lang="en-US" smtClean="0"/>
-              <a:t>6/8/2024</a:t>
+              <a:t>8/20/2024</a:t>
             </a:fld>
             <a:endParaRPr lang="en-US"/>
           </a:p>
@@ -1810,7 +1809,7 @@
           <a:p>
             <a:fld id="{C650D1C8-D164-409B-9FA1-23744393A7F6}" type="datetimeFigureOut">
               <a:rPr lang="en-US" smtClean="0"/>
-              <a:t>6/8/2024</a:t>
+              <a:t>8/20/2024</a:t>
             </a:fld>
             <a:endParaRPr lang="en-US"/>
           </a:p>
@@ -2256,7 +2255,7 @@
           <a:p>
             <a:fld id="{C650D1C8-D164-409B-9FA1-23744393A7F6}" type="datetimeFigureOut">
               <a:rPr lang="en-US" smtClean="0"/>
-              <a:t>6/8/2024</a:t>
+              <a:t>8/20/2024</a:t>
             </a:fld>
             <a:endParaRPr lang="en-US"/>
           </a:p>
@@ -2386,7 +2385,7 @@
           <a:p>
             <a:fld id="{C650D1C8-D164-409B-9FA1-23744393A7F6}" type="datetimeFigureOut">
               <a:rPr lang="en-US" smtClean="0"/>
-              <a:t>6/8/2024</a:t>
+              <a:t>8/20/2024</a:t>
             </a:fld>
             <a:endParaRPr lang="en-US"/>
           </a:p>
@@ -2493,7 +2492,7 @@
           <a:p>
             <a:fld id="{C650D1C8-D164-409B-9FA1-23744393A7F6}" type="datetimeFigureOut">
               <a:rPr lang="en-US" smtClean="0"/>
-              <a:t>6/8/2024</a:t>
+              <a:t>8/20/2024</a:t>
             </a:fld>
             <a:endParaRPr lang="en-US"/>
           </a:p>
@@ -2855,7 +2854,7 @@
           <a:p>
             <a:fld id="{C650D1C8-D164-409B-9FA1-23744393A7F6}" type="datetimeFigureOut">
               <a:rPr lang="en-US" smtClean="0"/>
-              <a:t>6/8/2024</a:t>
+              <a:t>8/20/2024</a:t>
             </a:fld>
             <a:endParaRPr lang="en-US"/>
           </a:p>
@@ -3292,7 +3291,7 @@
           <a:p>
             <a:fld id="{C650D1C8-D164-409B-9FA1-23744393A7F6}" type="datetimeFigureOut">
               <a:rPr lang="en-US" smtClean="0"/>
-              <a:t>6/8/2024</a:t>
+              <a:t>8/20/2024</a:t>
             </a:fld>
             <a:endParaRPr lang="en-US"/>
           </a:p>
@@ -3585,7 +3584,7 @@
           <a:p>
             <a:fld id="{C650D1C8-D164-409B-9FA1-23744393A7F6}" type="datetimeFigureOut">
               <a:rPr lang="en-US" smtClean="0"/>
-              <a:t>6/8/2024</a:t>
+              <a:t>8/20/2024</a:t>
             </a:fld>
             <a:endParaRPr lang="en-US"/>
           </a:p>
@@ -7370,7 +7369,7 @@
         </p:nvSpPr>
         <p:spPr>
           <a:xfrm>
-            <a:off x="1192401" y="1879179"/>
+            <a:off x="1237224" y="2496687"/>
             <a:ext cx="9423400" cy="1138773"/>
           </a:xfrm>
           <a:prstGeom prst="rect">
@@ -7386,19 +7385,6 @@
           <a:p>
             <a:pPr algn="ctr"/>
             <a:r>
-              <a:rPr lang="en-US" sz="2800" b="1" dirty="0" smtClean="0">
-                <a:solidFill>
-                  <a:schemeClr val="accent1">
-                    <a:lumMod val="75000"/>
-                  </a:schemeClr>
-                </a:solidFill>
-                <a:latin typeface="Abadi" panose="020B0604020104020204" pitchFamily="34" charset="0"/>
-                <a:ea typeface="ADLaM Display" panose="020F0502020204030204" pitchFamily="2" charset="0"/>
-                <a:cs typeface="Aldhabi" panose="020F0502020204030204" pitchFamily="2" charset="-78"/>
-              </a:rPr>
-              <a:t>Enhancing </a:t>
-            </a:r>
-            <a:r>
               <a:rPr lang="en-US" sz="2800" b="1" dirty="0">
                 <a:solidFill>
                   <a:schemeClr val="accent1">
@@ -7409,31 +7395,8 @@
                 <a:ea typeface="ADLaM Display" panose="020F0502020204030204" pitchFamily="2" charset="0"/>
                 <a:cs typeface="Aldhabi" panose="020F0502020204030204" pitchFamily="2" charset="-78"/>
               </a:rPr>
-              <a:t>Software Development with </a:t>
+              <a:t>Enhancing Software Development with AI</a:t>
             </a:r>
-            <a:r>
-              <a:rPr lang="en-US" sz="2800" b="1" dirty="0" smtClean="0">
-                <a:solidFill>
-                  <a:schemeClr val="accent1">
-                    <a:lumMod val="75000"/>
-                  </a:schemeClr>
-                </a:solidFill>
-                <a:latin typeface="Abadi" panose="020B0604020104020204" pitchFamily="34" charset="0"/>
-                <a:ea typeface="ADLaM Display" panose="020F0502020204030204" pitchFamily="2" charset="0"/>
-                <a:cs typeface="Aldhabi" panose="020F0502020204030204" pitchFamily="2" charset="-78"/>
-              </a:rPr>
-              <a:t>AI</a:t>
-            </a:r>
-            <a:endParaRPr lang="en-US" sz="2800" b="1" dirty="0">
-              <a:solidFill>
-                <a:schemeClr val="accent1">
-                  <a:lumMod val="75000"/>
-                </a:schemeClr>
-              </a:solidFill>
-              <a:latin typeface="Abadi" panose="020B0604020104020204" pitchFamily="34" charset="0"/>
-              <a:ea typeface="ADLaM Display" panose="020F0502020204030204" pitchFamily="2" charset="0"/>
-              <a:cs typeface="Aldhabi" panose="020F0502020204030204" pitchFamily="2" charset="-78"/>
-            </a:endParaRPr>
           </a:p>
           <a:p>
             <a:pPr algn="ctr"/>
@@ -7543,7 +7506,7 @@
         <p:spPr>
           <a:xfrm>
             <a:off x="1890181" y="2529645"/>
-            <a:ext cx="5377912" cy="1600438"/>
+            <a:ext cx="5377912" cy="369332"/>
           </a:xfrm>
           <a:prstGeom prst="rect">
             <a:avLst/>
@@ -7557,130 +7520,8 @@
           <a:lstStyle/>
           <a:p>
             <a:r>
-              <a:rPr lang="en-US" dirty="0" smtClean="0"/>
+              <a:rPr lang="en-US" dirty="0"/>
               <a:t>          </a:t>
-            </a:r>
-            <a:endParaRPr lang="en-US" sz="2000" dirty="0" smtClean="0">
-              <a:solidFill>
-                <a:schemeClr val="accent1">
-                  <a:lumMod val="50000"/>
-                </a:schemeClr>
-              </a:solidFill>
-            </a:endParaRPr>
-          </a:p>
-          <a:p>
-            <a:r>
-              <a:rPr lang="en-US" sz="2000" dirty="0" err="1" smtClean="0">
-                <a:solidFill>
-                  <a:schemeClr val="accent1">
-                    <a:lumMod val="50000"/>
-                  </a:schemeClr>
-                </a:solidFill>
-              </a:rPr>
-              <a:t>Afnan</a:t>
-            </a:r>
-            <a:r>
-              <a:rPr lang="en-US" sz="2000" dirty="0" smtClean="0">
-                <a:solidFill>
-                  <a:schemeClr val="accent1">
-                    <a:lumMod val="50000"/>
-                  </a:schemeClr>
-                </a:solidFill>
-              </a:rPr>
-              <a:t> Bukhari</a:t>
-            </a:r>
-          </a:p>
-          <a:p>
-            <a:r>
-              <a:rPr lang="en-US" sz="2000" u="sng" dirty="0" smtClean="0">
-                <a:solidFill>
-                  <a:schemeClr val="accent1">
-                    <a:lumMod val="50000"/>
-                  </a:schemeClr>
-                </a:solidFill>
-              </a:rPr>
-              <a:t>Noor-</a:t>
-            </a:r>
-            <a:r>
-              <a:rPr lang="en-US" sz="2000" u="sng" dirty="0" err="1" smtClean="0">
-                <a:solidFill>
-                  <a:schemeClr val="accent1">
-                    <a:lumMod val="50000"/>
-                  </a:schemeClr>
-                </a:solidFill>
-              </a:rPr>
-              <a:t>Ul</a:t>
-            </a:r>
-            <a:r>
-              <a:rPr lang="en-US" sz="2000" u="sng" dirty="0" smtClean="0">
-                <a:solidFill>
-                  <a:schemeClr val="accent1">
-                    <a:lumMod val="50000"/>
-                  </a:schemeClr>
-                </a:solidFill>
-              </a:rPr>
-              <a:t>-</a:t>
-            </a:r>
-            <a:r>
-              <a:rPr lang="en-US" sz="2000" u="sng" dirty="0">
-                <a:solidFill>
-                  <a:schemeClr val="accent1">
-                    <a:lumMod val="50000"/>
-                  </a:schemeClr>
-                </a:solidFill>
-              </a:rPr>
-              <a:t>H</a:t>
-            </a:r>
-            <a:r>
-              <a:rPr lang="en-US" sz="2000" u="sng" dirty="0" smtClean="0">
-                <a:solidFill>
-                  <a:schemeClr val="accent1">
-                    <a:lumMod val="50000"/>
-                  </a:schemeClr>
-                </a:solidFill>
-              </a:rPr>
-              <a:t>assan</a:t>
-            </a:r>
-          </a:p>
-          <a:p>
-            <a:r>
-              <a:rPr lang="en-US" sz="2000" dirty="0" err="1" smtClean="0">
-                <a:solidFill>
-                  <a:schemeClr val="accent1">
-                    <a:lumMod val="50000"/>
-                  </a:schemeClr>
-                </a:solidFill>
-              </a:rPr>
-              <a:t>Hanzla</a:t>
-            </a:r>
-            <a:r>
-              <a:rPr lang="en-US" sz="2000" dirty="0" smtClean="0">
-                <a:solidFill>
-                  <a:schemeClr val="accent1">
-                    <a:lumMod val="50000"/>
-                  </a:schemeClr>
-                </a:solidFill>
-              </a:rPr>
-              <a:t> Ali</a:t>
-            </a:r>
-            <a:br>
-              <a:rPr lang="en-US" sz="2000" dirty="0" smtClean="0">
-                <a:solidFill>
-                  <a:schemeClr val="accent1">
-                    <a:lumMod val="50000"/>
-                  </a:schemeClr>
-                </a:solidFill>
-              </a:rPr>
-            </a:br>
-            <a:r>
-              <a:rPr lang="en-US" sz="2000" dirty="0" smtClean="0">
-                <a:solidFill>
-                  <a:schemeClr val="accent1">
-                    <a:lumMod val="50000"/>
-                  </a:schemeClr>
-                </a:solidFill>
-              </a:rPr>
-              <a:t>                                    Adobe Blue</a:t>
             </a:r>
             <a:endParaRPr lang="en-US" sz="2000" dirty="0">
               <a:solidFill>
@@ -7714,13 +7555,6 @@
       </p:transition>
     </mc:Fallback>
   </mc:AlternateContent>
-  <p:timing>
-    <p:tnLst>
-      <p:par>
-        <p:cTn id="1" dur="indefinite" restart="never" nodeType="tmRoot"/>
-      </p:par>
-    </p:tnLst>
-  </p:timing>
 </p:sld>
 </file>
 
@@ -10938,8 +10772,8 @@
         </p:nvSpPr>
         <p:spPr>
           <a:xfrm>
-            <a:off x="4074569" y="2058152"/>
-            <a:ext cx="3986034" cy="584775"/>
+            <a:off x="2839751" y="1847869"/>
+            <a:ext cx="4777907" cy="584775"/>
           </a:xfrm>
           <a:prstGeom prst="rect">
             <a:avLst/>
@@ -10954,26 +10788,13 @@
           <a:p>
             <a:pPr algn="ctr"/>
             <a:r>
-              <a:rPr lang="en-US" sz="3200" dirty="0" smtClean="0">
-                <a:latin typeface="Abadi" panose="020B0604020104020204" pitchFamily="34" charset="0"/>
+              <a:rPr lang="en-US" sz="3200" b="1" dirty="0">
+                <a:latin typeface="Times New Roman" panose="02020603050405020304" pitchFamily="18" charset="0"/>
                 <a:ea typeface="ADLaM Display" panose="020F0502020204030204" pitchFamily="2" charset="0"/>
-                <a:cs typeface="Aldhabi" panose="020F0502020204030204" pitchFamily="2" charset="-78"/>
+                <a:cs typeface="Times New Roman" panose="02020603050405020304" pitchFamily="18" charset="0"/>
               </a:rPr>
-              <a:t>Introduction</a:t>
+              <a:t>Introduction </a:t>
             </a:r>
-            <a:r>
-              <a:rPr lang="en-US" sz="3200" b="1" dirty="0" smtClean="0">
-                <a:latin typeface="Abadi" panose="020B0604020104020204" pitchFamily="34" charset="0"/>
-                <a:ea typeface="ADLaM Display" panose="020F0502020204030204" pitchFamily="2" charset="0"/>
-                <a:cs typeface="Aldhabi" panose="020F0502020204030204" pitchFamily="2" charset="-78"/>
-              </a:rPr>
-              <a:t> </a:t>
-            </a:r>
-            <a:endParaRPr lang="en-US" sz="3200" b="1" dirty="0">
-              <a:latin typeface="Abadi" panose="020B0604020104020204" pitchFamily="34" charset="0"/>
-              <a:ea typeface="ADLaM Display" panose="020F0502020204030204" pitchFamily="2" charset="0"/>
-              <a:cs typeface="Aldhabi" panose="020F0502020204030204" pitchFamily="2" charset="-78"/>
-            </a:endParaRPr>
           </a:p>
         </p:txBody>
       </p:sp>
@@ -10985,8 +10806,8 @@
         </p:nvSpPr>
         <p:spPr>
           <a:xfrm>
-            <a:off x="83127" y="2884516"/>
-            <a:ext cx="10291157" cy="3139321"/>
+            <a:off x="83125" y="2621352"/>
+            <a:ext cx="10291157" cy="3970318"/>
           </a:xfrm>
           <a:prstGeom prst="rect">
             <a:avLst/>
@@ -11004,9 +10825,18 @@
               <a:buChar char="•"/>
             </a:pPr>
             <a:r>
-              <a:rPr lang="en-US" dirty="0"/>
+              <a:rPr lang="en-US" dirty="0">
+                <a:latin typeface="Times New Roman" panose="02020603050405020304" pitchFamily="18" charset="0"/>
+                <a:cs typeface="Times New Roman" panose="02020603050405020304" pitchFamily="18" charset="0"/>
+              </a:rPr>
               <a:t>Manual SRD (Software Requirements Document) analysis and design artifact creation pose several challenges:</a:t>
             </a:r>
+          </a:p>
+          <a:p>
+            <a:endParaRPr lang="en-US" dirty="0">
+              <a:latin typeface="Times New Roman" panose="02020603050405020304" pitchFamily="18" charset="0"/>
+              <a:cs typeface="Times New Roman" panose="02020603050405020304" pitchFamily="18" charset="0"/>
+            </a:endParaRPr>
           </a:p>
           <a:p>
             <a:pPr marL="285750" indent="-285750">
@@ -11014,13 +10844,25 @@
               <a:buChar char="•"/>
             </a:pPr>
             <a:r>
-              <a:rPr lang="en-US" b="1" dirty="0"/>
+              <a:rPr lang="en-US" b="1" dirty="0">
+                <a:latin typeface="Times New Roman" panose="02020603050405020304" pitchFamily="18" charset="0"/>
+                <a:cs typeface="Times New Roman" panose="02020603050405020304" pitchFamily="18" charset="0"/>
+              </a:rPr>
               <a:t>Time-Consuming Process</a:t>
             </a:r>
             <a:r>
-              <a:rPr lang="en-US" dirty="0"/>
+              <a:rPr lang="en-US" dirty="0">
+                <a:latin typeface="Times New Roman" panose="02020603050405020304" pitchFamily="18" charset="0"/>
+                <a:cs typeface="Times New Roman" panose="02020603050405020304" pitchFamily="18" charset="0"/>
+              </a:rPr>
               <a:t>: Manual analysis and artifact creation can be time-consuming, requiring significant effort to gather, organize, and interpret requirements accurately.</a:t>
             </a:r>
+          </a:p>
+          <a:p>
+            <a:endParaRPr lang="en-US" dirty="0">
+              <a:latin typeface="Times New Roman" panose="02020603050405020304" pitchFamily="18" charset="0"/>
+              <a:cs typeface="Times New Roman" panose="02020603050405020304" pitchFamily="18" charset="0"/>
+            </a:endParaRPr>
           </a:p>
           <a:p>
             <a:pPr marL="285750" indent="-285750">
@@ -11028,13 +10870,25 @@
               <a:buChar char="•"/>
             </a:pPr>
             <a:r>
-              <a:rPr lang="en-US" b="1" dirty="0"/>
+              <a:rPr lang="en-US" b="1" dirty="0">
+                <a:latin typeface="Times New Roman" panose="02020603050405020304" pitchFamily="18" charset="0"/>
+                <a:cs typeface="Times New Roman" panose="02020603050405020304" pitchFamily="18" charset="0"/>
+              </a:rPr>
               <a:t>Risk of Errors</a:t>
             </a:r>
             <a:r>
-              <a:rPr lang="en-US" dirty="0"/>
+              <a:rPr lang="en-US" dirty="0">
+                <a:latin typeface="Times New Roman" panose="02020603050405020304" pitchFamily="18" charset="0"/>
+                <a:cs typeface="Times New Roman" panose="02020603050405020304" pitchFamily="18" charset="0"/>
+              </a:rPr>
               <a:t>: Human error is inherent in manual processes, leading to inaccuracies and inconsistencies in the analysis and design artifacts. This can result in misinterpretation of requirements, leading to flawed software solutions.</a:t>
             </a:r>
+          </a:p>
+          <a:p>
+            <a:endParaRPr lang="en-US" dirty="0">
+              <a:latin typeface="Times New Roman" panose="02020603050405020304" pitchFamily="18" charset="0"/>
+              <a:cs typeface="Times New Roman" panose="02020603050405020304" pitchFamily="18" charset="0"/>
+            </a:endParaRPr>
           </a:p>
           <a:p>
             <a:pPr marL="285750" indent="-285750">
@@ -11042,16 +10896,25 @@
               <a:buChar char="•"/>
             </a:pPr>
             <a:r>
-              <a:rPr lang="en-US" b="1" dirty="0"/>
+              <a:rPr lang="en-US" b="1" dirty="0">
+                <a:latin typeface="Times New Roman" panose="02020603050405020304" pitchFamily="18" charset="0"/>
+                <a:cs typeface="Times New Roman" panose="02020603050405020304" pitchFamily="18" charset="0"/>
+              </a:rPr>
               <a:t>Difficulty in Adherence to Design Principles</a:t>
             </a:r>
             <a:r>
-              <a:rPr lang="en-US" dirty="0"/>
+              <a:rPr lang="en-US" dirty="0">
+                <a:latin typeface="Times New Roman" panose="02020603050405020304" pitchFamily="18" charset="0"/>
+                <a:cs typeface="Times New Roman" panose="02020603050405020304" pitchFamily="18" charset="0"/>
+              </a:rPr>
               <a:t>: Ensuring adherence to design principles such as modularity, scalability, and maintainability is challenging in manual processes. It requires meticulous attention to detail and may still result in deviations due to human limitations.</a:t>
             </a:r>
           </a:p>
           <a:p>
-            <a:endParaRPr lang="en-US" dirty="0"/>
+            <a:endParaRPr lang="en-US" dirty="0">
+              <a:latin typeface="Times New Roman" panose="02020603050405020304" pitchFamily="18" charset="0"/>
+              <a:cs typeface="Times New Roman" panose="02020603050405020304" pitchFamily="18" charset="0"/>
+            </a:endParaRPr>
           </a:p>
         </p:txBody>
       </p:sp>
@@ -11077,13 +10940,6 @@
       </p:transition>
     </mc:Fallback>
   </mc:AlternateContent>
-  <p:timing>
-    <p:tnLst>
-      <p:par>
-        <p:cTn id="1" dur="indefinite" restart="never" nodeType="tmRoot"/>
-      </p:par>
-    </p:tnLst>
-  </p:timing>
 </p:sld>
 </file>
 
@@ -11269,7 +11125,7 @@
         </p:nvSpPr>
         <p:spPr>
           <a:xfrm>
-            <a:off x="0" y="-87297"/>
+            <a:off x="0" y="-87298"/>
             <a:ext cx="12192000" cy="10973011"/>
           </a:xfrm>
           <a:custGeom>
@@ -11571,8 +11427,8 @@
         </p:nvSpPr>
         <p:spPr>
           <a:xfrm>
-            <a:off x="0" y="0"/>
-            <a:ext cx="12192000" cy="1651247"/>
+            <a:off x="324197" y="54624"/>
+            <a:ext cx="12192000" cy="11045371"/>
           </a:xfrm>
           <a:custGeom>
             <a:avLst/>
@@ -14292,7 +14148,7 @@
           <p:cNvPr id="2" name="TextBox 1">
             <a:extLst>
               <a:ext uri="{FF2B5EF4-FFF2-40B4-BE49-F238E27FC236}">
-                <a16:creationId xmlns:a16="http://schemas.microsoft.com/office/drawing/2014/main" id="{8DA7805D-0ABB-AB0D-4B8C-D7C7F3FBA0FE}"/>
+                <a16:creationId xmlns:a16="http://schemas.microsoft.com/office/drawing/2014/main" id="{D69E1B63-83D8-AB0A-C209-F26A9F48C657}"/>
               </a:ext>
             </a:extLst>
           </p:cNvPr>
@@ -14301,8 +14157,8 @@
         </p:nvSpPr>
         <p:spPr>
           <a:xfrm>
-            <a:off x="476827" y="2835045"/>
-            <a:ext cx="8753437" cy="2862322"/>
+            <a:off x="1008843" y="3027962"/>
+            <a:ext cx="8227226" cy="2862322"/>
           </a:xfrm>
           <a:prstGeom prst="rect">
             <a:avLst/>
@@ -14315,92 +14171,132 @@
           </a:bodyPr>
           <a:lstStyle/>
           <a:p>
+            <a:pPr marL="285750" indent="-285750">
+              <a:buFont typeface="Arial" panose="020B0604020202020204" pitchFamily="34" charset="0"/>
+              <a:buChar char="•"/>
+            </a:pPr>
             <a:r>
-              <a:rPr lang="en-US" sz="2000" b="1" i="0" dirty="0" smtClean="0">
-                <a:effectLst/>
-                <a:latin typeface="Google Sans"/>
+              <a:rPr lang="en-US" sz="2000" dirty="0">
+                <a:latin typeface="Times New Roman" panose="02020603050405020304" pitchFamily="18" charset="0"/>
+                <a:cs typeface="Times New Roman" panose="02020603050405020304" pitchFamily="18" charset="0"/>
               </a:rPr>
-              <a:t>Small businesses: </a:t>
+              <a:t>Leveraging domain-specific ontologies and external knowledge sources</a:t>
             </a:r>
+          </a:p>
+          <a:p>
+            <a:endParaRPr lang="en-US" sz="2000" dirty="0">
+              <a:latin typeface="Times New Roman" panose="02020603050405020304" pitchFamily="18" charset="0"/>
+              <a:cs typeface="Times New Roman" panose="02020603050405020304" pitchFamily="18" charset="0"/>
+            </a:endParaRPr>
+          </a:p>
+          <a:p>
+            <a:pPr marL="285750" indent="-285750">
+              <a:buFont typeface="Arial" panose="020B0604020202020204" pitchFamily="34" charset="0"/>
+              <a:buChar char="•"/>
+            </a:pPr>
             <a:r>
-              <a:rPr lang="en-US" sz="2000" b="0" i="0" dirty="0" smtClean="0">
-                <a:effectLst/>
-                <a:latin typeface="Google Sans"/>
+              <a:rPr lang="en-US" sz="2000" dirty="0">
+                <a:latin typeface="Times New Roman" panose="02020603050405020304" pitchFamily="18" charset="0"/>
+                <a:cs typeface="Times New Roman" panose="02020603050405020304" pitchFamily="18" charset="0"/>
               </a:rPr>
-              <a:t>Locally oriented, independently owned, modest size, simpler structure, hands-on approach. </a:t>
+              <a:t>Using information retrieval and semantic search to find relevant knowledge</a:t>
+            </a:r>
+          </a:p>
+          <a:p>
+            <a:endParaRPr lang="en-US" sz="2000" dirty="0">
+              <a:latin typeface="Times New Roman" panose="02020603050405020304" pitchFamily="18" charset="0"/>
+              <a:cs typeface="Times New Roman" panose="02020603050405020304" pitchFamily="18" charset="0"/>
+            </a:endParaRPr>
+          </a:p>
+          <a:p>
+            <a:pPr marL="285750" indent="-285750">
+              <a:buFont typeface="Arial" panose="020B0604020202020204" pitchFamily="34" charset="0"/>
+              <a:buChar char="•"/>
+            </a:pPr>
+            <a:r>
+              <a:rPr lang="en-US" sz="2000" dirty="0">
+                <a:latin typeface="Times New Roman" panose="02020603050405020304" pitchFamily="18" charset="0"/>
+                <a:cs typeface="Times New Roman" panose="02020603050405020304" pitchFamily="18" charset="0"/>
+              </a:rPr>
+              <a:t>Augmenting LLM outputs with context-specific information</a:t>
+            </a:r>
+          </a:p>
+          <a:p>
+            <a:endParaRPr lang="en-US" sz="2000" dirty="0">
+              <a:latin typeface="Times New Roman" panose="02020603050405020304" pitchFamily="18" charset="0"/>
+              <a:cs typeface="Times New Roman" panose="02020603050405020304" pitchFamily="18" charset="0"/>
+            </a:endParaRPr>
+          </a:p>
+          <a:p>
+            <a:pPr marL="285750" indent="-285750">
+              <a:buFont typeface="Arial" panose="020B0604020202020204" pitchFamily="34" charset="0"/>
+              <a:buChar char="•"/>
+            </a:pPr>
+            <a:r>
+              <a:rPr lang="en-US" sz="2000" dirty="0">
+                <a:latin typeface="Times New Roman" panose="02020603050405020304" pitchFamily="18" charset="0"/>
+                <a:cs typeface="Times New Roman" panose="02020603050405020304" pitchFamily="18" charset="0"/>
+              </a:rPr>
+              <a:t>Improved error detection and correction</a:t>
             </a:r>
             <a:br>
-              <a:rPr lang="en-US" sz="2000" b="0" i="0" dirty="0" smtClean="0">
+              <a:rPr lang="en-US" sz="2000" i="0" dirty="0">
                 <a:effectLst/>
-                <a:latin typeface="Google Sans"/>
+                <a:latin typeface="Times New Roman" panose="02020603050405020304" pitchFamily="18" charset="0"/>
+                <a:cs typeface="Times New Roman" panose="02020603050405020304" pitchFamily="18" charset="0"/>
               </a:rPr>
             </a:br>
-            <a:r>
-              <a:rPr lang="en-US" sz="2000" b="1" i="0" dirty="0" smtClean="0">
+            <a:br>
+              <a:rPr lang="en-US" sz="2000" b="0" i="0" dirty="0">
                 <a:effectLst/>
-                <a:latin typeface="Google Sans"/>
-              </a:rPr>
-              <a:t>Startups: </a:t>
-            </a:r>
-            <a:r>
-              <a:rPr lang="en-US" sz="2000" b="0" i="0" dirty="0" smtClean="0">
-                <a:effectLst/>
-                <a:latin typeface="Google Sans"/>
-              </a:rPr>
-              <a:t>Innovative, high growth potential, rapid expansion, disruptive ideas, seeking funding.</a:t>
-            </a:r>
-            <a:br>
-              <a:rPr lang="en-US" sz="2000" b="0" i="0" dirty="0" smtClean="0">
-                <a:effectLst/>
-                <a:latin typeface="Google Sans"/>
+                <a:latin typeface="Times New Roman" panose="02020603050405020304" pitchFamily="18" charset="0"/>
+                <a:cs typeface="Times New Roman" panose="02020603050405020304" pitchFamily="18" charset="0"/>
               </a:rPr>
             </a:br>
+            <a:endParaRPr lang="en-US" sz="2000" b="0" i="0" dirty="0">
+              <a:effectLst/>
+              <a:latin typeface="Times New Roman" panose="02020603050405020304" pitchFamily="18" charset="0"/>
+              <a:cs typeface="Times New Roman" panose="02020603050405020304" pitchFamily="18" charset="0"/>
+            </a:endParaRPr>
+          </a:p>
+        </p:txBody>
+      </p:sp>
+      <p:sp>
+        <p:nvSpPr>
+          <p:cNvPr id="3" name="TextBox 2"/>
+          <p:cNvSpPr txBox="1"/>
+          <p:nvPr/>
+        </p:nvSpPr>
+        <p:spPr>
+          <a:xfrm>
+            <a:off x="1777538" y="2149570"/>
+            <a:ext cx="8936182" cy="461665"/>
+          </a:xfrm>
+          <a:prstGeom prst="rect">
+            <a:avLst/>
+          </a:prstGeom>
+          <a:noFill/>
+        </p:spPr>
+        <p:txBody>
+          <a:bodyPr wrap="square" rtlCol="0">
+            <a:spAutoFit/>
+          </a:bodyPr>
+          <a:lstStyle/>
+          <a:p>
             <a:r>
-              <a:rPr lang="en-US" sz="2000" b="1" i="0" dirty="0" smtClean="0">
-                <a:effectLst/>
-                <a:latin typeface="Google Sans"/>
+              <a:rPr lang="en-US" sz="2400" b="1" dirty="0">
+                <a:latin typeface="Times New Roman" panose="02020603050405020304" pitchFamily="18" charset="0"/>
+                <a:cs typeface="Times New Roman" panose="02020603050405020304" pitchFamily="18" charset="0"/>
               </a:rPr>
-              <a:t>Social enterprises: </a:t>
+              <a:t>Semantic Augmentation for Enhanced Language Model Outputs</a:t>
             </a:r>
-            <a:r>
-              <a:rPr lang="en-US" sz="2000" b="0" i="0" dirty="0" smtClean="0">
-                <a:effectLst/>
-                <a:latin typeface="Google Sans"/>
-              </a:rPr>
-              <a:t>Prioritize social or environmental impact, strong sense of purpose, reinvest profits into mission. </a:t>
-            </a:r>
-            <a:br>
-              <a:rPr lang="en-US" sz="2000" b="0" i="0" dirty="0" smtClean="0">
-                <a:effectLst/>
-                <a:latin typeface="Google Sans"/>
-              </a:rPr>
-            </a:br>
-            <a:r>
-              <a:rPr lang="en-US" sz="2000" b="1" i="0" dirty="0" smtClean="0">
-                <a:effectLst/>
-                <a:latin typeface="Google Sans"/>
-              </a:rPr>
-              <a:t>Corporate ventures: </a:t>
-            </a:r>
-            <a:r>
-              <a:rPr lang="en-US" sz="2000" b="0" i="0" dirty="0" smtClean="0">
-                <a:effectLst/>
-                <a:latin typeface="Google Sans"/>
-              </a:rPr>
-              <a:t>Intrapreneurship within larger corporations, benefit from resources and infrastructure of parent company, aim to diversify portfolio, explore new markets, or create innovative solutions</a:t>
-            </a:r>
-            <a:endParaRPr lang="en-US" sz="2000" dirty="0">
-              <a:latin typeface="Abadi" panose="020B0604020104020204" pitchFamily="34" charset="0"/>
-              <a:ea typeface="ADLaM Display" panose="020F0502020204030204" pitchFamily="2" charset="0"/>
-              <a:cs typeface="Aldhabi" panose="020F0502020204030204" pitchFamily="2" charset="-78"/>
-            </a:endParaRPr>
           </a:p>
         </p:txBody>
       </p:sp>
     </p:spTree>
     <p:extLst>
       <p:ext uri="{BB962C8B-B14F-4D97-AF65-F5344CB8AC3E}">
-        <p14:creationId xmlns:p14="http://schemas.microsoft.com/office/powerpoint/2010/main" val="2665373384"/>
+        <p14:creationId xmlns:p14="http://schemas.microsoft.com/office/powerpoint/2010/main" val="1998783839"/>
       </p:ext>
     </p:extLst>
   </p:cSld>
@@ -14419,13 +14315,6 @@
       </p:transition>
     </mc:Fallback>
   </mc:AlternateContent>
-  <p:timing>
-    <p:tnLst>
-      <p:par>
-        <p:cTn id="1" dur="indefinite" restart="never" nodeType="tmRoot"/>
-      </p:par>
-    </p:tnLst>
-  </p:timing>
 </p:sld>
 </file>
 
@@ -14913,7 +14802,7 @@
         </p:nvSpPr>
         <p:spPr>
           <a:xfrm>
-            <a:off x="324197" y="54624"/>
+            <a:off x="0" y="0"/>
             <a:ext cx="12192000" cy="11045371"/>
           </a:xfrm>
           <a:custGeom>
@@ -15065,8 +14954,8 @@
         </p:nvSpPr>
         <p:spPr>
           <a:xfrm>
-            <a:off x="0" y="-43648"/>
-            <a:ext cx="12192000" cy="1588363"/>
+            <a:off x="-116378" y="202707"/>
+            <a:ext cx="12192000" cy="11248677"/>
           </a:xfrm>
           <a:custGeom>
             <a:avLst/>
@@ -15199,159 +15088,7 @@
           <a:lstStyle/>
           <a:p>
             <a:pPr algn="ctr"/>
-            <a:endParaRPr lang="en-US"/>
-          </a:p>
-        </p:txBody>
-      </p:sp>
-      <p:sp>
-        <p:nvSpPr>
-          <p:cNvPr id="19" name="Freeform: Shape 18">
-            <a:extLst>
-              <a:ext uri="{FF2B5EF4-FFF2-40B4-BE49-F238E27FC236}">
-                <a16:creationId xmlns:a16="http://schemas.microsoft.com/office/drawing/2014/main" id="{96E7E90D-3BE6-264C-B405-39627C3EEAA3}"/>
-              </a:ext>
-            </a:extLst>
-          </p:cNvPr>
-          <p:cNvSpPr/>
-          <p:nvPr/>
-        </p:nvSpPr>
-        <p:spPr>
-          <a:xfrm>
-            <a:off x="0" y="-9617"/>
-            <a:ext cx="12192000" cy="1465556"/>
-          </a:xfrm>
-          <a:custGeom>
-            <a:avLst/>
-            <a:gdLst>
-              <a:gd name="connsiteX0" fmla="*/ 0 w 12192000"/>
-              <a:gd name="connsiteY0" fmla="*/ 0 h 1917576"/>
-              <a:gd name="connsiteX1" fmla="*/ 12192000 w 12192000"/>
-              <a:gd name="connsiteY1" fmla="*/ 0 h 1917576"/>
-              <a:gd name="connsiteX2" fmla="*/ 12192000 w 12192000"/>
-              <a:gd name="connsiteY2" fmla="*/ 1242874 h 1917576"/>
-              <a:gd name="connsiteX3" fmla="*/ 6655293 w 12192000"/>
-              <a:gd name="connsiteY3" fmla="*/ 1242874 h 1917576"/>
-              <a:gd name="connsiteX4" fmla="*/ 6655293 w 12192000"/>
-              <a:gd name="connsiteY4" fmla="*/ 1756295 h 1917576"/>
-              <a:gd name="connsiteX5" fmla="*/ 6494012 w 12192000"/>
-              <a:gd name="connsiteY5" fmla="*/ 1917576 h 1917576"/>
-              <a:gd name="connsiteX6" fmla="*/ 5697988 w 12192000"/>
-              <a:gd name="connsiteY6" fmla="*/ 1917576 h 1917576"/>
-              <a:gd name="connsiteX7" fmla="*/ 5536707 w 12192000"/>
-              <a:gd name="connsiteY7" fmla="*/ 1756295 h 1917576"/>
-              <a:gd name="connsiteX8" fmla="*/ 5536707 w 12192000"/>
-              <a:gd name="connsiteY8" fmla="*/ 1242874 h 1917576"/>
-              <a:gd name="connsiteX9" fmla="*/ 0 w 12192000"/>
-              <a:gd name="connsiteY9" fmla="*/ 1242874 h 1917576"/>
-            </a:gdLst>
-            <a:ahLst/>
-            <a:cxnLst>
-              <a:cxn ang="0">
-                <a:pos x="connsiteX0" y="connsiteY0"/>
-              </a:cxn>
-              <a:cxn ang="0">
-                <a:pos x="connsiteX1" y="connsiteY1"/>
-              </a:cxn>
-              <a:cxn ang="0">
-                <a:pos x="connsiteX2" y="connsiteY2"/>
-              </a:cxn>
-              <a:cxn ang="0">
-                <a:pos x="connsiteX3" y="connsiteY3"/>
-              </a:cxn>
-              <a:cxn ang="0">
-                <a:pos x="connsiteX4" y="connsiteY4"/>
-              </a:cxn>
-              <a:cxn ang="0">
-                <a:pos x="connsiteX5" y="connsiteY5"/>
-              </a:cxn>
-              <a:cxn ang="0">
-                <a:pos x="connsiteX6" y="connsiteY6"/>
-              </a:cxn>
-              <a:cxn ang="0">
-                <a:pos x="connsiteX7" y="connsiteY7"/>
-              </a:cxn>
-              <a:cxn ang="0">
-                <a:pos x="connsiteX8" y="connsiteY8"/>
-              </a:cxn>
-              <a:cxn ang="0">
-                <a:pos x="connsiteX9" y="connsiteY9"/>
-              </a:cxn>
-            </a:cxnLst>
-            <a:rect l="l" t="t" r="r" b="b"/>
-            <a:pathLst>
-              <a:path w="12192000" h="1917576">
-                <a:moveTo>
-                  <a:pt x="0" y="0"/>
-                </a:moveTo>
-                <a:lnTo>
-                  <a:pt x="12192000" y="0"/>
-                </a:lnTo>
-                <a:lnTo>
-                  <a:pt x="12192000" y="1242874"/>
-                </a:lnTo>
-                <a:lnTo>
-                  <a:pt x="6655293" y="1242874"/>
-                </a:lnTo>
-                <a:lnTo>
-                  <a:pt x="6655293" y="1756295"/>
-                </a:lnTo>
-                <a:cubicBezTo>
-                  <a:pt x="6655293" y="1845368"/>
-                  <a:pt x="6583085" y="1917576"/>
-                  <a:pt x="6494012" y="1917576"/>
-                </a:cubicBezTo>
-                <a:lnTo>
-                  <a:pt x="5697988" y="1917576"/>
-                </a:lnTo>
-                <a:cubicBezTo>
-                  <a:pt x="5608916" y="1917576"/>
-                  <a:pt x="5536707" y="1845368"/>
-                  <a:pt x="5536707" y="1756295"/>
-                </a:cubicBezTo>
-                <a:lnTo>
-                  <a:pt x="5536707" y="1242874"/>
-                </a:lnTo>
-                <a:lnTo>
-                  <a:pt x="0" y="1242874"/>
-                </a:lnTo>
-                <a:close/>
-              </a:path>
-            </a:pathLst>
-          </a:custGeom>
-          <a:solidFill>
-            <a:schemeClr val="accent1">
-              <a:lumMod val="60000"/>
-              <a:lumOff val="40000"/>
-            </a:schemeClr>
-          </a:solidFill>
-          <a:ln>
-            <a:noFill/>
-          </a:ln>
-        </p:spPr>
-        <p:style>
-          <a:lnRef idx="2">
-            <a:schemeClr val="accent1">
-              <a:shade val="15000"/>
-            </a:schemeClr>
-          </a:lnRef>
-          <a:fillRef idx="1">
-            <a:schemeClr val="accent1"/>
-          </a:fillRef>
-          <a:effectRef idx="0">
-            <a:schemeClr val="accent1"/>
-          </a:effectRef>
-          <a:fontRef idx="minor">
-            <a:schemeClr val="lt1"/>
-          </a:fontRef>
-        </p:style>
-        <p:txBody>
-          <a:bodyPr wrap="square" rtlCol="0" anchor="ctr">
-            <a:noAutofit/>
-          </a:bodyPr>
-          <a:lstStyle/>
-          <a:p>
-            <a:pPr algn="ctr"/>
-            <a:endParaRPr lang="en-US"/>
+            <a:endParaRPr lang="en-US" dirty="0"/>
           </a:p>
         </p:txBody>
       </p:sp>
@@ -17631,10 +17368,10 @@
       </p:sp>
       <p:sp>
         <p:nvSpPr>
-          <p:cNvPr id="2" name="TextBox 1">
+          <p:cNvPr id="4" name="TextBox 3">
             <a:extLst>
               <a:ext uri="{FF2B5EF4-FFF2-40B4-BE49-F238E27FC236}">
-                <a16:creationId xmlns:a16="http://schemas.microsoft.com/office/drawing/2014/main" id="{D69E1B63-83D8-AB0A-C209-F26A9F48C657}"/>
+                <a16:creationId xmlns:a16="http://schemas.microsoft.com/office/drawing/2014/main" id="{05B3A323-28B6-F566-D297-EC5745B48378}"/>
               </a:ext>
             </a:extLst>
           </p:cNvPr>
@@ -17643,8 +17380,8 @@
         </p:nvSpPr>
         <p:spPr>
           <a:xfrm>
-            <a:off x="551643" y="3118365"/>
-            <a:ext cx="8227226" cy="2554545"/>
+            <a:off x="494331" y="2851193"/>
+            <a:ext cx="6329163" cy="2246769"/>
           </a:xfrm>
           <a:prstGeom prst="rect">
             <a:avLst/>
@@ -17662,13 +17399,22 @@
               <a:buChar char="•"/>
             </a:pPr>
             <a:r>
-              <a:rPr lang="en-US" sz="2000" dirty="0"/>
-              <a:t>Leveraging domain-specific ontologies and external knowledge </a:t>
+              <a:rPr lang="en-US" sz="2000" dirty="0">
+                <a:latin typeface="Times New Roman" panose="02020603050405020304" pitchFamily="18" charset="0"/>
+                <a:cs typeface="Times New Roman" panose="02020603050405020304" pitchFamily="18" charset="0"/>
+              </a:rPr>
+              <a:t>Analyzing visual mockups, diagrams, and data representations</a:t>
             </a:r>
-            <a:r>
-              <a:rPr lang="en-US" sz="2000" dirty="0" smtClean="0"/>
-              <a:t>sources</a:t>
-            </a:r>
+            <a:br>
+              <a:rPr lang="en-US" sz="2000" dirty="0">
+                <a:latin typeface="Times New Roman" panose="02020603050405020304" pitchFamily="18" charset="0"/>
+                <a:cs typeface="Times New Roman" panose="02020603050405020304" pitchFamily="18" charset="0"/>
+              </a:rPr>
+            </a:br>
+            <a:endParaRPr lang="en-US" sz="2000" dirty="0">
+              <a:latin typeface="Times New Roman" panose="02020603050405020304" pitchFamily="18" charset="0"/>
+              <a:cs typeface="Times New Roman" panose="02020603050405020304" pitchFamily="18" charset="0"/>
+            </a:endParaRPr>
           </a:p>
           <a:p>
             <a:pPr marL="285750" indent="-285750">
@@ -17676,17 +17422,18 @@
               <a:buChar char="•"/>
             </a:pPr>
             <a:r>
-              <a:rPr lang="en-US" sz="2000" dirty="0" smtClean="0"/>
-              <a:t>Using </a:t>
+              <a:rPr lang="en-US" sz="2000" dirty="0">
+                <a:latin typeface="Times New Roman" panose="02020603050405020304" pitchFamily="18" charset="0"/>
+                <a:cs typeface="Times New Roman" panose="02020603050405020304" pitchFamily="18" charset="0"/>
+              </a:rPr>
+              <a:t>Creating a unified understanding of visual and textual requirements</a:t>
             </a:r>
-            <a:r>
-              <a:rPr lang="en-US" sz="2000" dirty="0"/>
-              <a:t>information retrieval and semantic search to find relevant </a:t>
-            </a:r>
-            <a:r>
-              <a:rPr lang="en-US" sz="2000" dirty="0" smtClean="0"/>
-              <a:t>knowledge</a:t>
-            </a:r>
+          </a:p>
+          <a:p>
+            <a:endParaRPr lang="en-US" sz="2000" dirty="0">
+              <a:latin typeface="Times New Roman" panose="02020603050405020304" pitchFamily="18" charset="0"/>
+              <a:cs typeface="Times New Roman" panose="02020603050405020304" pitchFamily="18" charset="0"/>
+            </a:endParaRPr>
           </a:p>
           <a:p>
             <a:pPr marL="285750" indent="-285750">
@@ -17694,74 +17441,30 @@
               <a:buChar char="•"/>
             </a:pPr>
             <a:r>
-              <a:rPr lang="en-US" sz="2000" dirty="0" smtClean="0"/>
-              <a:t>Augmenting </a:t>
+              <a:rPr lang="en-US" sz="2000" dirty="0">
+                <a:latin typeface="Times New Roman" panose="02020603050405020304" pitchFamily="18" charset="0"/>
+                <a:cs typeface="Times New Roman" panose="02020603050405020304" pitchFamily="18" charset="0"/>
+              </a:rPr>
+              <a:t>Incorporating visual information into design artifacts</a:t>
             </a:r>
-            <a:r>
-              <a:rPr lang="en-US" sz="2000" dirty="0"/>
-              <a:t>LLM outputs with context-specific </a:t>
-            </a:r>
-            <a:r>
-              <a:rPr lang="en-US" sz="2000" dirty="0" smtClean="0"/>
-              <a:t>information</a:t>
-            </a:r>
-          </a:p>
-          <a:p>
-            <a:pPr marL="285750" indent="-285750">
-              <a:buFont typeface="Arial" panose="020B0604020202020204" pitchFamily="34" charset="0"/>
-              <a:buChar char="•"/>
-            </a:pPr>
-            <a:r>
-              <a:rPr lang="en-US" sz="2000" dirty="0" smtClean="0"/>
-              <a:t>Improved </a:t>
-            </a:r>
-            <a:r>
-              <a:rPr lang="en-US" sz="2000" dirty="0"/>
-              <a:t>error detection and correction</a:t>
-            </a:r>
-            <a:r>
-              <a:rPr lang="en-US" sz="2000" i="0" dirty="0" smtClean="0">
-                <a:effectLst/>
-                <a:latin typeface="Google Sans"/>
-              </a:rPr>
-              <a:t/>
-            </a:r>
-            <a:br>
-              <a:rPr lang="en-US" sz="2000" i="0" dirty="0" smtClean="0">
-                <a:effectLst/>
-                <a:latin typeface="Google Sans"/>
-              </a:rPr>
-            </a:br>
-            <a:r>
-              <a:rPr lang="en-US" sz="2000" b="0" i="0" dirty="0" smtClean="0">
-                <a:effectLst/>
-                <a:latin typeface="Google Sans"/>
-              </a:rPr>
-              <a:t/>
-            </a:r>
-            <a:br>
-              <a:rPr lang="en-US" sz="2000" b="0" i="0" dirty="0" smtClean="0">
-                <a:effectLst/>
-                <a:latin typeface="Google Sans"/>
-              </a:rPr>
-            </a:br>
-            <a:endParaRPr lang="en-US" sz="2000" b="0" i="0" dirty="0">
+            <a:endParaRPr lang="en-US" sz="2000" i="0" dirty="0">
               <a:effectLst/>
-              <a:latin typeface="Google Sans"/>
+              <a:latin typeface="Times New Roman" panose="02020603050405020304" pitchFamily="18" charset="0"/>
+              <a:cs typeface="Times New Roman" panose="02020603050405020304" pitchFamily="18" charset="0"/>
             </a:endParaRPr>
           </a:p>
         </p:txBody>
       </p:sp>
       <p:sp>
         <p:nvSpPr>
-          <p:cNvPr id="3" name="TextBox 2"/>
+          <p:cNvPr id="2" name="TextBox 1"/>
           <p:cNvSpPr txBox="1"/>
           <p:nvPr/>
         </p:nvSpPr>
         <p:spPr>
           <a:xfrm>
-            <a:off x="1777538" y="2149570"/>
-            <a:ext cx="8936182" cy="400110"/>
+            <a:off x="2173778" y="1697096"/>
+            <a:ext cx="7611688" cy="584775"/>
           </a:xfrm>
           <a:prstGeom prst="rect">
             <a:avLst/>
@@ -17774,18 +17477,51 @@
           </a:bodyPr>
           <a:lstStyle/>
           <a:p>
+            <a:pPr lvl="3" algn="just"/>
             <a:r>
-              <a:rPr lang="en-US" sz="2000" b="1" dirty="0"/>
-              <a:t>Semantic Augmentation for Enhanced Language Model Outputs</a:t>
+              <a:rPr lang="en-US" sz="3200" b="1" dirty="0">
+                <a:latin typeface="Times New Roman" panose="02020603050405020304" pitchFamily="18" charset="0"/>
+                <a:cs typeface="Times New Roman" panose="02020603050405020304" pitchFamily="18" charset="0"/>
+              </a:rPr>
+              <a:t>ACTIVITY  DIAGRAM</a:t>
             </a:r>
-            <a:endParaRPr lang="en-US" sz="2000" b="1" dirty="0"/>
           </a:p>
         </p:txBody>
       </p:sp>
+      <p:pic>
+        <p:nvPicPr>
+          <p:cNvPr id="3" name="Picture 2"/>
+          <p:cNvPicPr>
+            <a:picLocks noChangeAspect="1"/>
+          </p:cNvPicPr>
+          <p:nvPr/>
+        </p:nvPicPr>
+        <p:blipFill>
+          <a:blip r:embed="rId2">
+            <a:extLst>
+              <a:ext uri="{28A0092B-C50C-407E-A947-70E740481C1C}">
+                <a14:useLocalDpi xmlns:a14="http://schemas.microsoft.com/office/drawing/2010/main" val="0"/>
+              </a:ext>
+            </a:extLst>
+          </a:blip>
+          <a:stretch>
+            <a:fillRect/>
+          </a:stretch>
+        </p:blipFill>
+        <p:spPr>
+          <a:xfrm>
+            <a:off x="7599496" y="2750848"/>
+            <a:ext cx="2793206" cy="3654940"/>
+          </a:xfrm>
+          <a:prstGeom prst="rect">
+            <a:avLst/>
+          </a:prstGeom>
+        </p:spPr>
+      </p:pic>
     </p:spTree>
     <p:extLst>
       <p:ext uri="{BB962C8B-B14F-4D97-AF65-F5344CB8AC3E}">
-        <p14:creationId xmlns:p14="http://schemas.microsoft.com/office/powerpoint/2010/main" val="1998783839"/>
+        <p14:creationId xmlns:p14="http://schemas.microsoft.com/office/powerpoint/2010/main" val="2270313382"/>
       </p:ext>
     </p:extLst>
   </p:cSld>
@@ -17804,13 +17540,6 @@
       </p:transition>
     </mc:Fallback>
   </mc:AlternateContent>
-  <p:timing>
-    <p:tnLst>
-      <p:par>
-        <p:cTn id="1" dur="indefinite" restart="never" nodeType="tmRoot"/>
-      </p:par>
-    </p:tnLst>
-  </p:timing>
 </p:sld>
 </file>
 
@@ -18450,7 +18179,7 @@
         </p:nvSpPr>
         <p:spPr>
           <a:xfrm>
-            <a:off x="-116378" y="202707"/>
+            <a:off x="0" y="-43648"/>
             <a:ext cx="12192000" cy="11248677"/>
           </a:xfrm>
           <a:custGeom>
@@ -18584,7 +18313,159 @@
           <a:lstStyle/>
           <a:p>
             <a:pPr algn="ctr"/>
-            <a:endParaRPr lang="en-US" dirty="0"/>
+            <a:endParaRPr lang="en-US"/>
+          </a:p>
+        </p:txBody>
+      </p:sp>
+      <p:sp>
+        <p:nvSpPr>
+          <p:cNvPr id="19" name="Freeform: Shape 18">
+            <a:extLst>
+              <a:ext uri="{FF2B5EF4-FFF2-40B4-BE49-F238E27FC236}">
+                <a16:creationId xmlns:a16="http://schemas.microsoft.com/office/drawing/2014/main" id="{96E7E90D-3BE6-264C-B405-39627C3EEAA3}"/>
+              </a:ext>
+            </a:extLst>
+          </p:cNvPr>
+          <p:cNvSpPr/>
+          <p:nvPr/>
+        </p:nvSpPr>
+        <p:spPr>
+          <a:xfrm>
+            <a:off x="0" y="-9618"/>
+            <a:ext cx="12192000" cy="11240539"/>
+          </a:xfrm>
+          <a:custGeom>
+            <a:avLst/>
+            <a:gdLst>
+              <a:gd name="connsiteX0" fmla="*/ 0 w 12192000"/>
+              <a:gd name="connsiteY0" fmla="*/ 0 h 1917576"/>
+              <a:gd name="connsiteX1" fmla="*/ 12192000 w 12192000"/>
+              <a:gd name="connsiteY1" fmla="*/ 0 h 1917576"/>
+              <a:gd name="connsiteX2" fmla="*/ 12192000 w 12192000"/>
+              <a:gd name="connsiteY2" fmla="*/ 1242874 h 1917576"/>
+              <a:gd name="connsiteX3" fmla="*/ 6655293 w 12192000"/>
+              <a:gd name="connsiteY3" fmla="*/ 1242874 h 1917576"/>
+              <a:gd name="connsiteX4" fmla="*/ 6655293 w 12192000"/>
+              <a:gd name="connsiteY4" fmla="*/ 1756295 h 1917576"/>
+              <a:gd name="connsiteX5" fmla="*/ 6494012 w 12192000"/>
+              <a:gd name="connsiteY5" fmla="*/ 1917576 h 1917576"/>
+              <a:gd name="connsiteX6" fmla="*/ 5697988 w 12192000"/>
+              <a:gd name="connsiteY6" fmla="*/ 1917576 h 1917576"/>
+              <a:gd name="connsiteX7" fmla="*/ 5536707 w 12192000"/>
+              <a:gd name="connsiteY7" fmla="*/ 1756295 h 1917576"/>
+              <a:gd name="connsiteX8" fmla="*/ 5536707 w 12192000"/>
+              <a:gd name="connsiteY8" fmla="*/ 1242874 h 1917576"/>
+              <a:gd name="connsiteX9" fmla="*/ 0 w 12192000"/>
+              <a:gd name="connsiteY9" fmla="*/ 1242874 h 1917576"/>
+            </a:gdLst>
+            <a:ahLst/>
+            <a:cxnLst>
+              <a:cxn ang="0">
+                <a:pos x="connsiteX0" y="connsiteY0"/>
+              </a:cxn>
+              <a:cxn ang="0">
+                <a:pos x="connsiteX1" y="connsiteY1"/>
+              </a:cxn>
+              <a:cxn ang="0">
+                <a:pos x="connsiteX2" y="connsiteY2"/>
+              </a:cxn>
+              <a:cxn ang="0">
+                <a:pos x="connsiteX3" y="connsiteY3"/>
+              </a:cxn>
+              <a:cxn ang="0">
+                <a:pos x="connsiteX4" y="connsiteY4"/>
+              </a:cxn>
+              <a:cxn ang="0">
+                <a:pos x="connsiteX5" y="connsiteY5"/>
+              </a:cxn>
+              <a:cxn ang="0">
+                <a:pos x="connsiteX6" y="connsiteY6"/>
+              </a:cxn>
+              <a:cxn ang="0">
+                <a:pos x="connsiteX7" y="connsiteY7"/>
+              </a:cxn>
+              <a:cxn ang="0">
+                <a:pos x="connsiteX8" y="connsiteY8"/>
+              </a:cxn>
+              <a:cxn ang="0">
+                <a:pos x="connsiteX9" y="connsiteY9"/>
+              </a:cxn>
+            </a:cxnLst>
+            <a:rect l="l" t="t" r="r" b="b"/>
+            <a:pathLst>
+              <a:path w="12192000" h="1917576">
+                <a:moveTo>
+                  <a:pt x="0" y="0"/>
+                </a:moveTo>
+                <a:lnTo>
+                  <a:pt x="12192000" y="0"/>
+                </a:lnTo>
+                <a:lnTo>
+                  <a:pt x="12192000" y="1242874"/>
+                </a:lnTo>
+                <a:lnTo>
+                  <a:pt x="6655293" y="1242874"/>
+                </a:lnTo>
+                <a:lnTo>
+                  <a:pt x="6655293" y="1756295"/>
+                </a:lnTo>
+                <a:cubicBezTo>
+                  <a:pt x="6655293" y="1845368"/>
+                  <a:pt x="6583085" y="1917576"/>
+                  <a:pt x="6494012" y="1917576"/>
+                </a:cubicBezTo>
+                <a:lnTo>
+                  <a:pt x="5697988" y="1917576"/>
+                </a:lnTo>
+                <a:cubicBezTo>
+                  <a:pt x="5608916" y="1917576"/>
+                  <a:pt x="5536707" y="1845368"/>
+                  <a:pt x="5536707" y="1756295"/>
+                </a:cubicBezTo>
+                <a:lnTo>
+                  <a:pt x="5536707" y="1242874"/>
+                </a:lnTo>
+                <a:lnTo>
+                  <a:pt x="0" y="1242874"/>
+                </a:lnTo>
+                <a:close/>
+              </a:path>
+            </a:pathLst>
+          </a:custGeom>
+          <a:solidFill>
+            <a:schemeClr val="accent1">
+              <a:lumMod val="60000"/>
+              <a:lumOff val="40000"/>
+            </a:schemeClr>
+          </a:solidFill>
+          <a:ln>
+            <a:noFill/>
+          </a:ln>
+        </p:spPr>
+        <p:style>
+          <a:lnRef idx="2">
+            <a:schemeClr val="accent1">
+              <a:shade val="15000"/>
+            </a:schemeClr>
+          </a:lnRef>
+          <a:fillRef idx="1">
+            <a:schemeClr val="accent1"/>
+          </a:fillRef>
+          <a:effectRef idx="0">
+            <a:schemeClr val="accent1"/>
+          </a:effectRef>
+          <a:fontRef idx="minor">
+            <a:schemeClr val="lt1"/>
+          </a:fontRef>
+        </p:style>
+        <p:txBody>
+          <a:bodyPr wrap="square" rtlCol="0" anchor="ctr">
+            <a:noAutofit/>
+          </a:bodyPr>
+          <a:lstStyle/>
+          <a:p>
+            <a:pPr algn="ctr"/>
+            <a:endParaRPr lang="en-US"/>
           </a:p>
         </p:txBody>
       </p:sp>
@@ -18602,8 +18483,8 @@
         </p:nvSpPr>
         <p:spPr>
           <a:xfrm>
-            <a:off x="0" y="0"/>
-            <a:ext cx="12192000" cy="1384917"/>
+            <a:off x="-82296" y="27374"/>
+            <a:ext cx="12192000" cy="11230921"/>
           </a:xfrm>
           <a:custGeom>
             <a:avLst/>
@@ -20864,10 +20745,10 @@
       </p:sp>
       <p:sp>
         <p:nvSpPr>
-          <p:cNvPr id="4" name="TextBox 3">
+          <p:cNvPr id="35" name="TextBox 34">
             <a:extLst>
               <a:ext uri="{FF2B5EF4-FFF2-40B4-BE49-F238E27FC236}">
-                <a16:creationId xmlns:a16="http://schemas.microsoft.com/office/drawing/2014/main" id="{05B3A323-28B6-F566-D297-EC5745B48378}"/>
+                <a16:creationId xmlns:a16="http://schemas.microsoft.com/office/drawing/2014/main" id="{8D864EFC-7EEA-7A6D-EDD2-0EED2D7ECB1E}"/>
               </a:ext>
             </a:extLst>
           </p:cNvPr>
@@ -20876,8 +20757,8 @@
         </p:nvSpPr>
         <p:spPr>
           <a:xfrm>
-            <a:off x="494331" y="2851193"/>
-            <a:ext cx="6329163" cy="2246769"/>
+            <a:off x="1809984" y="1820255"/>
+            <a:ext cx="8572032" cy="584775"/>
           </a:xfrm>
           <a:prstGeom prst="rect">
             <a:avLst/>
@@ -20890,105 +20771,40 @@
           </a:bodyPr>
           <a:lstStyle/>
           <a:p>
-            <a:pPr marL="285750" indent="-285750">
-              <a:buFont typeface="Arial" panose="020B0604020202020204" pitchFamily="34" charset="0"/>
-              <a:buChar char="•"/>
-            </a:pPr>
             <a:r>
-              <a:rPr lang="en-US" sz="2000" dirty="0">
-                <a:latin typeface="Google Sans"/>
+              <a:rPr lang="en-US" sz="3200" b="1" dirty="0">
+                <a:latin typeface="Times New Roman" panose="02020603050405020304" pitchFamily="18" charset="0"/>
+                <a:cs typeface="Times New Roman" panose="02020603050405020304" pitchFamily="18" charset="0"/>
               </a:rPr>
-              <a:t>Analyzing visual mockups, diagrams, and data </a:t>
+              <a:t>From User Narrative to Unified Implementation</a:t>
             </a:r>
-            <a:r>
-              <a:rPr lang="en-US" sz="2000" dirty="0" smtClean="0">
-                <a:latin typeface="Google Sans"/>
-              </a:rPr>
-              <a:t>representations</a:t>
-            </a:r>
-          </a:p>
-          <a:p>
-            <a:pPr marL="285750" indent="-285750">
-              <a:buFont typeface="Arial" panose="020B0604020202020204" pitchFamily="34" charset="0"/>
-              <a:buChar char="•"/>
-            </a:pPr>
-            <a:r>
-              <a:rPr lang="en-US" sz="2000" dirty="0" smtClean="0">
-                <a:latin typeface="Google Sans"/>
-              </a:rPr>
-              <a:t>Utilizing </a:t>
-            </a:r>
-            <a:r>
-              <a:rPr lang="en-US" sz="2000" dirty="0">
-                <a:latin typeface="Google Sans"/>
-              </a:rPr>
-              <a:t>object detection, scene understanding, and </a:t>
-            </a:r>
-            <a:r>
-              <a:rPr lang="en-US" sz="2000" dirty="0" smtClean="0">
-                <a:latin typeface="Google Sans"/>
-              </a:rPr>
-              <a:t>OCR</a:t>
-            </a:r>
-          </a:p>
-          <a:p>
-            <a:pPr marL="285750" indent="-285750">
-              <a:buFont typeface="Arial" panose="020B0604020202020204" pitchFamily="34" charset="0"/>
-              <a:buChar char="•"/>
-            </a:pPr>
-            <a:r>
-              <a:rPr lang="en-US" sz="2000" dirty="0" smtClean="0">
-                <a:latin typeface="Google Sans"/>
-              </a:rPr>
-              <a:t>Creating </a:t>
-            </a:r>
-            <a:r>
-              <a:rPr lang="en-US" sz="2000" dirty="0">
-                <a:latin typeface="Google Sans"/>
-              </a:rPr>
-              <a:t>a unified understanding of visual and textual </a:t>
-            </a:r>
-            <a:r>
-              <a:rPr lang="en-US" sz="2000" dirty="0" smtClean="0">
-                <a:latin typeface="Google Sans"/>
-              </a:rPr>
-              <a:t>requirements</a:t>
-            </a:r>
-          </a:p>
-          <a:p>
-            <a:pPr marL="285750" indent="-285750">
-              <a:buFont typeface="Arial" panose="020B0604020202020204" pitchFamily="34" charset="0"/>
-              <a:buChar char="•"/>
-            </a:pPr>
-            <a:r>
-              <a:rPr lang="en-US" sz="2000" dirty="0" smtClean="0">
-                <a:latin typeface="Google Sans"/>
-              </a:rPr>
-              <a:t>Incorporating </a:t>
-            </a:r>
-            <a:r>
-              <a:rPr lang="en-US" sz="2000" dirty="0">
-                <a:latin typeface="Google Sans"/>
-              </a:rPr>
-              <a:t>visual information into design artifacts</a:t>
-            </a:r>
-            <a:endParaRPr lang="en-US" sz="2000" i="0" dirty="0">
-              <a:effectLst/>
-              <a:latin typeface="Google Sans"/>
+            <a:endParaRPr lang="en-US" sz="3200" b="1" dirty="0">
+              <a:solidFill>
+                <a:schemeClr val="bg1"/>
+              </a:solidFill>
+              <a:latin typeface="Times New Roman" panose="02020603050405020304" pitchFamily="18" charset="0"/>
+              <a:ea typeface="ADLaM Display" panose="020F0502020204030204" pitchFamily="2" charset="0"/>
+              <a:cs typeface="Times New Roman" panose="02020603050405020304" pitchFamily="18" charset="0"/>
             </a:endParaRPr>
           </a:p>
         </p:txBody>
       </p:sp>
       <p:sp>
         <p:nvSpPr>
-          <p:cNvPr id="2" name="TextBox 1"/>
+          <p:cNvPr id="2" name="TextBox 1">
+            <a:extLst>
+              <a:ext uri="{FF2B5EF4-FFF2-40B4-BE49-F238E27FC236}">
+                <a16:creationId xmlns:a16="http://schemas.microsoft.com/office/drawing/2014/main" id="{535D0676-4316-27A2-AD5E-99D61646C7F0}"/>
+              </a:ext>
+            </a:extLst>
+          </p:cNvPr>
           <p:cNvSpPr txBox="1"/>
           <p:nvPr/>
         </p:nvSpPr>
         <p:spPr>
           <a:xfrm>
-            <a:off x="2173778" y="1697096"/>
-            <a:ext cx="7611688" cy="369332"/>
+            <a:off x="972406" y="2930163"/>
+            <a:ext cx="8572032" cy="2800767"/>
           </a:xfrm>
           <a:prstGeom prst="rect">
             <a:avLst/>
@@ -21001,48 +20817,108 @@
           </a:bodyPr>
           <a:lstStyle/>
           <a:p>
+            <a:pPr marL="285750" indent="-285750">
+              <a:buFont typeface="Arial" panose="020B0604020202020204" pitchFamily="34" charset="0"/>
+              <a:buChar char="•"/>
+            </a:pPr>
             <a:r>
-              <a:rPr lang="en-US" b="1" dirty="0"/>
-              <a:t>AI-Driven SRD Analysis and Automated Design Artifact Generation</a:t>
+              <a:rPr lang="en-US" sz="1600" dirty="0">
+                <a:latin typeface="Times New Roman" panose="02020603050405020304" pitchFamily="18" charset="0"/>
+                <a:cs typeface="Times New Roman" panose="02020603050405020304" pitchFamily="18" charset="0"/>
+              </a:rPr>
+              <a:t>Enhancing User Stories with RAG-driven Use Case Diagrams for Comprehensive System Understanding.</a:t>
             </a:r>
-            <a:endParaRPr lang="en-US" b="1" dirty="0"/>
+          </a:p>
+          <a:p>
+            <a:pPr marL="285750" indent="-285750">
+              <a:buFont typeface="Arial" panose="020B0604020202020204" pitchFamily="34" charset="0"/>
+              <a:buChar char="•"/>
+            </a:pPr>
+            <a:endParaRPr lang="en-US" sz="1600" dirty="0">
+              <a:latin typeface="Times New Roman" panose="02020603050405020304" pitchFamily="18" charset="0"/>
+              <a:cs typeface="Times New Roman" panose="02020603050405020304" pitchFamily="18" charset="0"/>
+            </a:endParaRPr>
+          </a:p>
+          <a:p>
+            <a:pPr marL="285750" indent="-285750">
+              <a:buFont typeface="Arial" panose="020B0604020202020204" pitchFamily="34" charset="0"/>
+              <a:buChar char="•"/>
+            </a:pPr>
+            <a:r>
+              <a:rPr lang="en-US" sz="1600" dirty="0">
+                <a:latin typeface="Times New Roman" panose="02020603050405020304" pitchFamily="18" charset="0"/>
+                <a:cs typeface="Times New Roman" panose="02020603050405020304" pitchFamily="18" charset="0"/>
+              </a:rPr>
+              <a:t>Augmenting Requirements with Retrieval Techniques for Accurate and Efficient Code Generation.</a:t>
+            </a:r>
+          </a:p>
+          <a:p>
+            <a:pPr marL="285750" indent="-285750">
+              <a:buFont typeface="Arial" panose="020B0604020202020204" pitchFamily="34" charset="0"/>
+              <a:buChar char="•"/>
+            </a:pPr>
+            <a:endParaRPr lang="en-US" sz="1600" dirty="0">
+              <a:latin typeface="Times New Roman" panose="02020603050405020304" pitchFamily="18" charset="0"/>
+              <a:cs typeface="Times New Roman" panose="02020603050405020304" pitchFamily="18" charset="0"/>
+            </a:endParaRPr>
+          </a:p>
+          <a:p>
+            <a:pPr marL="285750" indent="-285750">
+              <a:buFont typeface="Arial" panose="020B0604020202020204" pitchFamily="34" charset="0"/>
+              <a:buChar char="•"/>
+            </a:pPr>
+            <a:r>
+              <a:rPr lang="en-US" sz="1600" dirty="0">
+                <a:latin typeface="Times New Roman" panose="02020603050405020304" pitchFamily="18" charset="0"/>
+                <a:cs typeface="Times New Roman" panose="02020603050405020304" pitchFamily="18" charset="0"/>
+              </a:rPr>
+              <a:t>Streamlining Development: From Narrative Requirements to Functional Code with RAG Integration</a:t>
+            </a:r>
+          </a:p>
+          <a:p>
+            <a:endParaRPr lang="en-US" sz="1600" dirty="0">
+              <a:latin typeface="Times New Roman" panose="02020603050405020304" pitchFamily="18" charset="0"/>
+              <a:cs typeface="Times New Roman" panose="02020603050405020304" pitchFamily="18" charset="0"/>
+            </a:endParaRPr>
+          </a:p>
+          <a:p>
+            <a:pPr marL="285750" indent="-285750">
+              <a:buFont typeface="Arial" panose="020B0604020202020204" pitchFamily="34" charset="0"/>
+              <a:buChar char="•"/>
+            </a:pPr>
+            <a:r>
+              <a:rPr lang="en-US" sz="1600" dirty="0">
+                <a:latin typeface="Times New Roman" panose="02020603050405020304" pitchFamily="18" charset="0"/>
+                <a:cs typeface="Times New Roman" panose="02020603050405020304" pitchFamily="18" charset="0"/>
+              </a:rPr>
+              <a:t>User story to use case diagram (with RAG)</a:t>
+            </a:r>
+          </a:p>
+          <a:p>
+            <a:endParaRPr lang="en-US" sz="1600" dirty="0">
+              <a:latin typeface="Times New Roman" panose="02020603050405020304" pitchFamily="18" charset="0"/>
+              <a:cs typeface="Times New Roman" panose="02020603050405020304" pitchFamily="18" charset="0"/>
+            </a:endParaRPr>
+          </a:p>
+          <a:p>
+            <a:pPr marL="285750" indent="-285750">
+              <a:buFont typeface="Arial" panose="020B0604020202020204" pitchFamily="34" charset="0"/>
+              <a:buChar char="•"/>
+            </a:pPr>
+            <a:r>
+              <a:rPr lang="en-US" sz="1600" dirty="0">
+                <a:latin typeface="Times New Roman" panose="02020603050405020304" pitchFamily="18" charset="0"/>
+                <a:cs typeface="Times New Roman" panose="02020603050405020304" pitchFamily="18" charset="0"/>
+              </a:rPr>
+              <a:t>Requirement to code snippet (with retrieval augmentation)</a:t>
+            </a:r>
           </a:p>
         </p:txBody>
       </p:sp>
-      <p:pic>
-        <p:nvPicPr>
-          <p:cNvPr id="3" name="Picture 2"/>
-          <p:cNvPicPr>
-            <a:picLocks noChangeAspect="1"/>
-          </p:cNvPicPr>
-          <p:nvPr/>
-        </p:nvPicPr>
-        <p:blipFill>
-          <a:blip r:embed="rId2">
-            <a:extLst>
-              <a:ext uri="{28A0092B-C50C-407E-A947-70E740481C1C}">
-                <a14:useLocalDpi xmlns:a14="http://schemas.microsoft.com/office/drawing/2010/main" val="0"/>
-              </a:ext>
-            </a:extLst>
-          </a:blip>
-          <a:stretch>
-            <a:fillRect/>
-          </a:stretch>
-        </p:blipFill>
-        <p:spPr>
-          <a:xfrm>
-            <a:off x="8769928" y="3636023"/>
-            <a:ext cx="2793206" cy="3654940"/>
-          </a:xfrm>
-          <a:prstGeom prst="rect">
-            <a:avLst/>
-          </a:prstGeom>
-        </p:spPr>
-      </p:pic>
     </p:spTree>
     <p:extLst>
       <p:ext uri="{BB962C8B-B14F-4D97-AF65-F5344CB8AC3E}">
-        <p14:creationId xmlns:p14="http://schemas.microsoft.com/office/powerpoint/2010/main" val="2270313382"/>
+        <p14:creationId xmlns:p14="http://schemas.microsoft.com/office/powerpoint/2010/main" val="2525714966"/>
       </p:ext>
     </p:extLst>
   </p:cSld>
@@ -21061,13 +20937,6 @@
       </p:transition>
     </mc:Fallback>
   </mc:AlternateContent>
-  <p:timing>
-    <p:tnLst>
-      <p:par>
-        <p:cTn id="1" dur="indefinite" restart="never" nodeType="tmRoot"/>
-      </p:par>
-    </p:tnLst>
-  </p:timing>
 </p:sld>
 </file>
 
@@ -22162,8 +22031,8 @@
         </p:nvSpPr>
         <p:spPr>
           <a:xfrm>
-            <a:off x="0" y="19235"/>
-            <a:ext cx="12192000" cy="1303538"/>
+            <a:off x="-374073" y="-17756"/>
+            <a:ext cx="12192000" cy="11211686"/>
           </a:xfrm>
           <a:custGeom>
             <a:avLst/>
@@ -24285,8 +24154,8 @@
         </p:nvSpPr>
         <p:spPr>
           <a:xfrm>
-            <a:off x="2150666" y="1922046"/>
-            <a:ext cx="7235687" cy="461665"/>
+            <a:off x="1984113" y="1949657"/>
+            <a:ext cx="7675134" cy="646331"/>
           </a:xfrm>
           <a:prstGeom prst="rect">
             <a:avLst/>
@@ -24300,16 +24169,19 @@
           <a:lstStyle/>
           <a:p>
             <a:r>
-              <a:rPr lang="en-US" sz="2400" dirty="0"/>
-              <a:t>From User Narrative to Unified Implementation</a:t>
+              <a:rPr lang="en-US" sz="3600" b="1" dirty="0">
+                <a:latin typeface="Times New Roman" panose="02020603050405020304" pitchFamily="18" charset="0"/>
+                <a:cs typeface="Times New Roman" panose="02020603050405020304" pitchFamily="18" charset="0"/>
+              </a:rPr>
+              <a:t>Addressing Challenges in AI Systems</a:t>
             </a:r>
-            <a:endParaRPr lang="en-US" sz="2400" b="1" dirty="0">
+            <a:endParaRPr lang="en-US" sz="3600" b="1" dirty="0">
               <a:solidFill>
                 <a:schemeClr val="bg1"/>
               </a:solidFill>
-              <a:latin typeface="Abadi" panose="020B0604020104020204" pitchFamily="34" charset="0"/>
+              <a:latin typeface="Times New Roman" panose="02020603050405020304" pitchFamily="18" charset="0"/>
               <a:ea typeface="ADLaM Display" panose="020F0502020204030204" pitchFamily="2" charset="0"/>
-              <a:cs typeface="Aldhabi" panose="020F0502020204030204" pitchFamily="2" charset="-78"/>
+              <a:cs typeface="Times New Roman" panose="02020603050405020304" pitchFamily="18" charset="0"/>
             </a:endParaRPr>
           </a:p>
         </p:txBody>
@@ -24319,7 +24191,7 @@
           <p:cNvPr id="2" name="TextBox 1">
             <a:extLst>
               <a:ext uri="{FF2B5EF4-FFF2-40B4-BE49-F238E27FC236}">
-                <a16:creationId xmlns:a16="http://schemas.microsoft.com/office/drawing/2014/main" id="{535D0676-4316-27A2-AD5E-99D61646C7F0}"/>
+                <a16:creationId xmlns:a16="http://schemas.microsoft.com/office/drawing/2014/main" id="{7EC5D535-7F73-79F5-CF34-2AAB928444C4}"/>
               </a:ext>
             </a:extLst>
           </p:cNvPr>
@@ -24328,8 +24200,8 @@
         </p:nvSpPr>
         <p:spPr>
           <a:xfrm>
-            <a:off x="451198" y="3222771"/>
-            <a:ext cx="8572032" cy="2062103"/>
+            <a:off x="284834" y="3305349"/>
+            <a:ext cx="11073692" cy="2246769"/>
           </a:xfrm>
           <a:prstGeom prst="rect">
             <a:avLst/>
@@ -24342,78 +24214,129 @@
           </a:bodyPr>
           <a:lstStyle/>
           <a:p>
-            <a:pPr marL="285750" indent="-285750">
+            <a:pPr marL="342900" indent="-342900">
               <a:buFont typeface="Arial" panose="020B0604020202020204" pitchFamily="34" charset="0"/>
               <a:buChar char="•"/>
             </a:pPr>
             <a:r>
-              <a:rPr lang="en-US" sz="1600" dirty="0"/>
-              <a:t>Enhancing User Stories with RAG-driven Use Case Diagrams for Comprehensive System Understanding."</a:t>
+              <a:rPr lang="en-US" sz="2000" dirty="0">
+                <a:latin typeface="Times New Roman" panose="02020603050405020304" pitchFamily="18" charset="0"/>
+                <a:cs typeface="Times New Roman" panose="02020603050405020304" pitchFamily="18" charset="0"/>
+              </a:rPr>
+              <a:t>Data quality and bias mitigation</a:t>
             </a:r>
           </a:p>
           <a:p>
-            <a:pPr marL="285750" indent="-285750">
+            <a:endParaRPr lang="en-US" sz="2000" dirty="0">
+              <a:latin typeface="Times New Roman" panose="02020603050405020304" pitchFamily="18" charset="0"/>
+              <a:cs typeface="Times New Roman" panose="02020603050405020304" pitchFamily="18" charset="0"/>
+            </a:endParaRPr>
+          </a:p>
+          <a:p>
+            <a:pPr marL="342900" indent="-342900">
               <a:buFont typeface="Arial" panose="020B0604020202020204" pitchFamily="34" charset="0"/>
               <a:buChar char="•"/>
             </a:pPr>
             <a:r>
-              <a:rPr lang="en-US" sz="1600" dirty="0" smtClean="0"/>
-              <a:t>Augmenting </a:t>
+              <a:rPr lang="en-US" sz="2000" dirty="0">
+                <a:latin typeface="Times New Roman" panose="02020603050405020304" pitchFamily="18" charset="0"/>
+                <a:cs typeface="Times New Roman" panose="02020603050405020304" pitchFamily="18" charset="0"/>
+              </a:rPr>
+              <a:t>Security and privacy concerns</a:t>
             </a:r>
-            <a:r>
-              <a:rPr lang="en-US" sz="1600" dirty="0"/>
-              <a:t>Requirements with Retrieval Techniques for Accurate and Efficient Code Generation."</a:t>
-            </a:r>
-          </a:p>
-          <a:p>
-            <a:pPr marL="285750" indent="-285750">
+          </a:p>
+          <a:p>
+            <a:endParaRPr lang="en-US" sz="2000" dirty="0">
+              <a:latin typeface="Times New Roman" panose="02020603050405020304" pitchFamily="18" charset="0"/>
+              <a:cs typeface="Times New Roman" panose="02020603050405020304" pitchFamily="18" charset="0"/>
+            </a:endParaRPr>
+          </a:p>
+          <a:p>
+            <a:pPr marL="342900" indent="-342900">
               <a:buFont typeface="Arial" panose="020B0604020202020204" pitchFamily="34" charset="0"/>
               <a:buChar char="•"/>
             </a:pPr>
             <a:r>
-              <a:rPr lang="en-US" sz="1600" dirty="0" smtClean="0"/>
-              <a:t>Streamlining </a:t>
+              <a:rPr lang="en-US" sz="2000" dirty="0">
+                <a:latin typeface="Times New Roman" panose="02020603050405020304" pitchFamily="18" charset="0"/>
+                <a:cs typeface="Times New Roman" panose="02020603050405020304" pitchFamily="18" charset="0"/>
+              </a:rPr>
+              <a:t>Explainability and user trust</a:t>
             </a:r>
-            <a:r>
-              <a:rPr lang="en-US" sz="1600" dirty="0"/>
-              <a:t>Development: From Narrative Requirements to Functional Code with RAG </a:t>
-            </a:r>
-            <a:r>
-              <a:rPr lang="en-US" sz="1600" dirty="0" smtClean="0"/>
-              <a:t>Integration</a:t>
-            </a:r>
-          </a:p>
-          <a:p>
-            <a:pPr marL="285750" indent="-285750">
+          </a:p>
+          <a:p>
+            <a:endParaRPr lang="en-US" sz="2000" dirty="0">
+              <a:latin typeface="Times New Roman" panose="02020603050405020304" pitchFamily="18" charset="0"/>
+              <a:cs typeface="Times New Roman" panose="02020603050405020304" pitchFamily="18" charset="0"/>
+            </a:endParaRPr>
+          </a:p>
+          <a:p>
+            <a:pPr marL="342900" indent="-342900">
               <a:buFont typeface="Arial" panose="020B0604020202020204" pitchFamily="34" charset="0"/>
               <a:buChar char="•"/>
             </a:pPr>
             <a:r>
-              <a:rPr lang="en-US" sz="1600" dirty="0"/>
-              <a:t>User story to use case diagram (with RAG) </a:t>
+              <a:rPr lang="en-US" sz="2000" dirty="0">
+                <a:latin typeface="Times New Roman" panose="02020603050405020304" pitchFamily="18" charset="0"/>
+                <a:cs typeface="Times New Roman" panose="02020603050405020304" pitchFamily="18" charset="0"/>
+              </a:rPr>
+              <a:t>System complexity and scalability</a:t>
             </a:r>
-            <a:endParaRPr lang="en-US" sz="1600" dirty="0" smtClean="0"/>
-          </a:p>
-          <a:p>
-            <a:pPr marL="285750" indent="-285750">
-              <a:buFont typeface="Arial" panose="020B0604020202020204" pitchFamily="34" charset="0"/>
-              <a:buChar char="•"/>
-            </a:pPr>
-            <a:r>
-              <a:rPr lang="en-US" sz="1600" dirty="0" smtClean="0"/>
-              <a:t>Requirement </a:t>
-            </a:r>
-            <a:r>
-              <a:rPr lang="en-US" sz="1600" dirty="0"/>
-              <a:t>to code snippet (with retrieval augmentation)</a:t>
-            </a:r>
+            <a:endParaRPr lang="en-US" sz="2000" i="0" dirty="0">
+              <a:effectLst/>
+              <a:latin typeface="Times New Roman" panose="02020603050405020304" pitchFamily="18" charset="0"/>
+              <a:cs typeface="Times New Roman" panose="02020603050405020304" pitchFamily="18" charset="0"/>
+            </a:endParaRPr>
           </a:p>
         </p:txBody>
       </p:sp>
+      <p:cxnSp>
+        <p:nvCxnSpPr>
+          <p:cNvPr id="3" name="Straight Connector 2">
+            <a:extLst>
+              <a:ext uri="{FF2B5EF4-FFF2-40B4-BE49-F238E27FC236}">
+                <a16:creationId xmlns:a16="http://schemas.microsoft.com/office/drawing/2014/main" id="{6E7122A2-9859-C319-A7BD-F5B3A2A7914A}"/>
+              </a:ext>
+            </a:extLst>
+          </p:cNvPr>
+          <p:cNvCxnSpPr>
+            <a:cxnSpLocks/>
+          </p:cNvCxnSpPr>
+          <p:nvPr/>
+        </p:nvCxnSpPr>
+        <p:spPr>
+          <a:xfrm>
+            <a:off x="2138245" y="2789989"/>
+            <a:ext cx="7167364" cy="0"/>
+          </a:xfrm>
+          <a:prstGeom prst="line">
+            <a:avLst/>
+          </a:prstGeom>
+          <a:ln w="12700">
+            <a:solidFill>
+              <a:schemeClr val="bg1"/>
+            </a:solidFill>
+          </a:ln>
+        </p:spPr>
+        <p:style>
+          <a:lnRef idx="1">
+            <a:schemeClr val="accent1"/>
+          </a:lnRef>
+          <a:fillRef idx="0">
+            <a:schemeClr val="accent1"/>
+          </a:fillRef>
+          <a:effectRef idx="0">
+            <a:schemeClr val="accent1"/>
+          </a:effectRef>
+          <a:fontRef idx="minor">
+            <a:schemeClr val="tx1"/>
+          </a:fontRef>
+        </p:style>
+      </p:cxnSp>
     </p:spTree>
     <p:extLst>
       <p:ext uri="{BB962C8B-B14F-4D97-AF65-F5344CB8AC3E}">
-        <p14:creationId xmlns:p14="http://schemas.microsoft.com/office/powerpoint/2010/main" val="2525714966"/>
+        <p14:creationId xmlns:p14="http://schemas.microsoft.com/office/powerpoint/2010/main" val="1934901829"/>
       </p:ext>
     </p:extLst>
   </p:cSld>
@@ -24432,13 +24355,6 @@
       </p:transition>
     </mc:Fallback>
   </mc:AlternateContent>
-  <p:timing>
-    <p:tnLst>
-      <p:par>
-        <p:cTn id="1" dur="indefinite" restart="never" nodeType="tmRoot"/>
-      </p:par>
-    </p:tnLst>
-  </p:timing>
 </p:sld>
 </file>
 
@@ -24473,7 +24389,7 @@
         </p:nvSpPr>
         <p:spPr>
           <a:xfrm>
-            <a:off x="0" y="-1"/>
+            <a:off x="0" y="-73153"/>
             <a:ext cx="12192000" cy="10885715"/>
           </a:xfrm>
           <a:custGeom>
@@ -24624,7 +24540,7 @@
         </p:nvSpPr>
         <p:spPr>
           <a:xfrm>
-            <a:off x="0" y="-87298"/>
+            <a:off x="0" y="-160450"/>
             <a:ext cx="12192000" cy="10973011"/>
           </a:xfrm>
           <a:custGeom>
@@ -24775,7 +24691,7 @@
         </p:nvSpPr>
         <p:spPr>
           <a:xfrm>
-            <a:off x="0" y="0"/>
+            <a:off x="0" y="-73152"/>
             <a:ext cx="12192000" cy="1722268"/>
           </a:xfrm>
           <a:custGeom>
@@ -24926,7 +24842,7 @@
         </p:nvSpPr>
         <p:spPr>
           <a:xfrm>
-            <a:off x="0" y="0"/>
+            <a:off x="0" y="-73152"/>
             <a:ext cx="12192000" cy="11045371"/>
           </a:xfrm>
           <a:custGeom>
@@ -25078,7 +24994,7 @@
         </p:nvSpPr>
         <p:spPr>
           <a:xfrm>
-            <a:off x="0" y="-43648"/>
+            <a:off x="0" y="-116800"/>
             <a:ext cx="12192000" cy="11248677"/>
           </a:xfrm>
           <a:custGeom>
@@ -25230,7 +25146,7 @@
         </p:nvSpPr>
         <p:spPr>
           <a:xfrm>
-            <a:off x="0" y="-9618"/>
+            <a:off x="0" y="-82770"/>
             <a:ext cx="12192000" cy="11240539"/>
           </a:xfrm>
           <a:custGeom>
@@ -25382,7 +25298,7 @@
         </p:nvSpPr>
         <p:spPr>
           <a:xfrm>
-            <a:off x="0" y="0"/>
+            <a:off x="0" y="-73152"/>
             <a:ext cx="12192000" cy="11230921"/>
           </a:xfrm>
           <a:custGeom>
@@ -25533,7 +25449,7 @@
         </p:nvSpPr>
         <p:spPr>
           <a:xfrm>
-            <a:off x="-374073" y="-17756"/>
+            <a:off x="0" y="-53917"/>
             <a:ext cx="12192000" cy="11211686"/>
           </a:xfrm>
           <a:custGeom>
@@ -25684,8 +25600,8 @@
         </p:nvSpPr>
         <p:spPr>
           <a:xfrm>
-            <a:off x="0" y="1480"/>
-            <a:ext cx="12192000" cy="1232516"/>
+            <a:off x="0" y="-71673"/>
+            <a:ext cx="12192000" cy="11247199"/>
           </a:xfrm>
           <a:custGeom>
             <a:avLst/>
@@ -25836,7 +25752,7 @@
         </p:nvSpPr>
         <p:spPr>
           <a:xfrm>
-            <a:off x="0" y="0"/>
+            <a:off x="0" y="-73152"/>
             <a:ext cx="12192000" cy="1145219"/>
           </a:xfrm>
           <a:custGeom>
@@ -25988,7 +25904,7 @@
         </p:nvSpPr>
         <p:spPr>
           <a:xfrm>
-            <a:off x="0" y="10357"/>
+            <a:off x="0" y="-62795"/>
             <a:ext cx="12192000" cy="1063841"/>
           </a:xfrm>
           <a:custGeom>
@@ -26140,7 +26056,7 @@
         </p:nvSpPr>
         <p:spPr>
           <a:xfrm>
-            <a:off x="0" y="-17755"/>
+            <a:off x="0" y="-90907"/>
             <a:ext cx="12192000" cy="994299"/>
           </a:xfrm>
           <a:custGeom>
@@ -26292,7 +26208,7 @@
         </p:nvSpPr>
         <p:spPr>
           <a:xfrm>
-            <a:off x="0" y="10357"/>
+            <a:off x="0" y="-62795"/>
             <a:ext cx="12192000" cy="886288"/>
           </a:xfrm>
           <a:custGeom>
@@ -26444,7 +26360,7 @@
         </p:nvSpPr>
         <p:spPr>
           <a:xfrm>
-            <a:off x="0" y="-9617"/>
+            <a:off x="0" y="-82769"/>
             <a:ext cx="12192000" cy="817485"/>
           </a:xfrm>
           <a:custGeom>
@@ -26596,7 +26512,7 @@
         </p:nvSpPr>
         <p:spPr>
           <a:xfrm>
-            <a:off x="0" y="2220"/>
+            <a:off x="0" y="-70932"/>
             <a:ext cx="12192000" cy="734627"/>
           </a:xfrm>
           <a:custGeom>
@@ -26748,7 +26664,7 @@
         </p:nvSpPr>
         <p:spPr>
           <a:xfrm>
-            <a:off x="0" y="10357"/>
+            <a:off x="0" y="-62795"/>
             <a:ext cx="12192000" cy="646591"/>
           </a:xfrm>
           <a:custGeom>
@@ -26900,7 +26816,7 @@
         </p:nvSpPr>
         <p:spPr>
           <a:xfrm>
-            <a:off x="0" y="0"/>
+            <a:off x="0" y="-73152"/>
             <a:ext cx="12192000" cy="568171"/>
           </a:xfrm>
           <a:custGeom>
@@ -27051,7 +26967,7 @@
         </p:nvSpPr>
         <p:spPr>
           <a:xfrm>
-            <a:off x="0" y="-9617"/>
+            <a:off x="0" y="-82769"/>
             <a:ext cx="12192000" cy="471256"/>
           </a:xfrm>
           <a:custGeom>
@@ -27202,7 +27118,7 @@
         </p:nvSpPr>
         <p:spPr>
           <a:xfrm>
-            <a:off x="0" y="-7397"/>
+            <a:off x="0" y="-80549"/>
             <a:ext cx="12192000" cy="380259"/>
           </a:xfrm>
           <a:custGeom>
@@ -27353,7 +27269,7 @@
         </p:nvSpPr>
         <p:spPr>
           <a:xfrm>
-            <a:off x="0" y="0"/>
+            <a:off x="0" y="-73152"/>
             <a:ext cx="12192000" cy="266330"/>
           </a:xfrm>
           <a:custGeom>
@@ -27504,7 +27420,7 @@
         </p:nvSpPr>
         <p:spPr>
           <a:xfrm>
-            <a:off x="0" y="53266"/>
+            <a:off x="0" y="-19886"/>
             <a:ext cx="12192000" cy="115410"/>
           </a:xfrm>
           <a:custGeom>
@@ -27656,3452 +27572,7 @@
         </p:nvSpPr>
         <p:spPr>
           <a:xfrm>
-            <a:off x="2258433" y="1956838"/>
-            <a:ext cx="7675134" cy="523220"/>
-          </a:xfrm>
-          <a:prstGeom prst="rect">
-            <a:avLst/>
-          </a:prstGeom>
-          <a:noFill/>
-        </p:spPr>
-        <p:txBody>
-          <a:bodyPr wrap="square" rtlCol="0">
-            <a:spAutoFit/>
-          </a:bodyPr>
-          <a:lstStyle/>
-          <a:p>
-            <a:r>
-              <a:rPr lang="en-US" sz="2800" dirty="0" smtClean="0"/>
-              <a:t>Addressing </a:t>
-            </a:r>
-            <a:r>
-              <a:rPr lang="en-US" sz="2800" dirty="0"/>
-              <a:t>Challenges in AI Systems</a:t>
-            </a:r>
-            <a:endParaRPr lang="en-US" sz="2800" b="1" dirty="0">
-              <a:solidFill>
-                <a:schemeClr val="bg1"/>
-              </a:solidFill>
-              <a:latin typeface="Abadi" panose="020B0604020104020204" pitchFamily="34" charset="0"/>
-              <a:ea typeface="ADLaM Display" panose="020F0502020204030204" pitchFamily="2" charset="0"/>
-              <a:cs typeface="Aldhabi" panose="020F0502020204030204" pitchFamily="2" charset="-78"/>
-            </a:endParaRPr>
-          </a:p>
-        </p:txBody>
-      </p:sp>
-      <p:sp>
-        <p:nvSpPr>
-          <p:cNvPr id="2" name="TextBox 1">
-            <a:extLst>
-              <a:ext uri="{FF2B5EF4-FFF2-40B4-BE49-F238E27FC236}">
-                <a16:creationId xmlns:a16="http://schemas.microsoft.com/office/drawing/2014/main" id="{7EC5D535-7F73-79F5-CF34-2AAB928444C4}"/>
-              </a:ext>
-            </a:extLst>
-          </p:cNvPr>
-          <p:cNvSpPr txBox="1"/>
-          <p:nvPr/>
-        </p:nvSpPr>
-        <p:spPr>
-          <a:xfrm>
-            <a:off x="284834" y="3469710"/>
-            <a:ext cx="11073692" cy="1323439"/>
-          </a:xfrm>
-          <a:prstGeom prst="rect">
-            <a:avLst/>
-          </a:prstGeom>
-          <a:noFill/>
-        </p:spPr>
-        <p:txBody>
-          <a:bodyPr wrap="square" rtlCol="0">
-            <a:spAutoFit/>
-          </a:bodyPr>
-          <a:lstStyle/>
-          <a:p>
-            <a:pPr marL="342900" indent="-342900">
-              <a:buFont typeface="Arial" panose="020B0604020202020204" pitchFamily="34" charset="0"/>
-              <a:buChar char="•"/>
-            </a:pPr>
-            <a:r>
-              <a:rPr lang="en-US" sz="2000" b="1" dirty="0">
-                <a:latin typeface="Google Sans"/>
-              </a:rPr>
-              <a:t>Data quality and bias </a:t>
-            </a:r>
-            <a:r>
-              <a:rPr lang="en-US" sz="2000" b="1" dirty="0" smtClean="0">
-                <a:latin typeface="Google Sans"/>
-              </a:rPr>
-              <a:t>mitigation</a:t>
-            </a:r>
-          </a:p>
-          <a:p>
-            <a:pPr marL="342900" indent="-342900">
-              <a:buFont typeface="Arial" panose="020B0604020202020204" pitchFamily="34" charset="0"/>
-              <a:buChar char="•"/>
-            </a:pPr>
-            <a:r>
-              <a:rPr lang="en-US" sz="2000" b="1" dirty="0" smtClean="0">
-                <a:latin typeface="Google Sans"/>
-              </a:rPr>
-              <a:t>Security </a:t>
-            </a:r>
-            <a:r>
-              <a:rPr lang="en-US" sz="2000" b="1" dirty="0">
-                <a:latin typeface="Google Sans"/>
-              </a:rPr>
-              <a:t>and privacy </a:t>
-            </a:r>
-            <a:r>
-              <a:rPr lang="en-US" sz="2000" b="1" dirty="0" smtClean="0">
-                <a:latin typeface="Google Sans"/>
-              </a:rPr>
-              <a:t>concerns</a:t>
-            </a:r>
-          </a:p>
-          <a:p>
-            <a:pPr marL="342900" indent="-342900">
-              <a:buFont typeface="Arial" panose="020B0604020202020204" pitchFamily="34" charset="0"/>
-              <a:buChar char="•"/>
-            </a:pPr>
-            <a:r>
-              <a:rPr lang="en-US" sz="2000" b="1" dirty="0" err="1" smtClean="0">
-                <a:latin typeface="Google Sans"/>
-              </a:rPr>
-              <a:t>Explainability</a:t>
-            </a:r>
-            <a:r>
-              <a:rPr lang="en-US" sz="2000" b="1" dirty="0" smtClean="0">
-                <a:latin typeface="Google Sans"/>
-              </a:rPr>
-              <a:t> </a:t>
-            </a:r>
-            <a:r>
-              <a:rPr lang="en-US" sz="2000" b="1" dirty="0">
-                <a:latin typeface="Google Sans"/>
-              </a:rPr>
-              <a:t>and user </a:t>
-            </a:r>
-            <a:r>
-              <a:rPr lang="en-US" sz="2000" b="1" dirty="0" smtClean="0">
-                <a:latin typeface="Google Sans"/>
-              </a:rPr>
-              <a:t>trust</a:t>
-            </a:r>
-          </a:p>
-          <a:p>
-            <a:pPr marL="342900" indent="-342900">
-              <a:buFont typeface="Arial" panose="020B0604020202020204" pitchFamily="34" charset="0"/>
-              <a:buChar char="•"/>
-            </a:pPr>
-            <a:r>
-              <a:rPr lang="en-US" sz="2000" b="1" dirty="0" smtClean="0">
-                <a:latin typeface="Google Sans"/>
-              </a:rPr>
-              <a:t>System </a:t>
-            </a:r>
-            <a:r>
-              <a:rPr lang="en-US" sz="2000" b="1" dirty="0">
-                <a:latin typeface="Google Sans"/>
-              </a:rPr>
-              <a:t>complexity and scalability</a:t>
-            </a:r>
-            <a:endParaRPr lang="en-US" sz="2000" i="0" dirty="0">
-              <a:effectLst/>
-              <a:latin typeface="Google Sans"/>
-            </a:endParaRPr>
-          </a:p>
-        </p:txBody>
-      </p:sp>
-      <p:cxnSp>
-        <p:nvCxnSpPr>
-          <p:cNvPr id="3" name="Straight Connector 2">
-            <a:extLst>
-              <a:ext uri="{FF2B5EF4-FFF2-40B4-BE49-F238E27FC236}">
-                <a16:creationId xmlns:a16="http://schemas.microsoft.com/office/drawing/2014/main" id="{6E7122A2-9859-C319-A7BD-F5B3A2A7914A}"/>
-              </a:ext>
-            </a:extLst>
-          </p:cNvPr>
-          <p:cNvCxnSpPr>
-            <a:cxnSpLocks/>
-          </p:cNvCxnSpPr>
-          <p:nvPr/>
-        </p:nvCxnSpPr>
-        <p:spPr>
-          <a:xfrm>
-            <a:off x="708553" y="2991157"/>
-            <a:ext cx="7167364" cy="0"/>
-          </a:xfrm>
-          <a:prstGeom prst="line">
-            <a:avLst/>
-          </a:prstGeom>
-          <a:ln w="12700">
-            <a:solidFill>
-              <a:schemeClr val="bg1"/>
-            </a:solidFill>
-          </a:ln>
-        </p:spPr>
-        <p:style>
-          <a:lnRef idx="1">
-            <a:schemeClr val="accent1"/>
-          </a:lnRef>
-          <a:fillRef idx="0">
-            <a:schemeClr val="accent1"/>
-          </a:fillRef>
-          <a:effectRef idx="0">
-            <a:schemeClr val="accent1"/>
-          </a:effectRef>
-          <a:fontRef idx="minor">
-            <a:schemeClr val="tx1"/>
-          </a:fontRef>
-        </p:style>
-      </p:cxnSp>
-    </p:spTree>
-    <p:extLst>
-      <p:ext uri="{BB962C8B-B14F-4D97-AF65-F5344CB8AC3E}">
-        <p14:creationId xmlns:p14="http://schemas.microsoft.com/office/powerpoint/2010/main" val="1934901829"/>
-      </p:ext>
-    </p:extLst>
-  </p:cSld>
-  <p:clrMapOvr>
-    <a:masterClrMapping/>
-  </p:clrMapOvr>
-  <mc:AlternateContent xmlns:mc="http://schemas.openxmlformats.org/markup-compatibility/2006" xmlns:p159="http://schemas.microsoft.com/office/powerpoint/2015/09/main">
-    <mc:Choice Requires="p159">
-      <p:transition xmlns:p14="http://schemas.microsoft.com/office/powerpoint/2010/main" spd="slow" p14:dur="2000">
-        <p159:morph option="byObject"/>
-      </p:transition>
-    </mc:Choice>
-    <mc:Fallback xmlns="">
-      <p:transition spd="slow">
-        <p:fade/>
-      </p:transition>
-    </mc:Fallback>
-  </mc:AlternateContent>
-  <p:timing>
-    <p:tnLst>
-      <p:par>
-        <p:cTn id="1" dur="indefinite" restart="never" nodeType="tmRoot"/>
-      </p:par>
-    </p:tnLst>
-  </p:timing>
-</p:sld>
-</file>
-
-<file path=ppt/slides/slide8.xml><?xml version="1.0" encoding="utf-8"?>
-<p:sld xmlns:a="http://schemas.openxmlformats.org/drawingml/2006/main" xmlns:r="http://schemas.openxmlformats.org/officeDocument/2006/relationships" xmlns:p="http://schemas.openxmlformats.org/presentationml/2006/main">
-  <p:cSld>
-    <p:spTree>
-      <p:nvGrpSpPr>
-        <p:cNvPr id="1" name=""/>
-        <p:cNvGrpSpPr/>
-        <p:nvPr/>
-      </p:nvGrpSpPr>
-      <p:grpSpPr>
-        <a:xfrm>
-          <a:off x="0" y="0"/>
-          <a:ext cx="0" cy="0"/>
-          <a:chOff x="0" y="0"/>
-          <a:chExt cx="0" cy="0"/>
-        </a:xfrm>
-      </p:grpSpPr>
-      <p:sp>
-        <p:nvSpPr>
-          <p:cNvPr id="6" name="Freeform: Shape 5">
-            <a:extLst>
-              <a:ext uri="{FF2B5EF4-FFF2-40B4-BE49-F238E27FC236}">
-                <a16:creationId xmlns:a16="http://schemas.microsoft.com/office/drawing/2014/main" id="{435FD57A-FE15-66F7-B893-FD301E936978}"/>
-              </a:ext>
-            </a:extLst>
-          </p:cNvPr>
-          <p:cNvSpPr/>
-          <p:nvPr/>
-        </p:nvSpPr>
-        <p:spPr>
-          <a:xfrm>
-            <a:off x="0" y="-1"/>
-            <a:ext cx="12192000" cy="10885715"/>
-          </a:xfrm>
-          <a:custGeom>
-            <a:avLst/>
-            <a:gdLst>
-              <a:gd name="connsiteX0" fmla="*/ 0 w 12192000"/>
-              <a:gd name="connsiteY0" fmla="*/ 0 h 1917576"/>
-              <a:gd name="connsiteX1" fmla="*/ 12192000 w 12192000"/>
-              <a:gd name="connsiteY1" fmla="*/ 0 h 1917576"/>
-              <a:gd name="connsiteX2" fmla="*/ 12192000 w 12192000"/>
-              <a:gd name="connsiteY2" fmla="*/ 1242874 h 1917576"/>
-              <a:gd name="connsiteX3" fmla="*/ 6655293 w 12192000"/>
-              <a:gd name="connsiteY3" fmla="*/ 1242874 h 1917576"/>
-              <a:gd name="connsiteX4" fmla="*/ 6655293 w 12192000"/>
-              <a:gd name="connsiteY4" fmla="*/ 1756295 h 1917576"/>
-              <a:gd name="connsiteX5" fmla="*/ 6494012 w 12192000"/>
-              <a:gd name="connsiteY5" fmla="*/ 1917576 h 1917576"/>
-              <a:gd name="connsiteX6" fmla="*/ 5697988 w 12192000"/>
-              <a:gd name="connsiteY6" fmla="*/ 1917576 h 1917576"/>
-              <a:gd name="connsiteX7" fmla="*/ 5536707 w 12192000"/>
-              <a:gd name="connsiteY7" fmla="*/ 1756295 h 1917576"/>
-              <a:gd name="connsiteX8" fmla="*/ 5536707 w 12192000"/>
-              <a:gd name="connsiteY8" fmla="*/ 1242874 h 1917576"/>
-              <a:gd name="connsiteX9" fmla="*/ 0 w 12192000"/>
-              <a:gd name="connsiteY9" fmla="*/ 1242874 h 1917576"/>
-            </a:gdLst>
-            <a:ahLst/>
-            <a:cxnLst>
-              <a:cxn ang="0">
-                <a:pos x="connsiteX0" y="connsiteY0"/>
-              </a:cxn>
-              <a:cxn ang="0">
-                <a:pos x="connsiteX1" y="connsiteY1"/>
-              </a:cxn>
-              <a:cxn ang="0">
-                <a:pos x="connsiteX2" y="connsiteY2"/>
-              </a:cxn>
-              <a:cxn ang="0">
-                <a:pos x="connsiteX3" y="connsiteY3"/>
-              </a:cxn>
-              <a:cxn ang="0">
-                <a:pos x="connsiteX4" y="connsiteY4"/>
-              </a:cxn>
-              <a:cxn ang="0">
-                <a:pos x="connsiteX5" y="connsiteY5"/>
-              </a:cxn>
-              <a:cxn ang="0">
-                <a:pos x="connsiteX6" y="connsiteY6"/>
-              </a:cxn>
-              <a:cxn ang="0">
-                <a:pos x="connsiteX7" y="connsiteY7"/>
-              </a:cxn>
-              <a:cxn ang="0">
-                <a:pos x="connsiteX8" y="connsiteY8"/>
-              </a:cxn>
-              <a:cxn ang="0">
-                <a:pos x="connsiteX9" y="connsiteY9"/>
-              </a:cxn>
-            </a:cxnLst>
-            <a:rect l="l" t="t" r="r" b="b"/>
-            <a:pathLst>
-              <a:path w="12192000" h="1917576">
-                <a:moveTo>
-                  <a:pt x="0" y="0"/>
-                </a:moveTo>
-                <a:lnTo>
-                  <a:pt x="12192000" y="0"/>
-                </a:lnTo>
-                <a:lnTo>
-                  <a:pt x="12192000" y="1242874"/>
-                </a:lnTo>
-                <a:lnTo>
-                  <a:pt x="6655293" y="1242874"/>
-                </a:lnTo>
-                <a:lnTo>
-                  <a:pt x="6655293" y="1756295"/>
-                </a:lnTo>
-                <a:cubicBezTo>
-                  <a:pt x="6655293" y="1845368"/>
-                  <a:pt x="6583085" y="1917576"/>
-                  <a:pt x="6494012" y="1917576"/>
-                </a:cubicBezTo>
-                <a:lnTo>
-                  <a:pt x="5697988" y="1917576"/>
-                </a:lnTo>
-                <a:cubicBezTo>
-                  <a:pt x="5608916" y="1917576"/>
-                  <a:pt x="5536707" y="1845368"/>
-                  <a:pt x="5536707" y="1756295"/>
-                </a:cubicBezTo>
-                <a:lnTo>
-                  <a:pt x="5536707" y="1242874"/>
-                </a:lnTo>
-                <a:lnTo>
-                  <a:pt x="0" y="1242874"/>
-                </a:lnTo>
-                <a:close/>
-              </a:path>
-            </a:pathLst>
-          </a:custGeom>
-          <a:solidFill>
-            <a:schemeClr val="bg2">
-              <a:lumMod val="90000"/>
-            </a:schemeClr>
-          </a:solidFill>
-          <a:ln>
-            <a:noFill/>
-          </a:ln>
-        </p:spPr>
-        <p:style>
-          <a:lnRef idx="2">
-            <a:schemeClr val="accent1">
-              <a:shade val="15000"/>
-            </a:schemeClr>
-          </a:lnRef>
-          <a:fillRef idx="1">
-            <a:schemeClr val="accent1"/>
-          </a:fillRef>
-          <a:effectRef idx="0">
-            <a:schemeClr val="accent1"/>
-          </a:effectRef>
-          <a:fontRef idx="minor">
-            <a:schemeClr val="lt1"/>
-          </a:fontRef>
-        </p:style>
-        <p:txBody>
-          <a:bodyPr wrap="square" rtlCol="0" anchor="ctr">
-            <a:noAutofit/>
-          </a:bodyPr>
-          <a:lstStyle/>
-          <a:p>
-            <a:pPr algn="ctr"/>
-            <a:endParaRPr lang="en-US" dirty="0"/>
-          </a:p>
-        </p:txBody>
-      </p:sp>
-      <p:sp>
-        <p:nvSpPr>
-          <p:cNvPr id="14" name="Freeform: Shape 13">
-            <a:extLst>
-              <a:ext uri="{FF2B5EF4-FFF2-40B4-BE49-F238E27FC236}">
-                <a16:creationId xmlns:a16="http://schemas.microsoft.com/office/drawing/2014/main" id="{C7375BD0-6E41-A125-2979-ACAA39FD00C9}"/>
-              </a:ext>
-            </a:extLst>
-          </p:cNvPr>
-          <p:cNvSpPr/>
-          <p:nvPr/>
-        </p:nvSpPr>
-        <p:spPr>
-          <a:xfrm>
-            <a:off x="0" y="-87298"/>
-            <a:ext cx="12192000" cy="10973011"/>
-          </a:xfrm>
-          <a:custGeom>
-            <a:avLst/>
-            <a:gdLst>
-              <a:gd name="connsiteX0" fmla="*/ 0 w 12192000"/>
-              <a:gd name="connsiteY0" fmla="*/ 0 h 1917576"/>
-              <a:gd name="connsiteX1" fmla="*/ 12192000 w 12192000"/>
-              <a:gd name="connsiteY1" fmla="*/ 0 h 1917576"/>
-              <a:gd name="connsiteX2" fmla="*/ 12192000 w 12192000"/>
-              <a:gd name="connsiteY2" fmla="*/ 1242874 h 1917576"/>
-              <a:gd name="connsiteX3" fmla="*/ 6655293 w 12192000"/>
-              <a:gd name="connsiteY3" fmla="*/ 1242874 h 1917576"/>
-              <a:gd name="connsiteX4" fmla="*/ 6655293 w 12192000"/>
-              <a:gd name="connsiteY4" fmla="*/ 1756295 h 1917576"/>
-              <a:gd name="connsiteX5" fmla="*/ 6494012 w 12192000"/>
-              <a:gd name="connsiteY5" fmla="*/ 1917576 h 1917576"/>
-              <a:gd name="connsiteX6" fmla="*/ 5697988 w 12192000"/>
-              <a:gd name="connsiteY6" fmla="*/ 1917576 h 1917576"/>
-              <a:gd name="connsiteX7" fmla="*/ 5536707 w 12192000"/>
-              <a:gd name="connsiteY7" fmla="*/ 1756295 h 1917576"/>
-              <a:gd name="connsiteX8" fmla="*/ 5536707 w 12192000"/>
-              <a:gd name="connsiteY8" fmla="*/ 1242874 h 1917576"/>
-              <a:gd name="connsiteX9" fmla="*/ 0 w 12192000"/>
-              <a:gd name="connsiteY9" fmla="*/ 1242874 h 1917576"/>
-            </a:gdLst>
-            <a:ahLst/>
-            <a:cxnLst>
-              <a:cxn ang="0">
-                <a:pos x="connsiteX0" y="connsiteY0"/>
-              </a:cxn>
-              <a:cxn ang="0">
-                <a:pos x="connsiteX1" y="connsiteY1"/>
-              </a:cxn>
-              <a:cxn ang="0">
-                <a:pos x="connsiteX2" y="connsiteY2"/>
-              </a:cxn>
-              <a:cxn ang="0">
-                <a:pos x="connsiteX3" y="connsiteY3"/>
-              </a:cxn>
-              <a:cxn ang="0">
-                <a:pos x="connsiteX4" y="connsiteY4"/>
-              </a:cxn>
-              <a:cxn ang="0">
-                <a:pos x="connsiteX5" y="connsiteY5"/>
-              </a:cxn>
-              <a:cxn ang="0">
-                <a:pos x="connsiteX6" y="connsiteY6"/>
-              </a:cxn>
-              <a:cxn ang="0">
-                <a:pos x="connsiteX7" y="connsiteY7"/>
-              </a:cxn>
-              <a:cxn ang="0">
-                <a:pos x="connsiteX8" y="connsiteY8"/>
-              </a:cxn>
-              <a:cxn ang="0">
-                <a:pos x="connsiteX9" y="connsiteY9"/>
-              </a:cxn>
-            </a:cxnLst>
-            <a:rect l="l" t="t" r="r" b="b"/>
-            <a:pathLst>
-              <a:path w="12192000" h="1917576">
-                <a:moveTo>
-                  <a:pt x="0" y="0"/>
-                </a:moveTo>
-                <a:lnTo>
-                  <a:pt x="12192000" y="0"/>
-                </a:lnTo>
-                <a:lnTo>
-                  <a:pt x="12192000" y="1242874"/>
-                </a:lnTo>
-                <a:lnTo>
-                  <a:pt x="6655293" y="1242874"/>
-                </a:lnTo>
-                <a:lnTo>
-                  <a:pt x="6655293" y="1756295"/>
-                </a:lnTo>
-                <a:cubicBezTo>
-                  <a:pt x="6655293" y="1845368"/>
-                  <a:pt x="6583085" y="1917576"/>
-                  <a:pt x="6494012" y="1917576"/>
-                </a:cubicBezTo>
-                <a:lnTo>
-                  <a:pt x="5697988" y="1917576"/>
-                </a:lnTo>
-                <a:cubicBezTo>
-                  <a:pt x="5608916" y="1917576"/>
-                  <a:pt x="5536707" y="1845368"/>
-                  <a:pt x="5536707" y="1756295"/>
-                </a:cubicBezTo>
-                <a:lnTo>
-                  <a:pt x="5536707" y="1242874"/>
-                </a:lnTo>
-                <a:lnTo>
-                  <a:pt x="0" y="1242874"/>
-                </a:lnTo>
-                <a:close/>
-              </a:path>
-            </a:pathLst>
-          </a:custGeom>
-          <a:solidFill>
-            <a:schemeClr val="bg2">
-              <a:lumMod val="75000"/>
-            </a:schemeClr>
-          </a:solidFill>
-          <a:ln>
-            <a:noFill/>
-          </a:ln>
-        </p:spPr>
-        <p:style>
-          <a:lnRef idx="2">
-            <a:schemeClr val="accent1">
-              <a:shade val="15000"/>
-            </a:schemeClr>
-          </a:lnRef>
-          <a:fillRef idx="1">
-            <a:schemeClr val="accent1"/>
-          </a:fillRef>
-          <a:effectRef idx="0">
-            <a:schemeClr val="accent1"/>
-          </a:effectRef>
-          <a:fontRef idx="minor">
-            <a:schemeClr val="lt1"/>
-          </a:fontRef>
-        </p:style>
-        <p:txBody>
-          <a:bodyPr wrap="square" rtlCol="0" anchor="ctr">
-            <a:noAutofit/>
-          </a:bodyPr>
-          <a:lstStyle/>
-          <a:p>
-            <a:pPr algn="ctr"/>
-            <a:endParaRPr lang="en-US"/>
-          </a:p>
-        </p:txBody>
-      </p:sp>
-      <p:sp>
-        <p:nvSpPr>
-          <p:cNvPr id="16" name="Freeform: Shape 15">
-            <a:extLst>
-              <a:ext uri="{FF2B5EF4-FFF2-40B4-BE49-F238E27FC236}">
-                <a16:creationId xmlns:a16="http://schemas.microsoft.com/office/drawing/2014/main" id="{A55F0FF3-17F4-CBD9-3BDD-CF6322CE0A9F}"/>
-              </a:ext>
-            </a:extLst>
-          </p:cNvPr>
-          <p:cNvSpPr/>
-          <p:nvPr/>
-        </p:nvSpPr>
-        <p:spPr>
-          <a:xfrm>
-            <a:off x="0" y="0"/>
-            <a:ext cx="12192000" cy="1722268"/>
-          </a:xfrm>
-          <a:custGeom>
-            <a:avLst/>
-            <a:gdLst>
-              <a:gd name="connsiteX0" fmla="*/ 0 w 12192000"/>
-              <a:gd name="connsiteY0" fmla="*/ 0 h 1917576"/>
-              <a:gd name="connsiteX1" fmla="*/ 12192000 w 12192000"/>
-              <a:gd name="connsiteY1" fmla="*/ 0 h 1917576"/>
-              <a:gd name="connsiteX2" fmla="*/ 12192000 w 12192000"/>
-              <a:gd name="connsiteY2" fmla="*/ 1242874 h 1917576"/>
-              <a:gd name="connsiteX3" fmla="*/ 6655293 w 12192000"/>
-              <a:gd name="connsiteY3" fmla="*/ 1242874 h 1917576"/>
-              <a:gd name="connsiteX4" fmla="*/ 6655293 w 12192000"/>
-              <a:gd name="connsiteY4" fmla="*/ 1756295 h 1917576"/>
-              <a:gd name="connsiteX5" fmla="*/ 6494012 w 12192000"/>
-              <a:gd name="connsiteY5" fmla="*/ 1917576 h 1917576"/>
-              <a:gd name="connsiteX6" fmla="*/ 5697988 w 12192000"/>
-              <a:gd name="connsiteY6" fmla="*/ 1917576 h 1917576"/>
-              <a:gd name="connsiteX7" fmla="*/ 5536707 w 12192000"/>
-              <a:gd name="connsiteY7" fmla="*/ 1756295 h 1917576"/>
-              <a:gd name="connsiteX8" fmla="*/ 5536707 w 12192000"/>
-              <a:gd name="connsiteY8" fmla="*/ 1242874 h 1917576"/>
-              <a:gd name="connsiteX9" fmla="*/ 0 w 12192000"/>
-              <a:gd name="connsiteY9" fmla="*/ 1242874 h 1917576"/>
-            </a:gdLst>
-            <a:ahLst/>
-            <a:cxnLst>
-              <a:cxn ang="0">
-                <a:pos x="connsiteX0" y="connsiteY0"/>
-              </a:cxn>
-              <a:cxn ang="0">
-                <a:pos x="connsiteX1" y="connsiteY1"/>
-              </a:cxn>
-              <a:cxn ang="0">
-                <a:pos x="connsiteX2" y="connsiteY2"/>
-              </a:cxn>
-              <a:cxn ang="0">
-                <a:pos x="connsiteX3" y="connsiteY3"/>
-              </a:cxn>
-              <a:cxn ang="0">
-                <a:pos x="connsiteX4" y="connsiteY4"/>
-              </a:cxn>
-              <a:cxn ang="0">
-                <a:pos x="connsiteX5" y="connsiteY5"/>
-              </a:cxn>
-              <a:cxn ang="0">
-                <a:pos x="connsiteX6" y="connsiteY6"/>
-              </a:cxn>
-              <a:cxn ang="0">
-                <a:pos x="connsiteX7" y="connsiteY7"/>
-              </a:cxn>
-              <a:cxn ang="0">
-                <a:pos x="connsiteX8" y="connsiteY8"/>
-              </a:cxn>
-              <a:cxn ang="0">
-                <a:pos x="connsiteX9" y="connsiteY9"/>
-              </a:cxn>
-            </a:cxnLst>
-            <a:rect l="l" t="t" r="r" b="b"/>
-            <a:pathLst>
-              <a:path w="12192000" h="1917576">
-                <a:moveTo>
-                  <a:pt x="0" y="0"/>
-                </a:moveTo>
-                <a:lnTo>
-                  <a:pt x="12192000" y="0"/>
-                </a:lnTo>
-                <a:lnTo>
-                  <a:pt x="12192000" y="1242874"/>
-                </a:lnTo>
-                <a:lnTo>
-                  <a:pt x="6655293" y="1242874"/>
-                </a:lnTo>
-                <a:lnTo>
-                  <a:pt x="6655293" y="1756295"/>
-                </a:lnTo>
-                <a:cubicBezTo>
-                  <a:pt x="6655293" y="1845368"/>
-                  <a:pt x="6583085" y="1917576"/>
-                  <a:pt x="6494012" y="1917576"/>
-                </a:cubicBezTo>
-                <a:lnTo>
-                  <a:pt x="5697988" y="1917576"/>
-                </a:lnTo>
-                <a:cubicBezTo>
-                  <a:pt x="5608916" y="1917576"/>
-                  <a:pt x="5536707" y="1845368"/>
-                  <a:pt x="5536707" y="1756295"/>
-                </a:cubicBezTo>
-                <a:lnTo>
-                  <a:pt x="5536707" y="1242874"/>
-                </a:lnTo>
-                <a:lnTo>
-                  <a:pt x="0" y="1242874"/>
-                </a:lnTo>
-                <a:close/>
-              </a:path>
-            </a:pathLst>
-          </a:custGeom>
-          <a:solidFill>
-            <a:schemeClr val="bg2">
-              <a:lumMod val="50000"/>
-            </a:schemeClr>
-          </a:solidFill>
-          <a:ln>
-            <a:noFill/>
-          </a:ln>
-        </p:spPr>
-        <p:style>
-          <a:lnRef idx="2">
-            <a:schemeClr val="accent1">
-              <a:shade val="15000"/>
-            </a:schemeClr>
-          </a:lnRef>
-          <a:fillRef idx="1">
-            <a:schemeClr val="accent1"/>
-          </a:fillRef>
-          <a:effectRef idx="0">
-            <a:schemeClr val="accent1"/>
-          </a:effectRef>
-          <a:fontRef idx="minor">
-            <a:schemeClr val="lt1"/>
-          </a:fontRef>
-        </p:style>
-        <p:txBody>
-          <a:bodyPr wrap="square" rtlCol="0" anchor="ctr">
-            <a:noAutofit/>
-          </a:bodyPr>
-          <a:lstStyle/>
-          <a:p>
-            <a:pPr algn="ctr"/>
-            <a:endParaRPr lang="en-US"/>
-          </a:p>
-        </p:txBody>
-      </p:sp>
-      <p:sp>
-        <p:nvSpPr>
-          <p:cNvPr id="17" name="Freeform: Shape 16">
-            <a:extLst>
-              <a:ext uri="{FF2B5EF4-FFF2-40B4-BE49-F238E27FC236}">
-                <a16:creationId xmlns:a16="http://schemas.microsoft.com/office/drawing/2014/main" id="{AB655FEF-492A-2C68-BC56-243EFA5AF0CF}"/>
-              </a:ext>
-            </a:extLst>
-          </p:cNvPr>
-          <p:cNvSpPr/>
-          <p:nvPr/>
-        </p:nvSpPr>
-        <p:spPr>
-          <a:xfrm>
-            <a:off x="0" y="0"/>
-            <a:ext cx="12192000" cy="11045371"/>
-          </a:xfrm>
-          <a:custGeom>
-            <a:avLst/>
-            <a:gdLst>
-              <a:gd name="connsiteX0" fmla="*/ 0 w 12192000"/>
-              <a:gd name="connsiteY0" fmla="*/ 0 h 1917576"/>
-              <a:gd name="connsiteX1" fmla="*/ 12192000 w 12192000"/>
-              <a:gd name="connsiteY1" fmla="*/ 0 h 1917576"/>
-              <a:gd name="connsiteX2" fmla="*/ 12192000 w 12192000"/>
-              <a:gd name="connsiteY2" fmla="*/ 1242874 h 1917576"/>
-              <a:gd name="connsiteX3" fmla="*/ 6655293 w 12192000"/>
-              <a:gd name="connsiteY3" fmla="*/ 1242874 h 1917576"/>
-              <a:gd name="connsiteX4" fmla="*/ 6655293 w 12192000"/>
-              <a:gd name="connsiteY4" fmla="*/ 1756295 h 1917576"/>
-              <a:gd name="connsiteX5" fmla="*/ 6494012 w 12192000"/>
-              <a:gd name="connsiteY5" fmla="*/ 1917576 h 1917576"/>
-              <a:gd name="connsiteX6" fmla="*/ 5697988 w 12192000"/>
-              <a:gd name="connsiteY6" fmla="*/ 1917576 h 1917576"/>
-              <a:gd name="connsiteX7" fmla="*/ 5536707 w 12192000"/>
-              <a:gd name="connsiteY7" fmla="*/ 1756295 h 1917576"/>
-              <a:gd name="connsiteX8" fmla="*/ 5536707 w 12192000"/>
-              <a:gd name="connsiteY8" fmla="*/ 1242874 h 1917576"/>
-              <a:gd name="connsiteX9" fmla="*/ 0 w 12192000"/>
-              <a:gd name="connsiteY9" fmla="*/ 1242874 h 1917576"/>
-            </a:gdLst>
-            <a:ahLst/>
-            <a:cxnLst>
-              <a:cxn ang="0">
-                <a:pos x="connsiteX0" y="connsiteY0"/>
-              </a:cxn>
-              <a:cxn ang="0">
-                <a:pos x="connsiteX1" y="connsiteY1"/>
-              </a:cxn>
-              <a:cxn ang="0">
-                <a:pos x="connsiteX2" y="connsiteY2"/>
-              </a:cxn>
-              <a:cxn ang="0">
-                <a:pos x="connsiteX3" y="connsiteY3"/>
-              </a:cxn>
-              <a:cxn ang="0">
-                <a:pos x="connsiteX4" y="connsiteY4"/>
-              </a:cxn>
-              <a:cxn ang="0">
-                <a:pos x="connsiteX5" y="connsiteY5"/>
-              </a:cxn>
-              <a:cxn ang="0">
-                <a:pos x="connsiteX6" y="connsiteY6"/>
-              </a:cxn>
-              <a:cxn ang="0">
-                <a:pos x="connsiteX7" y="connsiteY7"/>
-              </a:cxn>
-              <a:cxn ang="0">
-                <a:pos x="connsiteX8" y="connsiteY8"/>
-              </a:cxn>
-              <a:cxn ang="0">
-                <a:pos x="connsiteX9" y="connsiteY9"/>
-              </a:cxn>
-            </a:cxnLst>
-            <a:rect l="l" t="t" r="r" b="b"/>
-            <a:pathLst>
-              <a:path w="12192000" h="1917576">
-                <a:moveTo>
-                  <a:pt x="0" y="0"/>
-                </a:moveTo>
-                <a:lnTo>
-                  <a:pt x="12192000" y="0"/>
-                </a:lnTo>
-                <a:lnTo>
-                  <a:pt x="12192000" y="1242874"/>
-                </a:lnTo>
-                <a:lnTo>
-                  <a:pt x="6655293" y="1242874"/>
-                </a:lnTo>
-                <a:lnTo>
-                  <a:pt x="6655293" y="1756295"/>
-                </a:lnTo>
-                <a:cubicBezTo>
-                  <a:pt x="6655293" y="1845368"/>
-                  <a:pt x="6583085" y="1917576"/>
-                  <a:pt x="6494012" y="1917576"/>
-                </a:cubicBezTo>
-                <a:lnTo>
-                  <a:pt x="5697988" y="1917576"/>
-                </a:lnTo>
-                <a:cubicBezTo>
-                  <a:pt x="5608916" y="1917576"/>
-                  <a:pt x="5536707" y="1845368"/>
-                  <a:pt x="5536707" y="1756295"/>
-                </a:cubicBezTo>
-                <a:lnTo>
-                  <a:pt x="5536707" y="1242874"/>
-                </a:lnTo>
-                <a:lnTo>
-                  <a:pt x="0" y="1242874"/>
-                </a:lnTo>
-                <a:close/>
-              </a:path>
-            </a:pathLst>
-          </a:custGeom>
-          <a:solidFill>
-            <a:schemeClr val="tx2">
-              <a:lumMod val="20000"/>
-              <a:lumOff val="80000"/>
-            </a:schemeClr>
-          </a:solidFill>
-          <a:ln>
-            <a:noFill/>
-          </a:ln>
-        </p:spPr>
-        <p:style>
-          <a:lnRef idx="2">
-            <a:schemeClr val="accent1">
-              <a:shade val="15000"/>
-            </a:schemeClr>
-          </a:lnRef>
-          <a:fillRef idx="1">
-            <a:schemeClr val="accent1"/>
-          </a:fillRef>
-          <a:effectRef idx="0">
-            <a:schemeClr val="accent1"/>
-          </a:effectRef>
-          <a:fontRef idx="minor">
-            <a:schemeClr val="lt1"/>
-          </a:fontRef>
-        </p:style>
-        <p:txBody>
-          <a:bodyPr wrap="square" rtlCol="0" anchor="ctr">
-            <a:noAutofit/>
-          </a:bodyPr>
-          <a:lstStyle/>
-          <a:p>
-            <a:pPr algn="ctr"/>
-            <a:endParaRPr lang="en-US"/>
-          </a:p>
-        </p:txBody>
-      </p:sp>
-      <p:sp>
-        <p:nvSpPr>
-          <p:cNvPr id="18" name="Freeform: Shape 17">
-            <a:extLst>
-              <a:ext uri="{FF2B5EF4-FFF2-40B4-BE49-F238E27FC236}">
-                <a16:creationId xmlns:a16="http://schemas.microsoft.com/office/drawing/2014/main" id="{03CEFBBB-0121-8F10-7C6A-3836D4470D1E}"/>
-              </a:ext>
-            </a:extLst>
-          </p:cNvPr>
-          <p:cNvSpPr/>
-          <p:nvPr/>
-        </p:nvSpPr>
-        <p:spPr>
-          <a:xfrm>
-            <a:off x="0" y="-43648"/>
-            <a:ext cx="12192000" cy="11248677"/>
-          </a:xfrm>
-          <a:custGeom>
-            <a:avLst/>
-            <a:gdLst>
-              <a:gd name="connsiteX0" fmla="*/ 0 w 12192000"/>
-              <a:gd name="connsiteY0" fmla="*/ 0 h 1917576"/>
-              <a:gd name="connsiteX1" fmla="*/ 12192000 w 12192000"/>
-              <a:gd name="connsiteY1" fmla="*/ 0 h 1917576"/>
-              <a:gd name="connsiteX2" fmla="*/ 12192000 w 12192000"/>
-              <a:gd name="connsiteY2" fmla="*/ 1242874 h 1917576"/>
-              <a:gd name="connsiteX3" fmla="*/ 6655293 w 12192000"/>
-              <a:gd name="connsiteY3" fmla="*/ 1242874 h 1917576"/>
-              <a:gd name="connsiteX4" fmla="*/ 6655293 w 12192000"/>
-              <a:gd name="connsiteY4" fmla="*/ 1756295 h 1917576"/>
-              <a:gd name="connsiteX5" fmla="*/ 6494012 w 12192000"/>
-              <a:gd name="connsiteY5" fmla="*/ 1917576 h 1917576"/>
-              <a:gd name="connsiteX6" fmla="*/ 5697988 w 12192000"/>
-              <a:gd name="connsiteY6" fmla="*/ 1917576 h 1917576"/>
-              <a:gd name="connsiteX7" fmla="*/ 5536707 w 12192000"/>
-              <a:gd name="connsiteY7" fmla="*/ 1756295 h 1917576"/>
-              <a:gd name="connsiteX8" fmla="*/ 5536707 w 12192000"/>
-              <a:gd name="connsiteY8" fmla="*/ 1242874 h 1917576"/>
-              <a:gd name="connsiteX9" fmla="*/ 0 w 12192000"/>
-              <a:gd name="connsiteY9" fmla="*/ 1242874 h 1917576"/>
-            </a:gdLst>
-            <a:ahLst/>
-            <a:cxnLst>
-              <a:cxn ang="0">
-                <a:pos x="connsiteX0" y="connsiteY0"/>
-              </a:cxn>
-              <a:cxn ang="0">
-                <a:pos x="connsiteX1" y="connsiteY1"/>
-              </a:cxn>
-              <a:cxn ang="0">
-                <a:pos x="connsiteX2" y="connsiteY2"/>
-              </a:cxn>
-              <a:cxn ang="0">
-                <a:pos x="connsiteX3" y="connsiteY3"/>
-              </a:cxn>
-              <a:cxn ang="0">
-                <a:pos x="connsiteX4" y="connsiteY4"/>
-              </a:cxn>
-              <a:cxn ang="0">
-                <a:pos x="connsiteX5" y="connsiteY5"/>
-              </a:cxn>
-              <a:cxn ang="0">
-                <a:pos x="connsiteX6" y="connsiteY6"/>
-              </a:cxn>
-              <a:cxn ang="0">
-                <a:pos x="connsiteX7" y="connsiteY7"/>
-              </a:cxn>
-              <a:cxn ang="0">
-                <a:pos x="connsiteX8" y="connsiteY8"/>
-              </a:cxn>
-              <a:cxn ang="0">
-                <a:pos x="connsiteX9" y="connsiteY9"/>
-              </a:cxn>
-            </a:cxnLst>
-            <a:rect l="l" t="t" r="r" b="b"/>
-            <a:pathLst>
-              <a:path w="12192000" h="1917576">
-                <a:moveTo>
-                  <a:pt x="0" y="0"/>
-                </a:moveTo>
-                <a:lnTo>
-                  <a:pt x="12192000" y="0"/>
-                </a:lnTo>
-                <a:lnTo>
-                  <a:pt x="12192000" y="1242874"/>
-                </a:lnTo>
-                <a:lnTo>
-                  <a:pt x="6655293" y="1242874"/>
-                </a:lnTo>
-                <a:lnTo>
-                  <a:pt x="6655293" y="1756295"/>
-                </a:lnTo>
-                <a:cubicBezTo>
-                  <a:pt x="6655293" y="1845368"/>
-                  <a:pt x="6583085" y="1917576"/>
-                  <a:pt x="6494012" y="1917576"/>
-                </a:cubicBezTo>
-                <a:lnTo>
-                  <a:pt x="5697988" y="1917576"/>
-                </a:lnTo>
-                <a:cubicBezTo>
-                  <a:pt x="5608916" y="1917576"/>
-                  <a:pt x="5536707" y="1845368"/>
-                  <a:pt x="5536707" y="1756295"/>
-                </a:cubicBezTo>
-                <a:lnTo>
-                  <a:pt x="5536707" y="1242874"/>
-                </a:lnTo>
-                <a:lnTo>
-                  <a:pt x="0" y="1242874"/>
-                </a:lnTo>
-                <a:close/>
-              </a:path>
-            </a:pathLst>
-          </a:custGeom>
-          <a:solidFill>
-            <a:schemeClr val="tx2">
-              <a:lumMod val="40000"/>
-              <a:lumOff val="60000"/>
-            </a:schemeClr>
-          </a:solidFill>
-          <a:ln>
-            <a:noFill/>
-          </a:ln>
-        </p:spPr>
-        <p:style>
-          <a:lnRef idx="2">
-            <a:schemeClr val="accent1">
-              <a:shade val="15000"/>
-            </a:schemeClr>
-          </a:lnRef>
-          <a:fillRef idx="1">
-            <a:schemeClr val="accent1"/>
-          </a:fillRef>
-          <a:effectRef idx="0">
-            <a:schemeClr val="accent1"/>
-          </a:effectRef>
-          <a:fontRef idx="minor">
-            <a:schemeClr val="lt1"/>
-          </a:fontRef>
-        </p:style>
-        <p:txBody>
-          <a:bodyPr wrap="square" rtlCol="0" anchor="ctr">
-            <a:noAutofit/>
-          </a:bodyPr>
-          <a:lstStyle/>
-          <a:p>
-            <a:pPr algn="ctr"/>
-            <a:endParaRPr lang="en-US"/>
-          </a:p>
-        </p:txBody>
-      </p:sp>
-      <p:sp>
-        <p:nvSpPr>
-          <p:cNvPr id="19" name="Freeform: Shape 18">
-            <a:extLst>
-              <a:ext uri="{FF2B5EF4-FFF2-40B4-BE49-F238E27FC236}">
-                <a16:creationId xmlns:a16="http://schemas.microsoft.com/office/drawing/2014/main" id="{96E7E90D-3BE6-264C-B405-39627C3EEAA3}"/>
-              </a:ext>
-            </a:extLst>
-          </p:cNvPr>
-          <p:cNvSpPr/>
-          <p:nvPr/>
-        </p:nvSpPr>
-        <p:spPr>
-          <a:xfrm>
-            <a:off x="0" y="-9618"/>
-            <a:ext cx="12192000" cy="11240539"/>
-          </a:xfrm>
-          <a:custGeom>
-            <a:avLst/>
-            <a:gdLst>
-              <a:gd name="connsiteX0" fmla="*/ 0 w 12192000"/>
-              <a:gd name="connsiteY0" fmla="*/ 0 h 1917576"/>
-              <a:gd name="connsiteX1" fmla="*/ 12192000 w 12192000"/>
-              <a:gd name="connsiteY1" fmla="*/ 0 h 1917576"/>
-              <a:gd name="connsiteX2" fmla="*/ 12192000 w 12192000"/>
-              <a:gd name="connsiteY2" fmla="*/ 1242874 h 1917576"/>
-              <a:gd name="connsiteX3" fmla="*/ 6655293 w 12192000"/>
-              <a:gd name="connsiteY3" fmla="*/ 1242874 h 1917576"/>
-              <a:gd name="connsiteX4" fmla="*/ 6655293 w 12192000"/>
-              <a:gd name="connsiteY4" fmla="*/ 1756295 h 1917576"/>
-              <a:gd name="connsiteX5" fmla="*/ 6494012 w 12192000"/>
-              <a:gd name="connsiteY5" fmla="*/ 1917576 h 1917576"/>
-              <a:gd name="connsiteX6" fmla="*/ 5697988 w 12192000"/>
-              <a:gd name="connsiteY6" fmla="*/ 1917576 h 1917576"/>
-              <a:gd name="connsiteX7" fmla="*/ 5536707 w 12192000"/>
-              <a:gd name="connsiteY7" fmla="*/ 1756295 h 1917576"/>
-              <a:gd name="connsiteX8" fmla="*/ 5536707 w 12192000"/>
-              <a:gd name="connsiteY8" fmla="*/ 1242874 h 1917576"/>
-              <a:gd name="connsiteX9" fmla="*/ 0 w 12192000"/>
-              <a:gd name="connsiteY9" fmla="*/ 1242874 h 1917576"/>
-            </a:gdLst>
-            <a:ahLst/>
-            <a:cxnLst>
-              <a:cxn ang="0">
-                <a:pos x="connsiteX0" y="connsiteY0"/>
-              </a:cxn>
-              <a:cxn ang="0">
-                <a:pos x="connsiteX1" y="connsiteY1"/>
-              </a:cxn>
-              <a:cxn ang="0">
-                <a:pos x="connsiteX2" y="connsiteY2"/>
-              </a:cxn>
-              <a:cxn ang="0">
-                <a:pos x="connsiteX3" y="connsiteY3"/>
-              </a:cxn>
-              <a:cxn ang="0">
-                <a:pos x="connsiteX4" y="connsiteY4"/>
-              </a:cxn>
-              <a:cxn ang="0">
-                <a:pos x="connsiteX5" y="connsiteY5"/>
-              </a:cxn>
-              <a:cxn ang="0">
-                <a:pos x="connsiteX6" y="connsiteY6"/>
-              </a:cxn>
-              <a:cxn ang="0">
-                <a:pos x="connsiteX7" y="connsiteY7"/>
-              </a:cxn>
-              <a:cxn ang="0">
-                <a:pos x="connsiteX8" y="connsiteY8"/>
-              </a:cxn>
-              <a:cxn ang="0">
-                <a:pos x="connsiteX9" y="connsiteY9"/>
-              </a:cxn>
-            </a:cxnLst>
-            <a:rect l="l" t="t" r="r" b="b"/>
-            <a:pathLst>
-              <a:path w="12192000" h="1917576">
-                <a:moveTo>
-                  <a:pt x="0" y="0"/>
-                </a:moveTo>
-                <a:lnTo>
-                  <a:pt x="12192000" y="0"/>
-                </a:lnTo>
-                <a:lnTo>
-                  <a:pt x="12192000" y="1242874"/>
-                </a:lnTo>
-                <a:lnTo>
-                  <a:pt x="6655293" y="1242874"/>
-                </a:lnTo>
-                <a:lnTo>
-                  <a:pt x="6655293" y="1756295"/>
-                </a:lnTo>
-                <a:cubicBezTo>
-                  <a:pt x="6655293" y="1845368"/>
-                  <a:pt x="6583085" y="1917576"/>
-                  <a:pt x="6494012" y="1917576"/>
-                </a:cubicBezTo>
-                <a:lnTo>
-                  <a:pt x="5697988" y="1917576"/>
-                </a:lnTo>
-                <a:cubicBezTo>
-                  <a:pt x="5608916" y="1917576"/>
-                  <a:pt x="5536707" y="1845368"/>
-                  <a:pt x="5536707" y="1756295"/>
-                </a:cubicBezTo>
-                <a:lnTo>
-                  <a:pt x="5536707" y="1242874"/>
-                </a:lnTo>
-                <a:lnTo>
-                  <a:pt x="0" y="1242874"/>
-                </a:lnTo>
-                <a:close/>
-              </a:path>
-            </a:pathLst>
-          </a:custGeom>
-          <a:solidFill>
-            <a:schemeClr val="accent1">
-              <a:lumMod val="60000"/>
-              <a:lumOff val="40000"/>
-            </a:schemeClr>
-          </a:solidFill>
-          <a:ln>
-            <a:noFill/>
-          </a:ln>
-        </p:spPr>
-        <p:style>
-          <a:lnRef idx="2">
-            <a:schemeClr val="accent1">
-              <a:shade val="15000"/>
-            </a:schemeClr>
-          </a:lnRef>
-          <a:fillRef idx="1">
-            <a:schemeClr val="accent1"/>
-          </a:fillRef>
-          <a:effectRef idx="0">
-            <a:schemeClr val="accent1"/>
-          </a:effectRef>
-          <a:fontRef idx="minor">
-            <a:schemeClr val="lt1"/>
-          </a:fontRef>
-        </p:style>
-        <p:txBody>
-          <a:bodyPr wrap="square" rtlCol="0" anchor="ctr">
-            <a:noAutofit/>
-          </a:bodyPr>
-          <a:lstStyle/>
-          <a:p>
-            <a:pPr algn="ctr"/>
-            <a:endParaRPr lang="en-US"/>
-          </a:p>
-        </p:txBody>
-      </p:sp>
-      <p:sp>
-        <p:nvSpPr>
-          <p:cNvPr id="20" name="Freeform: Shape 19">
-            <a:extLst>
-              <a:ext uri="{FF2B5EF4-FFF2-40B4-BE49-F238E27FC236}">
-                <a16:creationId xmlns:a16="http://schemas.microsoft.com/office/drawing/2014/main" id="{AB0BFE02-73FC-741E-54CD-A3FB673B47F1}"/>
-              </a:ext>
-            </a:extLst>
-          </p:cNvPr>
-          <p:cNvSpPr/>
-          <p:nvPr/>
-        </p:nvSpPr>
-        <p:spPr>
-          <a:xfrm>
-            <a:off x="0" y="0"/>
-            <a:ext cx="12192000" cy="11230921"/>
-          </a:xfrm>
-          <a:custGeom>
-            <a:avLst/>
-            <a:gdLst>
-              <a:gd name="connsiteX0" fmla="*/ 0 w 12192000"/>
-              <a:gd name="connsiteY0" fmla="*/ 0 h 1917576"/>
-              <a:gd name="connsiteX1" fmla="*/ 12192000 w 12192000"/>
-              <a:gd name="connsiteY1" fmla="*/ 0 h 1917576"/>
-              <a:gd name="connsiteX2" fmla="*/ 12192000 w 12192000"/>
-              <a:gd name="connsiteY2" fmla="*/ 1242874 h 1917576"/>
-              <a:gd name="connsiteX3" fmla="*/ 6655293 w 12192000"/>
-              <a:gd name="connsiteY3" fmla="*/ 1242874 h 1917576"/>
-              <a:gd name="connsiteX4" fmla="*/ 6655293 w 12192000"/>
-              <a:gd name="connsiteY4" fmla="*/ 1756295 h 1917576"/>
-              <a:gd name="connsiteX5" fmla="*/ 6494012 w 12192000"/>
-              <a:gd name="connsiteY5" fmla="*/ 1917576 h 1917576"/>
-              <a:gd name="connsiteX6" fmla="*/ 5697988 w 12192000"/>
-              <a:gd name="connsiteY6" fmla="*/ 1917576 h 1917576"/>
-              <a:gd name="connsiteX7" fmla="*/ 5536707 w 12192000"/>
-              <a:gd name="connsiteY7" fmla="*/ 1756295 h 1917576"/>
-              <a:gd name="connsiteX8" fmla="*/ 5536707 w 12192000"/>
-              <a:gd name="connsiteY8" fmla="*/ 1242874 h 1917576"/>
-              <a:gd name="connsiteX9" fmla="*/ 0 w 12192000"/>
-              <a:gd name="connsiteY9" fmla="*/ 1242874 h 1917576"/>
-            </a:gdLst>
-            <a:ahLst/>
-            <a:cxnLst>
-              <a:cxn ang="0">
-                <a:pos x="connsiteX0" y="connsiteY0"/>
-              </a:cxn>
-              <a:cxn ang="0">
-                <a:pos x="connsiteX1" y="connsiteY1"/>
-              </a:cxn>
-              <a:cxn ang="0">
-                <a:pos x="connsiteX2" y="connsiteY2"/>
-              </a:cxn>
-              <a:cxn ang="0">
-                <a:pos x="connsiteX3" y="connsiteY3"/>
-              </a:cxn>
-              <a:cxn ang="0">
-                <a:pos x="connsiteX4" y="connsiteY4"/>
-              </a:cxn>
-              <a:cxn ang="0">
-                <a:pos x="connsiteX5" y="connsiteY5"/>
-              </a:cxn>
-              <a:cxn ang="0">
-                <a:pos x="connsiteX6" y="connsiteY6"/>
-              </a:cxn>
-              <a:cxn ang="0">
-                <a:pos x="connsiteX7" y="connsiteY7"/>
-              </a:cxn>
-              <a:cxn ang="0">
-                <a:pos x="connsiteX8" y="connsiteY8"/>
-              </a:cxn>
-              <a:cxn ang="0">
-                <a:pos x="connsiteX9" y="connsiteY9"/>
-              </a:cxn>
-            </a:cxnLst>
-            <a:rect l="l" t="t" r="r" b="b"/>
-            <a:pathLst>
-              <a:path w="12192000" h="1917576">
-                <a:moveTo>
-                  <a:pt x="0" y="0"/>
-                </a:moveTo>
-                <a:lnTo>
-                  <a:pt x="12192000" y="0"/>
-                </a:lnTo>
-                <a:lnTo>
-                  <a:pt x="12192000" y="1242874"/>
-                </a:lnTo>
-                <a:lnTo>
-                  <a:pt x="6655293" y="1242874"/>
-                </a:lnTo>
-                <a:lnTo>
-                  <a:pt x="6655293" y="1756295"/>
-                </a:lnTo>
-                <a:cubicBezTo>
-                  <a:pt x="6655293" y="1845368"/>
-                  <a:pt x="6583085" y="1917576"/>
-                  <a:pt x="6494012" y="1917576"/>
-                </a:cubicBezTo>
-                <a:lnTo>
-                  <a:pt x="5697988" y="1917576"/>
-                </a:lnTo>
-                <a:cubicBezTo>
-                  <a:pt x="5608916" y="1917576"/>
-                  <a:pt x="5536707" y="1845368"/>
-                  <a:pt x="5536707" y="1756295"/>
-                </a:cubicBezTo>
-                <a:lnTo>
-                  <a:pt x="5536707" y="1242874"/>
-                </a:lnTo>
-                <a:lnTo>
-                  <a:pt x="0" y="1242874"/>
-                </a:lnTo>
-                <a:close/>
-              </a:path>
-            </a:pathLst>
-          </a:custGeom>
-          <a:solidFill>
-            <a:schemeClr val="accent1">
-              <a:lumMod val="75000"/>
-            </a:schemeClr>
-          </a:solidFill>
-          <a:ln>
-            <a:noFill/>
-          </a:ln>
-        </p:spPr>
-        <p:style>
-          <a:lnRef idx="2">
-            <a:schemeClr val="accent1">
-              <a:shade val="15000"/>
-            </a:schemeClr>
-          </a:lnRef>
-          <a:fillRef idx="1">
-            <a:schemeClr val="accent1"/>
-          </a:fillRef>
-          <a:effectRef idx="0">
-            <a:schemeClr val="accent1"/>
-          </a:effectRef>
-          <a:fontRef idx="minor">
-            <a:schemeClr val="lt1"/>
-          </a:fontRef>
-        </p:style>
-        <p:txBody>
-          <a:bodyPr wrap="square" rtlCol="0" anchor="ctr">
-            <a:noAutofit/>
-          </a:bodyPr>
-          <a:lstStyle/>
-          <a:p>
-            <a:pPr algn="ctr"/>
-            <a:endParaRPr lang="en-US"/>
-          </a:p>
-        </p:txBody>
-      </p:sp>
-      <p:sp>
-        <p:nvSpPr>
-          <p:cNvPr id="21" name="Freeform: Shape 20">
-            <a:extLst>
-              <a:ext uri="{FF2B5EF4-FFF2-40B4-BE49-F238E27FC236}">
-                <a16:creationId xmlns:a16="http://schemas.microsoft.com/office/drawing/2014/main" id="{FC8BA00B-2D01-E9DF-03D0-B34BBAFFC172}"/>
-              </a:ext>
-            </a:extLst>
-          </p:cNvPr>
-          <p:cNvSpPr/>
-          <p:nvPr/>
-        </p:nvSpPr>
-        <p:spPr>
-          <a:xfrm>
-            <a:off x="0" y="19235"/>
-            <a:ext cx="12192000" cy="11211686"/>
-          </a:xfrm>
-          <a:custGeom>
-            <a:avLst/>
-            <a:gdLst>
-              <a:gd name="connsiteX0" fmla="*/ 0 w 12192000"/>
-              <a:gd name="connsiteY0" fmla="*/ 0 h 1917576"/>
-              <a:gd name="connsiteX1" fmla="*/ 12192000 w 12192000"/>
-              <a:gd name="connsiteY1" fmla="*/ 0 h 1917576"/>
-              <a:gd name="connsiteX2" fmla="*/ 12192000 w 12192000"/>
-              <a:gd name="connsiteY2" fmla="*/ 1242874 h 1917576"/>
-              <a:gd name="connsiteX3" fmla="*/ 6655293 w 12192000"/>
-              <a:gd name="connsiteY3" fmla="*/ 1242874 h 1917576"/>
-              <a:gd name="connsiteX4" fmla="*/ 6655293 w 12192000"/>
-              <a:gd name="connsiteY4" fmla="*/ 1756295 h 1917576"/>
-              <a:gd name="connsiteX5" fmla="*/ 6494012 w 12192000"/>
-              <a:gd name="connsiteY5" fmla="*/ 1917576 h 1917576"/>
-              <a:gd name="connsiteX6" fmla="*/ 5697988 w 12192000"/>
-              <a:gd name="connsiteY6" fmla="*/ 1917576 h 1917576"/>
-              <a:gd name="connsiteX7" fmla="*/ 5536707 w 12192000"/>
-              <a:gd name="connsiteY7" fmla="*/ 1756295 h 1917576"/>
-              <a:gd name="connsiteX8" fmla="*/ 5536707 w 12192000"/>
-              <a:gd name="connsiteY8" fmla="*/ 1242874 h 1917576"/>
-              <a:gd name="connsiteX9" fmla="*/ 0 w 12192000"/>
-              <a:gd name="connsiteY9" fmla="*/ 1242874 h 1917576"/>
-            </a:gdLst>
-            <a:ahLst/>
-            <a:cxnLst>
-              <a:cxn ang="0">
-                <a:pos x="connsiteX0" y="connsiteY0"/>
-              </a:cxn>
-              <a:cxn ang="0">
-                <a:pos x="connsiteX1" y="connsiteY1"/>
-              </a:cxn>
-              <a:cxn ang="0">
-                <a:pos x="connsiteX2" y="connsiteY2"/>
-              </a:cxn>
-              <a:cxn ang="0">
-                <a:pos x="connsiteX3" y="connsiteY3"/>
-              </a:cxn>
-              <a:cxn ang="0">
-                <a:pos x="connsiteX4" y="connsiteY4"/>
-              </a:cxn>
-              <a:cxn ang="0">
-                <a:pos x="connsiteX5" y="connsiteY5"/>
-              </a:cxn>
-              <a:cxn ang="0">
-                <a:pos x="connsiteX6" y="connsiteY6"/>
-              </a:cxn>
-              <a:cxn ang="0">
-                <a:pos x="connsiteX7" y="connsiteY7"/>
-              </a:cxn>
-              <a:cxn ang="0">
-                <a:pos x="connsiteX8" y="connsiteY8"/>
-              </a:cxn>
-              <a:cxn ang="0">
-                <a:pos x="connsiteX9" y="connsiteY9"/>
-              </a:cxn>
-            </a:cxnLst>
-            <a:rect l="l" t="t" r="r" b="b"/>
-            <a:pathLst>
-              <a:path w="12192000" h="1917576">
-                <a:moveTo>
-                  <a:pt x="0" y="0"/>
-                </a:moveTo>
-                <a:lnTo>
-                  <a:pt x="12192000" y="0"/>
-                </a:lnTo>
-                <a:lnTo>
-                  <a:pt x="12192000" y="1242874"/>
-                </a:lnTo>
-                <a:lnTo>
-                  <a:pt x="6655293" y="1242874"/>
-                </a:lnTo>
-                <a:lnTo>
-                  <a:pt x="6655293" y="1756295"/>
-                </a:lnTo>
-                <a:cubicBezTo>
-                  <a:pt x="6655293" y="1845368"/>
-                  <a:pt x="6583085" y="1917576"/>
-                  <a:pt x="6494012" y="1917576"/>
-                </a:cubicBezTo>
-                <a:lnTo>
-                  <a:pt x="5697988" y="1917576"/>
-                </a:lnTo>
-                <a:cubicBezTo>
-                  <a:pt x="5608916" y="1917576"/>
-                  <a:pt x="5536707" y="1845368"/>
-                  <a:pt x="5536707" y="1756295"/>
-                </a:cubicBezTo>
-                <a:lnTo>
-                  <a:pt x="5536707" y="1242874"/>
-                </a:lnTo>
-                <a:lnTo>
-                  <a:pt x="0" y="1242874"/>
-                </a:lnTo>
-                <a:close/>
-              </a:path>
-            </a:pathLst>
-          </a:custGeom>
-          <a:solidFill>
-            <a:schemeClr val="accent1">
-              <a:lumMod val="50000"/>
-            </a:schemeClr>
-          </a:solidFill>
-          <a:ln>
-            <a:noFill/>
-          </a:ln>
-        </p:spPr>
-        <p:style>
-          <a:lnRef idx="2">
-            <a:schemeClr val="accent1">
-              <a:shade val="15000"/>
-            </a:schemeClr>
-          </a:lnRef>
-          <a:fillRef idx="1">
-            <a:schemeClr val="accent1"/>
-          </a:fillRef>
-          <a:effectRef idx="0">
-            <a:schemeClr val="accent1"/>
-          </a:effectRef>
-          <a:fontRef idx="minor">
-            <a:schemeClr val="lt1"/>
-          </a:fontRef>
-        </p:style>
-        <p:txBody>
-          <a:bodyPr wrap="square" rtlCol="0" anchor="ctr">
-            <a:noAutofit/>
-          </a:bodyPr>
-          <a:lstStyle/>
-          <a:p>
-            <a:pPr algn="ctr"/>
-            <a:endParaRPr lang="en-US"/>
-          </a:p>
-        </p:txBody>
-      </p:sp>
-      <p:sp>
-        <p:nvSpPr>
-          <p:cNvPr id="22" name="Freeform: Shape 21">
-            <a:extLst>
-              <a:ext uri="{FF2B5EF4-FFF2-40B4-BE49-F238E27FC236}">
-                <a16:creationId xmlns:a16="http://schemas.microsoft.com/office/drawing/2014/main" id="{CC9D927D-AE53-A440-83B8-2C0E65165729}"/>
-              </a:ext>
-            </a:extLst>
-          </p:cNvPr>
-          <p:cNvSpPr/>
-          <p:nvPr/>
-        </p:nvSpPr>
-        <p:spPr>
-          <a:xfrm>
-            <a:off x="0" y="1479"/>
-            <a:ext cx="12192000" cy="11247199"/>
-          </a:xfrm>
-          <a:custGeom>
-            <a:avLst/>
-            <a:gdLst>
-              <a:gd name="connsiteX0" fmla="*/ 0 w 12192000"/>
-              <a:gd name="connsiteY0" fmla="*/ 0 h 1917576"/>
-              <a:gd name="connsiteX1" fmla="*/ 12192000 w 12192000"/>
-              <a:gd name="connsiteY1" fmla="*/ 0 h 1917576"/>
-              <a:gd name="connsiteX2" fmla="*/ 12192000 w 12192000"/>
-              <a:gd name="connsiteY2" fmla="*/ 1242874 h 1917576"/>
-              <a:gd name="connsiteX3" fmla="*/ 6655293 w 12192000"/>
-              <a:gd name="connsiteY3" fmla="*/ 1242874 h 1917576"/>
-              <a:gd name="connsiteX4" fmla="*/ 6655293 w 12192000"/>
-              <a:gd name="connsiteY4" fmla="*/ 1756295 h 1917576"/>
-              <a:gd name="connsiteX5" fmla="*/ 6494012 w 12192000"/>
-              <a:gd name="connsiteY5" fmla="*/ 1917576 h 1917576"/>
-              <a:gd name="connsiteX6" fmla="*/ 5697988 w 12192000"/>
-              <a:gd name="connsiteY6" fmla="*/ 1917576 h 1917576"/>
-              <a:gd name="connsiteX7" fmla="*/ 5536707 w 12192000"/>
-              <a:gd name="connsiteY7" fmla="*/ 1756295 h 1917576"/>
-              <a:gd name="connsiteX8" fmla="*/ 5536707 w 12192000"/>
-              <a:gd name="connsiteY8" fmla="*/ 1242874 h 1917576"/>
-              <a:gd name="connsiteX9" fmla="*/ 0 w 12192000"/>
-              <a:gd name="connsiteY9" fmla="*/ 1242874 h 1917576"/>
-            </a:gdLst>
-            <a:ahLst/>
-            <a:cxnLst>
-              <a:cxn ang="0">
-                <a:pos x="connsiteX0" y="connsiteY0"/>
-              </a:cxn>
-              <a:cxn ang="0">
-                <a:pos x="connsiteX1" y="connsiteY1"/>
-              </a:cxn>
-              <a:cxn ang="0">
-                <a:pos x="connsiteX2" y="connsiteY2"/>
-              </a:cxn>
-              <a:cxn ang="0">
-                <a:pos x="connsiteX3" y="connsiteY3"/>
-              </a:cxn>
-              <a:cxn ang="0">
-                <a:pos x="connsiteX4" y="connsiteY4"/>
-              </a:cxn>
-              <a:cxn ang="0">
-                <a:pos x="connsiteX5" y="connsiteY5"/>
-              </a:cxn>
-              <a:cxn ang="0">
-                <a:pos x="connsiteX6" y="connsiteY6"/>
-              </a:cxn>
-              <a:cxn ang="0">
-                <a:pos x="connsiteX7" y="connsiteY7"/>
-              </a:cxn>
-              <a:cxn ang="0">
-                <a:pos x="connsiteX8" y="connsiteY8"/>
-              </a:cxn>
-              <a:cxn ang="0">
-                <a:pos x="connsiteX9" y="connsiteY9"/>
-              </a:cxn>
-            </a:cxnLst>
-            <a:rect l="l" t="t" r="r" b="b"/>
-            <a:pathLst>
-              <a:path w="12192000" h="1917576">
-                <a:moveTo>
-                  <a:pt x="0" y="0"/>
-                </a:moveTo>
-                <a:lnTo>
-                  <a:pt x="12192000" y="0"/>
-                </a:lnTo>
-                <a:lnTo>
-                  <a:pt x="12192000" y="1242874"/>
-                </a:lnTo>
-                <a:lnTo>
-                  <a:pt x="6655293" y="1242874"/>
-                </a:lnTo>
-                <a:lnTo>
-                  <a:pt x="6655293" y="1756295"/>
-                </a:lnTo>
-                <a:cubicBezTo>
-                  <a:pt x="6655293" y="1845368"/>
-                  <a:pt x="6583085" y="1917576"/>
-                  <a:pt x="6494012" y="1917576"/>
-                </a:cubicBezTo>
-                <a:lnTo>
-                  <a:pt x="5697988" y="1917576"/>
-                </a:lnTo>
-                <a:cubicBezTo>
-                  <a:pt x="5608916" y="1917576"/>
-                  <a:pt x="5536707" y="1845368"/>
-                  <a:pt x="5536707" y="1756295"/>
-                </a:cubicBezTo>
-                <a:lnTo>
-                  <a:pt x="5536707" y="1242874"/>
-                </a:lnTo>
-                <a:lnTo>
-                  <a:pt x="0" y="1242874"/>
-                </a:lnTo>
-                <a:close/>
-              </a:path>
-            </a:pathLst>
-          </a:custGeom>
-          <a:solidFill>
-            <a:schemeClr val="accent2">
-              <a:lumMod val="20000"/>
-              <a:lumOff val="80000"/>
-            </a:schemeClr>
-          </a:solidFill>
-          <a:ln>
-            <a:noFill/>
-          </a:ln>
-        </p:spPr>
-        <p:style>
-          <a:lnRef idx="2">
-            <a:schemeClr val="accent1">
-              <a:shade val="15000"/>
-            </a:schemeClr>
-          </a:lnRef>
-          <a:fillRef idx="1">
-            <a:schemeClr val="accent1"/>
-          </a:fillRef>
-          <a:effectRef idx="0">
-            <a:schemeClr val="accent1"/>
-          </a:effectRef>
-          <a:fontRef idx="minor">
-            <a:schemeClr val="lt1"/>
-          </a:fontRef>
-        </p:style>
-        <p:txBody>
-          <a:bodyPr wrap="square" rtlCol="0" anchor="ctr">
-            <a:noAutofit/>
-          </a:bodyPr>
-          <a:lstStyle/>
-          <a:p>
-            <a:pPr algn="ctr"/>
-            <a:endParaRPr lang="en-US"/>
-          </a:p>
-        </p:txBody>
-      </p:sp>
-      <p:sp>
-        <p:nvSpPr>
-          <p:cNvPr id="23" name="Freeform: Shape 22">
-            <a:extLst>
-              <a:ext uri="{FF2B5EF4-FFF2-40B4-BE49-F238E27FC236}">
-                <a16:creationId xmlns:a16="http://schemas.microsoft.com/office/drawing/2014/main" id="{79B1439D-46C0-5078-9723-88E4F983952B}"/>
-              </a:ext>
-            </a:extLst>
-          </p:cNvPr>
-          <p:cNvSpPr/>
-          <p:nvPr/>
-        </p:nvSpPr>
-        <p:spPr>
-          <a:xfrm>
-            <a:off x="0" y="0"/>
-            <a:ext cx="12192000" cy="1145219"/>
-          </a:xfrm>
-          <a:custGeom>
-            <a:avLst/>
-            <a:gdLst>
-              <a:gd name="connsiteX0" fmla="*/ 0 w 12192000"/>
-              <a:gd name="connsiteY0" fmla="*/ 0 h 1917576"/>
-              <a:gd name="connsiteX1" fmla="*/ 12192000 w 12192000"/>
-              <a:gd name="connsiteY1" fmla="*/ 0 h 1917576"/>
-              <a:gd name="connsiteX2" fmla="*/ 12192000 w 12192000"/>
-              <a:gd name="connsiteY2" fmla="*/ 1242874 h 1917576"/>
-              <a:gd name="connsiteX3" fmla="*/ 6655293 w 12192000"/>
-              <a:gd name="connsiteY3" fmla="*/ 1242874 h 1917576"/>
-              <a:gd name="connsiteX4" fmla="*/ 6655293 w 12192000"/>
-              <a:gd name="connsiteY4" fmla="*/ 1756295 h 1917576"/>
-              <a:gd name="connsiteX5" fmla="*/ 6494012 w 12192000"/>
-              <a:gd name="connsiteY5" fmla="*/ 1917576 h 1917576"/>
-              <a:gd name="connsiteX6" fmla="*/ 5697988 w 12192000"/>
-              <a:gd name="connsiteY6" fmla="*/ 1917576 h 1917576"/>
-              <a:gd name="connsiteX7" fmla="*/ 5536707 w 12192000"/>
-              <a:gd name="connsiteY7" fmla="*/ 1756295 h 1917576"/>
-              <a:gd name="connsiteX8" fmla="*/ 5536707 w 12192000"/>
-              <a:gd name="connsiteY8" fmla="*/ 1242874 h 1917576"/>
-              <a:gd name="connsiteX9" fmla="*/ 0 w 12192000"/>
-              <a:gd name="connsiteY9" fmla="*/ 1242874 h 1917576"/>
-            </a:gdLst>
-            <a:ahLst/>
-            <a:cxnLst>
-              <a:cxn ang="0">
-                <a:pos x="connsiteX0" y="connsiteY0"/>
-              </a:cxn>
-              <a:cxn ang="0">
-                <a:pos x="connsiteX1" y="connsiteY1"/>
-              </a:cxn>
-              <a:cxn ang="0">
-                <a:pos x="connsiteX2" y="connsiteY2"/>
-              </a:cxn>
-              <a:cxn ang="0">
-                <a:pos x="connsiteX3" y="connsiteY3"/>
-              </a:cxn>
-              <a:cxn ang="0">
-                <a:pos x="connsiteX4" y="connsiteY4"/>
-              </a:cxn>
-              <a:cxn ang="0">
-                <a:pos x="connsiteX5" y="connsiteY5"/>
-              </a:cxn>
-              <a:cxn ang="0">
-                <a:pos x="connsiteX6" y="connsiteY6"/>
-              </a:cxn>
-              <a:cxn ang="0">
-                <a:pos x="connsiteX7" y="connsiteY7"/>
-              </a:cxn>
-              <a:cxn ang="0">
-                <a:pos x="connsiteX8" y="connsiteY8"/>
-              </a:cxn>
-              <a:cxn ang="0">
-                <a:pos x="connsiteX9" y="connsiteY9"/>
-              </a:cxn>
-            </a:cxnLst>
-            <a:rect l="l" t="t" r="r" b="b"/>
-            <a:pathLst>
-              <a:path w="12192000" h="1917576">
-                <a:moveTo>
-                  <a:pt x="0" y="0"/>
-                </a:moveTo>
-                <a:lnTo>
-                  <a:pt x="12192000" y="0"/>
-                </a:lnTo>
-                <a:lnTo>
-                  <a:pt x="12192000" y="1242874"/>
-                </a:lnTo>
-                <a:lnTo>
-                  <a:pt x="6655293" y="1242874"/>
-                </a:lnTo>
-                <a:lnTo>
-                  <a:pt x="6655293" y="1756295"/>
-                </a:lnTo>
-                <a:cubicBezTo>
-                  <a:pt x="6655293" y="1845368"/>
-                  <a:pt x="6583085" y="1917576"/>
-                  <a:pt x="6494012" y="1917576"/>
-                </a:cubicBezTo>
-                <a:lnTo>
-                  <a:pt x="5697988" y="1917576"/>
-                </a:lnTo>
-                <a:cubicBezTo>
-                  <a:pt x="5608916" y="1917576"/>
-                  <a:pt x="5536707" y="1845368"/>
-                  <a:pt x="5536707" y="1756295"/>
-                </a:cubicBezTo>
-                <a:lnTo>
-                  <a:pt x="5536707" y="1242874"/>
-                </a:lnTo>
-                <a:lnTo>
-                  <a:pt x="0" y="1242874"/>
-                </a:lnTo>
-                <a:close/>
-              </a:path>
-            </a:pathLst>
-          </a:custGeom>
-          <a:solidFill>
-            <a:schemeClr val="accent2">
-              <a:lumMod val="40000"/>
-              <a:lumOff val="60000"/>
-            </a:schemeClr>
-          </a:solidFill>
-          <a:ln>
-            <a:noFill/>
-          </a:ln>
-        </p:spPr>
-        <p:style>
-          <a:lnRef idx="2">
-            <a:schemeClr val="accent1">
-              <a:shade val="15000"/>
-            </a:schemeClr>
-          </a:lnRef>
-          <a:fillRef idx="1">
-            <a:schemeClr val="accent1"/>
-          </a:fillRef>
-          <a:effectRef idx="0">
-            <a:schemeClr val="accent1"/>
-          </a:effectRef>
-          <a:fontRef idx="minor">
-            <a:schemeClr val="lt1"/>
-          </a:fontRef>
-        </p:style>
-        <p:txBody>
-          <a:bodyPr wrap="square" rtlCol="0" anchor="ctr">
-            <a:noAutofit/>
-          </a:bodyPr>
-          <a:lstStyle/>
-          <a:p>
-            <a:pPr algn="ctr"/>
-            <a:endParaRPr lang="en-US"/>
-          </a:p>
-        </p:txBody>
-      </p:sp>
-      <p:sp>
-        <p:nvSpPr>
-          <p:cNvPr id="24" name="Freeform: Shape 23">
-            <a:extLst>
-              <a:ext uri="{FF2B5EF4-FFF2-40B4-BE49-F238E27FC236}">
-                <a16:creationId xmlns:a16="http://schemas.microsoft.com/office/drawing/2014/main" id="{FBEF5356-CA10-0806-00B0-40EE6CBD934F}"/>
-              </a:ext>
-            </a:extLst>
-          </p:cNvPr>
-          <p:cNvSpPr/>
-          <p:nvPr/>
-        </p:nvSpPr>
-        <p:spPr>
-          <a:xfrm>
-            <a:off x="0" y="10357"/>
-            <a:ext cx="12192000" cy="1063841"/>
-          </a:xfrm>
-          <a:custGeom>
-            <a:avLst/>
-            <a:gdLst>
-              <a:gd name="connsiteX0" fmla="*/ 0 w 12192000"/>
-              <a:gd name="connsiteY0" fmla="*/ 0 h 1917576"/>
-              <a:gd name="connsiteX1" fmla="*/ 12192000 w 12192000"/>
-              <a:gd name="connsiteY1" fmla="*/ 0 h 1917576"/>
-              <a:gd name="connsiteX2" fmla="*/ 12192000 w 12192000"/>
-              <a:gd name="connsiteY2" fmla="*/ 1242874 h 1917576"/>
-              <a:gd name="connsiteX3" fmla="*/ 6655293 w 12192000"/>
-              <a:gd name="connsiteY3" fmla="*/ 1242874 h 1917576"/>
-              <a:gd name="connsiteX4" fmla="*/ 6655293 w 12192000"/>
-              <a:gd name="connsiteY4" fmla="*/ 1756295 h 1917576"/>
-              <a:gd name="connsiteX5" fmla="*/ 6494012 w 12192000"/>
-              <a:gd name="connsiteY5" fmla="*/ 1917576 h 1917576"/>
-              <a:gd name="connsiteX6" fmla="*/ 5697988 w 12192000"/>
-              <a:gd name="connsiteY6" fmla="*/ 1917576 h 1917576"/>
-              <a:gd name="connsiteX7" fmla="*/ 5536707 w 12192000"/>
-              <a:gd name="connsiteY7" fmla="*/ 1756295 h 1917576"/>
-              <a:gd name="connsiteX8" fmla="*/ 5536707 w 12192000"/>
-              <a:gd name="connsiteY8" fmla="*/ 1242874 h 1917576"/>
-              <a:gd name="connsiteX9" fmla="*/ 0 w 12192000"/>
-              <a:gd name="connsiteY9" fmla="*/ 1242874 h 1917576"/>
-            </a:gdLst>
-            <a:ahLst/>
-            <a:cxnLst>
-              <a:cxn ang="0">
-                <a:pos x="connsiteX0" y="connsiteY0"/>
-              </a:cxn>
-              <a:cxn ang="0">
-                <a:pos x="connsiteX1" y="connsiteY1"/>
-              </a:cxn>
-              <a:cxn ang="0">
-                <a:pos x="connsiteX2" y="connsiteY2"/>
-              </a:cxn>
-              <a:cxn ang="0">
-                <a:pos x="connsiteX3" y="connsiteY3"/>
-              </a:cxn>
-              <a:cxn ang="0">
-                <a:pos x="connsiteX4" y="connsiteY4"/>
-              </a:cxn>
-              <a:cxn ang="0">
-                <a:pos x="connsiteX5" y="connsiteY5"/>
-              </a:cxn>
-              <a:cxn ang="0">
-                <a:pos x="connsiteX6" y="connsiteY6"/>
-              </a:cxn>
-              <a:cxn ang="0">
-                <a:pos x="connsiteX7" y="connsiteY7"/>
-              </a:cxn>
-              <a:cxn ang="0">
-                <a:pos x="connsiteX8" y="connsiteY8"/>
-              </a:cxn>
-              <a:cxn ang="0">
-                <a:pos x="connsiteX9" y="connsiteY9"/>
-              </a:cxn>
-            </a:cxnLst>
-            <a:rect l="l" t="t" r="r" b="b"/>
-            <a:pathLst>
-              <a:path w="12192000" h="1917576">
-                <a:moveTo>
-                  <a:pt x="0" y="0"/>
-                </a:moveTo>
-                <a:lnTo>
-                  <a:pt x="12192000" y="0"/>
-                </a:lnTo>
-                <a:lnTo>
-                  <a:pt x="12192000" y="1242874"/>
-                </a:lnTo>
-                <a:lnTo>
-                  <a:pt x="6655293" y="1242874"/>
-                </a:lnTo>
-                <a:lnTo>
-                  <a:pt x="6655293" y="1756295"/>
-                </a:lnTo>
-                <a:cubicBezTo>
-                  <a:pt x="6655293" y="1845368"/>
-                  <a:pt x="6583085" y="1917576"/>
-                  <a:pt x="6494012" y="1917576"/>
-                </a:cubicBezTo>
-                <a:lnTo>
-                  <a:pt x="5697988" y="1917576"/>
-                </a:lnTo>
-                <a:cubicBezTo>
-                  <a:pt x="5608916" y="1917576"/>
-                  <a:pt x="5536707" y="1845368"/>
-                  <a:pt x="5536707" y="1756295"/>
-                </a:cubicBezTo>
-                <a:lnTo>
-                  <a:pt x="5536707" y="1242874"/>
-                </a:lnTo>
-                <a:lnTo>
-                  <a:pt x="0" y="1242874"/>
-                </a:lnTo>
-                <a:close/>
-              </a:path>
-            </a:pathLst>
-          </a:custGeom>
-          <a:solidFill>
-            <a:schemeClr val="accent2">
-              <a:lumMod val="60000"/>
-              <a:lumOff val="40000"/>
-            </a:schemeClr>
-          </a:solidFill>
-          <a:ln>
-            <a:noFill/>
-          </a:ln>
-        </p:spPr>
-        <p:style>
-          <a:lnRef idx="2">
-            <a:schemeClr val="accent1">
-              <a:shade val="15000"/>
-            </a:schemeClr>
-          </a:lnRef>
-          <a:fillRef idx="1">
-            <a:schemeClr val="accent1"/>
-          </a:fillRef>
-          <a:effectRef idx="0">
-            <a:schemeClr val="accent1"/>
-          </a:effectRef>
-          <a:fontRef idx="minor">
-            <a:schemeClr val="lt1"/>
-          </a:fontRef>
-        </p:style>
-        <p:txBody>
-          <a:bodyPr wrap="square" rtlCol="0" anchor="ctr">
-            <a:noAutofit/>
-          </a:bodyPr>
-          <a:lstStyle/>
-          <a:p>
-            <a:pPr algn="ctr"/>
-            <a:endParaRPr lang="en-US"/>
-          </a:p>
-        </p:txBody>
-      </p:sp>
-      <p:sp>
-        <p:nvSpPr>
-          <p:cNvPr id="25" name="Freeform: Shape 24">
-            <a:extLst>
-              <a:ext uri="{FF2B5EF4-FFF2-40B4-BE49-F238E27FC236}">
-                <a16:creationId xmlns:a16="http://schemas.microsoft.com/office/drawing/2014/main" id="{B6ED453C-A138-04D1-ABC7-2F7C07DA2330}"/>
-              </a:ext>
-            </a:extLst>
-          </p:cNvPr>
-          <p:cNvSpPr/>
-          <p:nvPr/>
-        </p:nvSpPr>
-        <p:spPr>
-          <a:xfrm>
-            <a:off x="0" y="-17755"/>
-            <a:ext cx="12192000" cy="994299"/>
-          </a:xfrm>
-          <a:custGeom>
-            <a:avLst/>
-            <a:gdLst>
-              <a:gd name="connsiteX0" fmla="*/ 0 w 12192000"/>
-              <a:gd name="connsiteY0" fmla="*/ 0 h 1917576"/>
-              <a:gd name="connsiteX1" fmla="*/ 12192000 w 12192000"/>
-              <a:gd name="connsiteY1" fmla="*/ 0 h 1917576"/>
-              <a:gd name="connsiteX2" fmla="*/ 12192000 w 12192000"/>
-              <a:gd name="connsiteY2" fmla="*/ 1242874 h 1917576"/>
-              <a:gd name="connsiteX3" fmla="*/ 6655293 w 12192000"/>
-              <a:gd name="connsiteY3" fmla="*/ 1242874 h 1917576"/>
-              <a:gd name="connsiteX4" fmla="*/ 6655293 w 12192000"/>
-              <a:gd name="connsiteY4" fmla="*/ 1756295 h 1917576"/>
-              <a:gd name="connsiteX5" fmla="*/ 6494012 w 12192000"/>
-              <a:gd name="connsiteY5" fmla="*/ 1917576 h 1917576"/>
-              <a:gd name="connsiteX6" fmla="*/ 5697988 w 12192000"/>
-              <a:gd name="connsiteY6" fmla="*/ 1917576 h 1917576"/>
-              <a:gd name="connsiteX7" fmla="*/ 5536707 w 12192000"/>
-              <a:gd name="connsiteY7" fmla="*/ 1756295 h 1917576"/>
-              <a:gd name="connsiteX8" fmla="*/ 5536707 w 12192000"/>
-              <a:gd name="connsiteY8" fmla="*/ 1242874 h 1917576"/>
-              <a:gd name="connsiteX9" fmla="*/ 0 w 12192000"/>
-              <a:gd name="connsiteY9" fmla="*/ 1242874 h 1917576"/>
-            </a:gdLst>
-            <a:ahLst/>
-            <a:cxnLst>
-              <a:cxn ang="0">
-                <a:pos x="connsiteX0" y="connsiteY0"/>
-              </a:cxn>
-              <a:cxn ang="0">
-                <a:pos x="connsiteX1" y="connsiteY1"/>
-              </a:cxn>
-              <a:cxn ang="0">
-                <a:pos x="connsiteX2" y="connsiteY2"/>
-              </a:cxn>
-              <a:cxn ang="0">
-                <a:pos x="connsiteX3" y="connsiteY3"/>
-              </a:cxn>
-              <a:cxn ang="0">
-                <a:pos x="connsiteX4" y="connsiteY4"/>
-              </a:cxn>
-              <a:cxn ang="0">
-                <a:pos x="connsiteX5" y="connsiteY5"/>
-              </a:cxn>
-              <a:cxn ang="0">
-                <a:pos x="connsiteX6" y="connsiteY6"/>
-              </a:cxn>
-              <a:cxn ang="0">
-                <a:pos x="connsiteX7" y="connsiteY7"/>
-              </a:cxn>
-              <a:cxn ang="0">
-                <a:pos x="connsiteX8" y="connsiteY8"/>
-              </a:cxn>
-              <a:cxn ang="0">
-                <a:pos x="connsiteX9" y="connsiteY9"/>
-              </a:cxn>
-            </a:cxnLst>
-            <a:rect l="l" t="t" r="r" b="b"/>
-            <a:pathLst>
-              <a:path w="12192000" h="1917576">
-                <a:moveTo>
-                  <a:pt x="0" y="0"/>
-                </a:moveTo>
-                <a:lnTo>
-                  <a:pt x="12192000" y="0"/>
-                </a:lnTo>
-                <a:lnTo>
-                  <a:pt x="12192000" y="1242874"/>
-                </a:lnTo>
-                <a:lnTo>
-                  <a:pt x="6655293" y="1242874"/>
-                </a:lnTo>
-                <a:lnTo>
-                  <a:pt x="6655293" y="1756295"/>
-                </a:lnTo>
-                <a:cubicBezTo>
-                  <a:pt x="6655293" y="1845368"/>
-                  <a:pt x="6583085" y="1917576"/>
-                  <a:pt x="6494012" y="1917576"/>
-                </a:cubicBezTo>
-                <a:lnTo>
-                  <a:pt x="5697988" y="1917576"/>
-                </a:lnTo>
-                <a:cubicBezTo>
-                  <a:pt x="5608916" y="1917576"/>
-                  <a:pt x="5536707" y="1845368"/>
-                  <a:pt x="5536707" y="1756295"/>
-                </a:cubicBezTo>
-                <a:lnTo>
-                  <a:pt x="5536707" y="1242874"/>
-                </a:lnTo>
-                <a:lnTo>
-                  <a:pt x="0" y="1242874"/>
-                </a:lnTo>
-                <a:close/>
-              </a:path>
-            </a:pathLst>
-          </a:custGeom>
-          <a:solidFill>
-            <a:schemeClr val="accent4">
-              <a:lumMod val="20000"/>
-              <a:lumOff val="80000"/>
-            </a:schemeClr>
-          </a:solidFill>
-          <a:ln>
-            <a:noFill/>
-          </a:ln>
-        </p:spPr>
-        <p:style>
-          <a:lnRef idx="2">
-            <a:schemeClr val="accent1">
-              <a:shade val="15000"/>
-            </a:schemeClr>
-          </a:lnRef>
-          <a:fillRef idx="1">
-            <a:schemeClr val="accent1"/>
-          </a:fillRef>
-          <a:effectRef idx="0">
-            <a:schemeClr val="accent1"/>
-          </a:effectRef>
-          <a:fontRef idx="minor">
-            <a:schemeClr val="lt1"/>
-          </a:fontRef>
-        </p:style>
-        <p:txBody>
-          <a:bodyPr wrap="square" rtlCol="0" anchor="ctr">
-            <a:noAutofit/>
-          </a:bodyPr>
-          <a:lstStyle/>
-          <a:p>
-            <a:pPr algn="ctr"/>
-            <a:endParaRPr lang="en-US"/>
-          </a:p>
-        </p:txBody>
-      </p:sp>
-      <p:sp>
-        <p:nvSpPr>
-          <p:cNvPr id="26" name="Freeform: Shape 25">
-            <a:extLst>
-              <a:ext uri="{FF2B5EF4-FFF2-40B4-BE49-F238E27FC236}">
-                <a16:creationId xmlns:a16="http://schemas.microsoft.com/office/drawing/2014/main" id="{A5CDA1C2-AE37-BD78-837E-42C3062B576F}"/>
-              </a:ext>
-            </a:extLst>
-          </p:cNvPr>
-          <p:cNvSpPr/>
-          <p:nvPr/>
-        </p:nvSpPr>
-        <p:spPr>
-          <a:xfrm>
-            <a:off x="0" y="10357"/>
-            <a:ext cx="12192000" cy="886288"/>
-          </a:xfrm>
-          <a:custGeom>
-            <a:avLst/>
-            <a:gdLst>
-              <a:gd name="connsiteX0" fmla="*/ 0 w 12192000"/>
-              <a:gd name="connsiteY0" fmla="*/ 0 h 1917576"/>
-              <a:gd name="connsiteX1" fmla="*/ 12192000 w 12192000"/>
-              <a:gd name="connsiteY1" fmla="*/ 0 h 1917576"/>
-              <a:gd name="connsiteX2" fmla="*/ 12192000 w 12192000"/>
-              <a:gd name="connsiteY2" fmla="*/ 1242874 h 1917576"/>
-              <a:gd name="connsiteX3" fmla="*/ 6655293 w 12192000"/>
-              <a:gd name="connsiteY3" fmla="*/ 1242874 h 1917576"/>
-              <a:gd name="connsiteX4" fmla="*/ 6655293 w 12192000"/>
-              <a:gd name="connsiteY4" fmla="*/ 1756295 h 1917576"/>
-              <a:gd name="connsiteX5" fmla="*/ 6494012 w 12192000"/>
-              <a:gd name="connsiteY5" fmla="*/ 1917576 h 1917576"/>
-              <a:gd name="connsiteX6" fmla="*/ 5697988 w 12192000"/>
-              <a:gd name="connsiteY6" fmla="*/ 1917576 h 1917576"/>
-              <a:gd name="connsiteX7" fmla="*/ 5536707 w 12192000"/>
-              <a:gd name="connsiteY7" fmla="*/ 1756295 h 1917576"/>
-              <a:gd name="connsiteX8" fmla="*/ 5536707 w 12192000"/>
-              <a:gd name="connsiteY8" fmla="*/ 1242874 h 1917576"/>
-              <a:gd name="connsiteX9" fmla="*/ 0 w 12192000"/>
-              <a:gd name="connsiteY9" fmla="*/ 1242874 h 1917576"/>
-            </a:gdLst>
-            <a:ahLst/>
-            <a:cxnLst>
-              <a:cxn ang="0">
-                <a:pos x="connsiteX0" y="connsiteY0"/>
-              </a:cxn>
-              <a:cxn ang="0">
-                <a:pos x="connsiteX1" y="connsiteY1"/>
-              </a:cxn>
-              <a:cxn ang="0">
-                <a:pos x="connsiteX2" y="connsiteY2"/>
-              </a:cxn>
-              <a:cxn ang="0">
-                <a:pos x="connsiteX3" y="connsiteY3"/>
-              </a:cxn>
-              <a:cxn ang="0">
-                <a:pos x="connsiteX4" y="connsiteY4"/>
-              </a:cxn>
-              <a:cxn ang="0">
-                <a:pos x="connsiteX5" y="connsiteY5"/>
-              </a:cxn>
-              <a:cxn ang="0">
-                <a:pos x="connsiteX6" y="connsiteY6"/>
-              </a:cxn>
-              <a:cxn ang="0">
-                <a:pos x="connsiteX7" y="connsiteY7"/>
-              </a:cxn>
-              <a:cxn ang="0">
-                <a:pos x="connsiteX8" y="connsiteY8"/>
-              </a:cxn>
-              <a:cxn ang="0">
-                <a:pos x="connsiteX9" y="connsiteY9"/>
-              </a:cxn>
-            </a:cxnLst>
-            <a:rect l="l" t="t" r="r" b="b"/>
-            <a:pathLst>
-              <a:path w="12192000" h="1917576">
-                <a:moveTo>
-                  <a:pt x="0" y="0"/>
-                </a:moveTo>
-                <a:lnTo>
-                  <a:pt x="12192000" y="0"/>
-                </a:lnTo>
-                <a:lnTo>
-                  <a:pt x="12192000" y="1242874"/>
-                </a:lnTo>
-                <a:lnTo>
-                  <a:pt x="6655293" y="1242874"/>
-                </a:lnTo>
-                <a:lnTo>
-                  <a:pt x="6655293" y="1756295"/>
-                </a:lnTo>
-                <a:cubicBezTo>
-                  <a:pt x="6655293" y="1845368"/>
-                  <a:pt x="6583085" y="1917576"/>
-                  <a:pt x="6494012" y="1917576"/>
-                </a:cubicBezTo>
-                <a:lnTo>
-                  <a:pt x="5697988" y="1917576"/>
-                </a:lnTo>
-                <a:cubicBezTo>
-                  <a:pt x="5608916" y="1917576"/>
-                  <a:pt x="5536707" y="1845368"/>
-                  <a:pt x="5536707" y="1756295"/>
-                </a:cubicBezTo>
-                <a:lnTo>
-                  <a:pt x="5536707" y="1242874"/>
-                </a:lnTo>
-                <a:lnTo>
-                  <a:pt x="0" y="1242874"/>
-                </a:lnTo>
-                <a:close/>
-              </a:path>
-            </a:pathLst>
-          </a:custGeom>
-          <a:solidFill>
-            <a:schemeClr val="accent4">
-              <a:lumMod val="40000"/>
-              <a:lumOff val="60000"/>
-            </a:schemeClr>
-          </a:solidFill>
-          <a:ln>
-            <a:noFill/>
-          </a:ln>
-        </p:spPr>
-        <p:style>
-          <a:lnRef idx="2">
-            <a:schemeClr val="accent1">
-              <a:shade val="15000"/>
-            </a:schemeClr>
-          </a:lnRef>
-          <a:fillRef idx="1">
-            <a:schemeClr val="accent1"/>
-          </a:fillRef>
-          <a:effectRef idx="0">
-            <a:schemeClr val="accent1"/>
-          </a:effectRef>
-          <a:fontRef idx="minor">
-            <a:schemeClr val="lt1"/>
-          </a:fontRef>
-        </p:style>
-        <p:txBody>
-          <a:bodyPr wrap="square" rtlCol="0" anchor="ctr">
-            <a:noAutofit/>
-          </a:bodyPr>
-          <a:lstStyle/>
-          <a:p>
-            <a:pPr algn="ctr"/>
-            <a:endParaRPr lang="en-US"/>
-          </a:p>
-        </p:txBody>
-      </p:sp>
-      <p:sp>
-        <p:nvSpPr>
-          <p:cNvPr id="27" name="Freeform: Shape 26">
-            <a:extLst>
-              <a:ext uri="{FF2B5EF4-FFF2-40B4-BE49-F238E27FC236}">
-                <a16:creationId xmlns:a16="http://schemas.microsoft.com/office/drawing/2014/main" id="{1272C0E9-A72A-0044-05D4-1C4801C48531}"/>
-              </a:ext>
-            </a:extLst>
-          </p:cNvPr>
-          <p:cNvSpPr/>
-          <p:nvPr/>
-        </p:nvSpPr>
-        <p:spPr>
-          <a:xfrm>
-            <a:off x="0" y="-9617"/>
-            <a:ext cx="12192000" cy="817485"/>
-          </a:xfrm>
-          <a:custGeom>
-            <a:avLst/>
-            <a:gdLst>
-              <a:gd name="connsiteX0" fmla="*/ 0 w 12192000"/>
-              <a:gd name="connsiteY0" fmla="*/ 0 h 1917576"/>
-              <a:gd name="connsiteX1" fmla="*/ 12192000 w 12192000"/>
-              <a:gd name="connsiteY1" fmla="*/ 0 h 1917576"/>
-              <a:gd name="connsiteX2" fmla="*/ 12192000 w 12192000"/>
-              <a:gd name="connsiteY2" fmla="*/ 1242874 h 1917576"/>
-              <a:gd name="connsiteX3" fmla="*/ 6655293 w 12192000"/>
-              <a:gd name="connsiteY3" fmla="*/ 1242874 h 1917576"/>
-              <a:gd name="connsiteX4" fmla="*/ 6655293 w 12192000"/>
-              <a:gd name="connsiteY4" fmla="*/ 1756295 h 1917576"/>
-              <a:gd name="connsiteX5" fmla="*/ 6494012 w 12192000"/>
-              <a:gd name="connsiteY5" fmla="*/ 1917576 h 1917576"/>
-              <a:gd name="connsiteX6" fmla="*/ 5697988 w 12192000"/>
-              <a:gd name="connsiteY6" fmla="*/ 1917576 h 1917576"/>
-              <a:gd name="connsiteX7" fmla="*/ 5536707 w 12192000"/>
-              <a:gd name="connsiteY7" fmla="*/ 1756295 h 1917576"/>
-              <a:gd name="connsiteX8" fmla="*/ 5536707 w 12192000"/>
-              <a:gd name="connsiteY8" fmla="*/ 1242874 h 1917576"/>
-              <a:gd name="connsiteX9" fmla="*/ 0 w 12192000"/>
-              <a:gd name="connsiteY9" fmla="*/ 1242874 h 1917576"/>
-            </a:gdLst>
-            <a:ahLst/>
-            <a:cxnLst>
-              <a:cxn ang="0">
-                <a:pos x="connsiteX0" y="connsiteY0"/>
-              </a:cxn>
-              <a:cxn ang="0">
-                <a:pos x="connsiteX1" y="connsiteY1"/>
-              </a:cxn>
-              <a:cxn ang="0">
-                <a:pos x="connsiteX2" y="connsiteY2"/>
-              </a:cxn>
-              <a:cxn ang="0">
-                <a:pos x="connsiteX3" y="connsiteY3"/>
-              </a:cxn>
-              <a:cxn ang="0">
-                <a:pos x="connsiteX4" y="connsiteY4"/>
-              </a:cxn>
-              <a:cxn ang="0">
-                <a:pos x="connsiteX5" y="connsiteY5"/>
-              </a:cxn>
-              <a:cxn ang="0">
-                <a:pos x="connsiteX6" y="connsiteY6"/>
-              </a:cxn>
-              <a:cxn ang="0">
-                <a:pos x="connsiteX7" y="connsiteY7"/>
-              </a:cxn>
-              <a:cxn ang="0">
-                <a:pos x="connsiteX8" y="connsiteY8"/>
-              </a:cxn>
-              <a:cxn ang="0">
-                <a:pos x="connsiteX9" y="connsiteY9"/>
-              </a:cxn>
-            </a:cxnLst>
-            <a:rect l="l" t="t" r="r" b="b"/>
-            <a:pathLst>
-              <a:path w="12192000" h="1917576">
-                <a:moveTo>
-                  <a:pt x="0" y="0"/>
-                </a:moveTo>
-                <a:lnTo>
-                  <a:pt x="12192000" y="0"/>
-                </a:lnTo>
-                <a:lnTo>
-                  <a:pt x="12192000" y="1242874"/>
-                </a:lnTo>
-                <a:lnTo>
-                  <a:pt x="6655293" y="1242874"/>
-                </a:lnTo>
-                <a:lnTo>
-                  <a:pt x="6655293" y="1756295"/>
-                </a:lnTo>
-                <a:cubicBezTo>
-                  <a:pt x="6655293" y="1845368"/>
-                  <a:pt x="6583085" y="1917576"/>
-                  <a:pt x="6494012" y="1917576"/>
-                </a:cubicBezTo>
-                <a:lnTo>
-                  <a:pt x="5697988" y="1917576"/>
-                </a:lnTo>
-                <a:cubicBezTo>
-                  <a:pt x="5608916" y="1917576"/>
-                  <a:pt x="5536707" y="1845368"/>
-                  <a:pt x="5536707" y="1756295"/>
-                </a:cubicBezTo>
-                <a:lnTo>
-                  <a:pt x="5536707" y="1242874"/>
-                </a:lnTo>
-                <a:lnTo>
-                  <a:pt x="0" y="1242874"/>
-                </a:lnTo>
-                <a:close/>
-              </a:path>
-            </a:pathLst>
-          </a:custGeom>
-          <a:solidFill>
-            <a:schemeClr val="accent4">
-              <a:lumMod val="60000"/>
-              <a:lumOff val="40000"/>
-            </a:schemeClr>
-          </a:solidFill>
-          <a:ln>
-            <a:noFill/>
-          </a:ln>
-        </p:spPr>
-        <p:style>
-          <a:lnRef idx="2">
-            <a:schemeClr val="accent1">
-              <a:shade val="15000"/>
-            </a:schemeClr>
-          </a:lnRef>
-          <a:fillRef idx="1">
-            <a:schemeClr val="accent1"/>
-          </a:fillRef>
-          <a:effectRef idx="0">
-            <a:schemeClr val="accent1"/>
-          </a:effectRef>
-          <a:fontRef idx="minor">
-            <a:schemeClr val="lt1"/>
-          </a:fontRef>
-        </p:style>
-        <p:txBody>
-          <a:bodyPr wrap="square" rtlCol="0" anchor="ctr">
-            <a:noAutofit/>
-          </a:bodyPr>
-          <a:lstStyle/>
-          <a:p>
-            <a:pPr algn="ctr"/>
-            <a:endParaRPr lang="en-US"/>
-          </a:p>
-        </p:txBody>
-      </p:sp>
-      <p:sp>
-        <p:nvSpPr>
-          <p:cNvPr id="28" name="Freeform: Shape 27">
-            <a:extLst>
-              <a:ext uri="{FF2B5EF4-FFF2-40B4-BE49-F238E27FC236}">
-                <a16:creationId xmlns:a16="http://schemas.microsoft.com/office/drawing/2014/main" id="{4BE9B498-6E1E-4EBD-62E3-0F26165ADECA}"/>
-              </a:ext>
-            </a:extLst>
-          </p:cNvPr>
-          <p:cNvSpPr/>
-          <p:nvPr/>
-        </p:nvSpPr>
-        <p:spPr>
-          <a:xfrm>
-            <a:off x="0" y="2220"/>
-            <a:ext cx="12192000" cy="734627"/>
-          </a:xfrm>
-          <a:custGeom>
-            <a:avLst/>
-            <a:gdLst>
-              <a:gd name="connsiteX0" fmla="*/ 0 w 12192000"/>
-              <a:gd name="connsiteY0" fmla="*/ 0 h 1917576"/>
-              <a:gd name="connsiteX1" fmla="*/ 12192000 w 12192000"/>
-              <a:gd name="connsiteY1" fmla="*/ 0 h 1917576"/>
-              <a:gd name="connsiteX2" fmla="*/ 12192000 w 12192000"/>
-              <a:gd name="connsiteY2" fmla="*/ 1242874 h 1917576"/>
-              <a:gd name="connsiteX3" fmla="*/ 6655293 w 12192000"/>
-              <a:gd name="connsiteY3" fmla="*/ 1242874 h 1917576"/>
-              <a:gd name="connsiteX4" fmla="*/ 6655293 w 12192000"/>
-              <a:gd name="connsiteY4" fmla="*/ 1756295 h 1917576"/>
-              <a:gd name="connsiteX5" fmla="*/ 6494012 w 12192000"/>
-              <a:gd name="connsiteY5" fmla="*/ 1917576 h 1917576"/>
-              <a:gd name="connsiteX6" fmla="*/ 5697988 w 12192000"/>
-              <a:gd name="connsiteY6" fmla="*/ 1917576 h 1917576"/>
-              <a:gd name="connsiteX7" fmla="*/ 5536707 w 12192000"/>
-              <a:gd name="connsiteY7" fmla="*/ 1756295 h 1917576"/>
-              <a:gd name="connsiteX8" fmla="*/ 5536707 w 12192000"/>
-              <a:gd name="connsiteY8" fmla="*/ 1242874 h 1917576"/>
-              <a:gd name="connsiteX9" fmla="*/ 0 w 12192000"/>
-              <a:gd name="connsiteY9" fmla="*/ 1242874 h 1917576"/>
-            </a:gdLst>
-            <a:ahLst/>
-            <a:cxnLst>
-              <a:cxn ang="0">
-                <a:pos x="connsiteX0" y="connsiteY0"/>
-              </a:cxn>
-              <a:cxn ang="0">
-                <a:pos x="connsiteX1" y="connsiteY1"/>
-              </a:cxn>
-              <a:cxn ang="0">
-                <a:pos x="connsiteX2" y="connsiteY2"/>
-              </a:cxn>
-              <a:cxn ang="0">
-                <a:pos x="connsiteX3" y="connsiteY3"/>
-              </a:cxn>
-              <a:cxn ang="0">
-                <a:pos x="connsiteX4" y="connsiteY4"/>
-              </a:cxn>
-              <a:cxn ang="0">
-                <a:pos x="connsiteX5" y="connsiteY5"/>
-              </a:cxn>
-              <a:cxn ang="0">
-                <a:pos x="connsiteX6" y="connsiteY6"/>
-              </a:cxn>
-              <a:cxn ang="0">
-                <a:pos x="connsiteX7" y="connsiteY7"/>
-              </a:cxn>
-              <a:cxn ang="0">
-                <a:pos x="connsiteX8" y="connsiteY8"/>
-              </a:cxn>
-              <a:cxn ang="0">
-                <a:pos x="connsiteX9" y="connsiteY9"/>
-              </a:cxn>
-            </a:cxnLst>
-            <a:rect l="l" t="t" r="r" b="b"/>
-            <a:pathLst>
-              <a:path w="12192000" h="1917576">
-                <a:moveTo>
-                  <a:pt x="0" y="0"/>
-                </a:moveTo>
-                <a:lnTo>
-                  <a:pt x="12192000" y="0"/>
-                </a:lnTo>
-                <a:lnTo>
-                  <a:pt x="12192000" y="1242874"/>
-                </a:lnTo>
-                <a:lnTo>
-                  <a:pt x="6655293" y="1242874"/>
-                </a:lnTo>
-                <a:lnTo>
-                  <a:pt x="6655293" y="1756295"/>
-                </a:lnTo>
-                <a:cubicBezTo>
-                  <a:pt x="6655293" y="1845368"/>
-                  <a:pt x="6583085" y="1917576"/>
-                  <a:pt x="6494012" y="1917576"/>
-                </a:cubicBezTo>
-                <a:lnTo>
-                  <a:pt x="5697988" y="1917576"/>
-                </a:lnTo>
-                <a:cubicBezTo>
-                  <a:pt x="5608916" y="1917576"/>
-                  <a:pt x="5536707" y="1845368"/>
-                  <a:pt x="5536707" y="1756295"/>
-                </a:cubicBezTo>
-                <a:lnTo>
-                  <a:pt x="5536707" y="1242874"/>
-                </a:lnTo>
-                <a:lnTo>
-                  <a:pt x="0" y="1242874"/>
-                </a:lnTo>
-                <a:close/>
-              </a:path>
-            </a:pathLst>
-          </a:custGeom>
-          <a:solidFill>
-            <a:schemeClr val="accent6">
-              <a:lumMod val="40000"/>
-              <a:lumOff val="60000"/>
-            </a:schemeClr>
-          </a:solidFill>
-          <a:ln>
-            <a:noFill/>
-          </a:ln>
-        </p:spPr>
-        <p:style>
-          <a:lnRef idx="2">
-            <a:schemeClr val="accent1">
-              <a:shade val="15000"/>
-            </a:schemeClr>
-          </a:lnRef>
-          <a:fillRef idx="1">
-            <a:schemeClr val="accent1"/>
-          </a:fillRef>
-          <a:effectRef idx="0">
-            <a:schemeClr val="accent1"/>
-          </a:effectRef>
-          <a:fontRef idx="minor">
-            <a:schemeClr val="lt1"/>
-          </a:fontRef>
-        </p:style>
-        <p:txBody>
-          <a:bodyPr wrap="square" rtlCol="0" anchor="ctr">
-            <a:noAutofit/>
-          </a:bodyPr>
-          <a:lstStyle/>
-          <a:p>
-            <a:pPr algn="ctr"/>
-            <a:endParaRPr lang="en-US"/>
-          </a:p>
-        </p:txBody>
-      </p:sp>
-      <p:sp>
-        <p:nvSpPr>
-          <p:cNvPr id="29" name="Freeform: Shape 28">
-            <a:extLst>
-              <a:ext uri="{FF2B5EF4-FFF2-40B4-BE49-F238E27FC236}">
-                <a16:creationId xmlns:a16="http://schemas.microsoft.com/office/drawing/2014/main" id="{E99B1534-FE16-72A8-802C-6A34AD673FED}"/>
-              </a:ext>
-            </a:extLst>
-          </p:cNvPr>
-          <p:cNvSpPr/>
-          <p:nvPr/>
-        </p:nvSpPr>
-        <p:spPr>
-          <a:xfrm>
-            <a:off x="0" y="10357"/>
-            <a:ext cx="12192000" cy="646591"/>
-          </a:xfrm>
-          <a:custGeom>
-            <a:avLst/>
-            <a:gdLst>
-              <a:gd name="connsiteX0" fmla="*/ 0 w 12192000"/>
-              <a:gd name="connsiteY0" fmla="*/ 0 h 1917576"/>
-              <a:gd name="connsiteX1" fmla="*/ 12192000 w 12192000"/>
-              <a:gd name="connsiteY1" fmla="*/ 0 h 1917576"/>
-              <a:gd name="connsiteX2" fmla="*/ 12192000 w 12192000"/>
-              <a:gd name="connsiteY2" fmla="*/ 1242874 h 1917576"/>
-              <a:gd name="connsiteX3" fmla="*/ 6655293 w 12192000"/>
-              <a:gd name="connsiteY3" fmla="*/ 1242874 h 1917576"/>
-              <a:gd name="connsiteX4" fmla="*/ 6655293 w 12192000"/>
-              <a:gd name="connsiteY4" fmla="*/ 1756295 h 1917576"/>
-              <a:gd name="connsiteX5" fmla="*/ 6494012 w 12192000"/>
-              <a:gd name="connsiteY5" fmla="*/ 1917576 h 1917576"/>
-              <a:gd name="connsiteX6" fmla="*/ 5697988 w 12192000"/>
-              <a:gd name="connsiteY6" fmla="*/ 1917576 h 1917576"/>
-              <a:gd name="connsiteX7" fmla="*/ 5536707 w 12192000"/>
-              <a:gd name="connsiteY7" fmla="*/ 1756295 h 1917576"/>
-              <a:gd name="connsiteX8" fmla="*/ 5536707 w 12192000"/>
-              <a:gd name="connsiteY8" fmla="*/ 1242874 h 1917576"/>
-              <a:gd name="connsiteX9" fmla="*/ 0 w 12192000"/>
-              <a:gd name="connsiteY9" fmla="*/ 1242874 h 1917576"/>
-            </a:gdLst>
-            <a:ahLst/>
-            <a:cxnLst>
-              <a:cxn ang="0">
-                <a:pos x="connsiteX0" y="connsiteY0"/>
-              </a:cxn>
-              <a:cxn ang="0">
-                <a:pos x="connsiteX1" y="connsiteY1"/>
-              </a:cxn>
-              <a:cxn ang="0">
-                <a:pos x="connsiteX2" y="connsiteY2"/>
-              </a:cxn>
-              <a:cxn ang="0">
-                <a:pos x="connsiteX3" y="connsiteY3"/>
-              </a:cxn>
-              <a:cxn ang="0">
-                <a:pos x="connsiteX4" y="connsiteY4"/>
-              </a:cxn>
-              <a:cxn ang="0">
-                <a:pos x="connsiteX5" y="connsiteY5"/>
-              </a:cxn>
-              <a:cxn ang="0">
-                <a:pos x="connsiteX6" y="connsiteY6"/>
-              </a:cxn>
-              <a:cxn ang="0">
-                <a:pos x="connsiteX7" y="connsiteY7"/>
-              </a:cxn>
-              <a:cxn ang="0">
-                <a:pos x="connsiteX8" y="connsiteY8"/>
-              </a:cxn>
-              <a:cxn ang="0">
-                <a:pos x="connsiteX9" y="connsiteY9"/>
-              </a:cxn>
-            </a:cxnLst>
-            <a:rect l="l" t="t" r="r" b="b"/>
-            <a:pathLst>
-              <a:path w="12192000" h="1917576">
-                <a:moveTo>
-                  <a:pt x="0" y="0"/>
-                </a:moveTo>
-                <a:lnTo>
-                  <a:pt x="12192000" y="0"/>
-                </a:lnTo>
-                <a:lnTo>
-                  <a:pt x="12192000" y="1242874"/>
-                </a:lnTo>
-                <a:lnTo>
-                  <a:pt x="6655293" y="1242874"/>
-                </a:lnTo>
-                <a:lnTo>
-                  <a:pt x="6655293" y="1756295"/>
-                </a:lnTo>
-                <a:cubicBezTo>
-                  <a:pt x="6655293" y="1845368"/>
-                  <a:pt x="6583085" y="1917576"/>
-                  <a:pt x="6494012" y="1917576"/>
-                </a:cubicBezTo>
-                <a:lnTo>
-                  <a:pt x="5697988" y="1917576"/>
-                </a:lnTo>
-                <a:cubicBezTo>
-                  <a:pt x="5608916" y="1917576"/>
-                  <a:pt x="5536707" y="1845368"/>
-                  <a:pt x="5536707" y="1756295"/>
-                </a:cubicBezTo>
-                <a:lnTo>
-                  <a:pt x="5536707" y="1242874"/>
-                </a:lnTo>
-                <a:lnTo>
-                  <a:pt x="0" y="1242874"/>
-                </a:lnTo>
-                <a:close/>
-              </a:path>
-            </a:pathLst>
-          </a:custGeom>
-          <a:solidFill>
-            <a:schemeClr val="accent6">
-              <a:lumMod val="60000"/>
-              <a:lumOff val="40000"/>
-            </a:schemeClr>
-          </a:solidFill>
-          <a:ln>
-            <a:noFill/>
-          </a:ln>
-        </p:spPr>
-        <p:style>
-          <a:lnRef idx="2">
-            <a:schemeClr val="accent1">
-              <a:shade val="15000"/>
-            </a:schemeClr>
-          </a:lnRef>
-          <a:fillRef idx="1">
-            <a:schemeClr val="accent1"/>
-          </a:fillRef>
-          <a:effectRef idx="0">
-            <a:schemeClr val="accent1"/>
-          </a:effectRef>
-          <a:fontRef idx="minor">
-            <a:schemeClr val="lt1"/>
-          </a:fontRef>
-        </p:style>
-        <p:txBody>
-          <a:bodyPr wrap="square" rtlCol="0" anchor="ctr">
-            <a:noAutofit/>
-          </a:bodyPr>
-          <a:lstStyle/>
-          <a:p>
-            <a:pPr algn="ctr"/>
-            <a:endParaRPr lang="en-US" dirty="0"/>
-          </a:p>
-        </p:txBody>
-      </p:sp>
-      <p:sp>
-        <p:nvSpPr>
-          <p:cNvPr id="30" name="Freeform: Shape 29">
-            <a:extLst>
-              <a:ext uri="{FF2B5EF4-FFF2-40B4-BE49-F238E27FC236}">
-                <a16:creationId xmlns:a16="http://schemas.microsoft.com/office/drawing/2014/main" id="{2668E04E-5409-F9D1-4720-333A2E59F06D}"/>
-              </a:ext>
-            </a:extLst>
-          </p:cNvPr>
-          <p:cNvSpPr/>
-          <p:nvPr/>
-        </p:nvSpPr>
-        <p:spPr>
-          <a:xfrm>
-            <a:off x="0" y="0"/>
-            <a:ext cx="12192000" cy="568171"/>
-          </a:xfrm>
-          <a:custGeom>
-            <a:avLst/>
-            <a:gdLst>
-              <a:gd name="connsiteX0" fmla="*/ 0 w 12192000"/>
-              <a:gd name="connsiteY0" fmla="*/ 0 h 1917576"/>
-              <a:gd name="connsiteX1" fmla="*/ 12192000 w 12192000"/>
-              <a:gd name="connsiteY1" fmla="*/ 0 h 1917576"/>
-              <a:gd name="connsiteX2" fmla="*/ 12192000 w 12192000"/>
-              <a:gd name="connsiteY2" fmla="*/ 1242874 h 1917576"/>
-              <a:gd name="connsiteX3" fmla="*/ 6655293 w 12192000"/>
-              <a:gd name="connsiteY3" fmla="*/ 1242874 h 1917576"/>
-              <a:gd name="connsiteX4" fmla="*/ 6655293 w 12192000"/>
-              <a:gd name="connsiteY4" fmla="*/ 1756295 h 1917576"/>
-              <a:gd name="connsiteX5" fmla="*/ 6494012 w 12192000"/>
-              <a:gd name="connsiteY5" fmla="*/ 1917576 h 1917576"/>
-              <a:gd name="connsiteX6" fmla="*/ 5697988 w 12192000"/>
-              <a:gd name="connsiteY6" fmla="*/ 1917576 h 1917576"/>
-              <a:gd name="connsiteX7" fmla="*/ 5536707 w 12192000"/>
-              <a:gd name="connsiteY7" fmla="*/ 1756295 h 1917576"/>
-              <a:gd name="connsiteX8" fmla="*/ 5536707 w 12192000"/>
-              <a:gd name="connsiteY8" fmla="*/ 1242874 h 1917576"/>
-              <a:gd name="connsiteX9" fmla="*/ 0 w 12192000"/>
-              <a:gd name="connsiteY9" fmla="*/ 1242874 h 1917576"/>
-            </a:gdLst>
-            <a:ahLst/>
-            <a:cxnLst>
-              <a:cxn ang="0">
-                <a:pos x="connsiteX0" y="connsiteY0"/>
-              </a:cxn>
-              <a:cxn ang="0">
-                <a:pos x="connsiteX1" y="connsiteY1"/>
-              </a:cxn>
-              <a:cxn ang="0">
-                <a:pos x="connsiteX2" y="connsiteY2"/>
-              </a:cxn>
-              <a:cxn ang="0">
-                <a:pos x="connsiteX3" y="connsiteY3"/>
-              </a:cxn>
-              <a:cxn ang="0">
-                <a:pos x="connsiteX4" y="connsiteY4"/>
-              </a:cxn>
-              <a:cxn ang="0">
-                <a:pos x="connsiteX5" y="connsiteY5"/>
-              </a:cxn>
-              <a:cxn ang="0">
-                <a:pos x="connsiteX6" y="connsiteY6"/>
-              </a:cxn>
-              <a:cxn ang="0">
-                <a:pos x="connsiteX7" y="connsiteY7"/>
-              </a:cxn>
-              <a:cxn ang="0">
-                <a:pos x="connsiteX8" y="connsiteY8"/>
-              </a:cxn>
-              <a:cxn ang="0">
-                <a:pos x="connsiteX9" y="connsiteY9"/>
-              </a:cxn>
-            </a:cxnLst>
-            <a:rect l="l" t="t" r="r" b="b"/>
-            <a:pathLst>
-              <a:path w="12192000" h="1917576">
-                <a:moveTo>
-                  <a:pt x="0" y="0"/>
-                </a:moveTo>
-                <a:lnTo>
-                  <a:pt x="12192000" y="0"/>
-                </a:lnTo>
-                <a:lnTo>
-                  <a:pt x="12192000" y="1242874"/>
-                </a:lnTo>
-                <a:lnTo>
-                  <a:pt x="6655293" y="1242874"/>
-                </a:lnTo>
-                <a:lnTo>
-                  <a:pt x="6655293" y="1756295"/>
-                </a:lnTo>
-                <a:cubicBezTo>
-                  <a:pt x="6655293" y="1845368"/>
-                  <a:pt x="6583085" y="1917576"/>
-                  <a:pt x="6494012" y="1917576"/>
-                </a:cubicBezTo>
-                <a:lnTo>
-                  <a:pt x="5697988" y="1917576"/>
-                </a:lnTo>
-                <a:cubicBezTo>
-                  <a:pt x="5608916" y="1917576"/>
-                  <a:pt x="5536707" y="1845368"/>
-                  <a:pt x="5536707" y="1756295"/>
-                </a:cubicBezTo>
-                <a:lnTo>
-                  <a:pt x="5536707" y="1242874"/>
-                </a:lnTo>
-                <a:lnTo>
-                  <a:pt x="0" y="1242874"/>
-                </a:lnTo>
-                <a:close/>
-              </a:path>
-            </a:pathLst>
-          </a:custGeom>
-          <a:solidFill>
-            <a:schemeClr val="accent6">
-              <a:lumMod val="75000"/>
-            </a:schemeClr>
-          </a:solidFill>
-          <a:ln>
-            <a:noFill/>
-          </a:ln>
-        </p:spPr>
-        <p:style>
-          <a:lnRef idx="2">
-            <a:schemeClr val="accent1">
-              <a:shade val="15000"/>
-            </a:schemeClr>
-          </a:lnRef>
-          <a:fillRef idx="1">
-            <a:schemeClr val="accent1"/>
-          </a:fillRef>
-          <a:effectRef idx="0">
-            <a:schemeClr val="accent1"/>
-          </a:effectRef>
-          <a:fontRef idx="minor">
-            <a:schemeClr val="lt1"/>
-          </a:fontRef>
-        </p:style>
-        <p:txBody>
-          <a:bodyPr wrap="square" rtlCol="0" anchor="ctr">
-            <a:noAutofit/>
-          </a:bodyPr>
-          <a:lstStyle/>
-          <a:p>
-            <a:pPr algn="ctr"/>
-            <a:endParaRPr lang="en-US"/>
-          </a:p>
-        </p:txBody>
-      </p:sp>
-      <p:sp>
-        <p:nvSpPr>
-          <p:cNvPr id="31" name="Freeform: Shape 30">
-            <a:extLst>
-              <a:ext uri="{FF2B5EF4-FFF2-40B4-BE49-F238E27FC236}">
-                <a16:creationId xmlns:a16="http://schemas.microsoft.com/office/drawing/2014/main" id="{87D774B8-DBDE-8719-1551-E9D48B155FF6}"/>
-              </a:ext>
-            </a:extLst>
-          </p:cNvPr>
-          <p:cNvSpPr/>
-          <p:nvPr/>
-        </p:nvSpPr>
-        <p:spPr>
-          <a:xfrm>
-            <a:off x="0" y="-9617"/>
-            <a:ext cx="12192000" cy="471256"/>
-          </a:xfrm>
-          <a:custGeom>
-            <a:avLst/>
-            <a:gdLst>
-              <a:gd name="connsiteX0" fmla="*/ 0 w 12192000"/>
-              <a:gd name="connsiteY0" fmla="*/ 0 h 1917576"/>
-              <a:gd name="connsiteX1" fmla="*/ 12192000 w 12192000"/>
-              <a:gd name="connsiteY1" fmla="*/ 0 h 1917576"/>
-              <a:gd name="connsiteX2" fmla="*/ 12192000 w 12192000"/>
-              <a:gd name="connsiteY2" fmla="*/ 1242874 h 1917576"/>
-              <a:gd name="connsiteX3" fmla="*/ 6655293 w 12192000"/>
-              <a:gd name="connsiteY3" fmla="*/ 1242874 h 1917576"/>
-              <a:gd name="connsiteX4" fmla="*/ 6655293 w 12192000"/>
-              <a:gd name="connsiteY4" fmla="*/ 1756295 h 1917576"/>
-              <a:gd name="connsiteX5" fmla="*/ 6494012 w 12192000"/>
-              <a:gd name="connsiteY5" fmla="*/ 1917576 h 1917576"/>
-              <a:gd name="connsiteX6" fmla="*/ 5697988 w 12192000"/>
-              <a:gd name="connsiteY6" fmla="*/ 1917576 h 1917576"/>
-              <a:gd name="connsiteX7" fmla="*/ 5536707 w 12192000"/>
-              <a:gd name="connsiteY7" fmla="*/ 1756295 h 1917576"/>
-              <a:gd name="connsiteX8" fmla="*/ 5536707 w 12192000"/>
-              <a:gd name="connsiteY8" fmla="*/ 1242874 h 1917576"/>
-              <a:gd name="connsiteX9" fmla="*/ 0 w 12192000"/>
-              <a:gd name="connsiteY9" fmla="*/ 1242874 h 1917576"/>
-            </a:gdLst>
-            <a:ahLst/>
-            <a:cxnLst>
-              <a:cxn ang="0">
-                <a:pos x="connsiteX0" y="connsiteY0"/>
-              </a:cxn>
-              <a:cxn ang="0">
-                <a:pos x="connsiteX1" y="connsiteY1"/>
-              </a:cxn>
-              <a:cxn ang="0">
-                <a:pos x="connsiteX2" y="connsiteY2"/>
-              </a:cxn>
-              <a:cxn ang="0">
-                <a:pos x="connsiteX3" y="connsiteY3"/>
-              </a:cxn>
-              <a:cxn ang="0">
-                <a:pos x="connsiteX4" y="connsiteY4"/>
-              </a:cxn>
-              <a:cxn ang="0">
-                <a:pos x="connsiteX5" y="connsiteY5"/>
-              </a:cxn>
-              <a:cxn ang="0">
-                <a:pos x="connsiteX6" y="connsiteY6"/>
-              </a:cxn>
-              <a:cxn ang="0">
-                <a:pos x="connsiteX7" y="connsiteY7"/>
-              </a:cxn>
-              <a:cxn ang="0">
-                <a:pos x="connsiteX8" y="connsiteY8"/>
-              </a:cxn>
-              <a:cxn ang="0">
-                <a:pos x="connsiteX9" y="connsiteY9"/>
-              </a:cxn>
-            </a:cxnLst>
-            <a:rect l="l" t="t" r="r" b="b"/>
-            <a:pathLst>
-              <a:path w="12192000" h="1917576">
-                <a:moveTo>
-                  <a:pt x="0" y="0"/>
-                </a:moveTo>
-                <a:lnTo>
-                  <a:pt x="12192000" y="0"/>
-                </a:lnTo>
-                <a:lnTo>
-                  <a:pt x="12192000" y="1242874"/>
-                </a:lnTo>
-                <a:lnTo>
-                  <a:pt x="6655293" y="1242874"/>
-                </a:lnTo>
-                <a:lnTo>
-                  <a:pt x="6655293" y="1756295"/>
-                </a:lnTo>
-                <a:cubicBezTo>
-                  <a:pt x="6655293" y="1845368"/>
-                  <a:pt x="6583085" y="1917576"/>
-                  <a:pt x="6494012" y="1917576"/>
-                </a:cubicBezTo>
-                <a:lnTo>
-                  <a:pt x="5697988" y="1917576"/>
-                </a:lnTo>
-                <a:cubicBezTo>
-                  <a:pt x="5608916" y="1917576"/>
-                  <a:pt x="5536707" y="1845368"/>
-                  <a:pt x="5536707" y="1756295"/>
-                </a:cubicBezTo>
-                <a:lnTo>
-                  <a:pt x="5536707" y="1242874"/>
-                </a:lnTo>
-                <a:lnTo>
-                  <a:pt x="0" y="1242874"/>
-                </a:lnTo>
-                <a:close/>
-              </a:path>
-            </a:pathLst>
-          </a:custGeom>
-          <a:solidFill>
-            <a:schemeClr val="accent6">
-              <a:lumMod val="50000"/>
-            </a:schemeClr>
-          </a:solidFill>
-          <a:ln>
-            <a:noFill/>
-          </a:ln>
-        </p:spPr>
-        <p:style>
-          <a:lnRef idx="2">
-            <a:schemeClr val="accent1">
-              <a:shade val="15000"/>
-            </a:schemeClr>
-          </a:lnRef>
-          <a:fillRef idx="1">
-            <a:schemeClr val="accent1"/>
-          </a:fillRef>
-          <a:effectRef idx="0">
-            <a:schemeClr val="accent1"/>
-          </a:effectRef>
-          <a:fontRef idx="minor">
-            <a:schemeClr val="lt1"/>
-          </a:fontRef>
-        </p:style>
-        <p:txBody>
-          <a:bodyPr wrap="square" rtlCol="0" anchor="ctr">
-            <a:noAutofit/>
-          </a:bodyPr>
-          <a:lstStyle/>
-          <a:p>
-            <a:pPr algn="ctr"/>
-            <a:endParaRPr lang="en-US"/>
-          </a:p>
-        </p:txBody>
-      </p:sp>
-      <p:sp>
-        <p:nvSpPr>
-          <p:cNvPr id="32" name="Freeform: Shape 31">
-            <a:extLst>
-              <a:ext uri="{FF2B5EF4-FFF2-40B4-BE49-F238E27FC236}">
-                <a16:creationId xmlns:a16="http://schemas.microsoft.com/office/drawing/2014/main" id="{0F3EA5D1-AD4E-AEDD-9919-7FF189079B2F}"/>
-              </a:ext>
-            </a:extLst>
-          </p:cNvPr>
-          <p:cNvSpPr/>
-          <p:nvPr/>
-        </p:nvSpPr>
-        <p:spPr>
-          <a:xfrm>
-            <a:off x="0" y="-7397"/>
-            <a:ext cx="12192000" cy="380259"/>
-          </a:xfrm>
-          <a:custGeom>
-            <a:avLst/>
-            <a:gdLst>
-              <a:gd name="connsiteX0" fmla="*/ 0 w 12192000"/>
-              <a:gd name="connsiteY0" fmla="*/ 0 h 1917576"/>
-              <a:gd name="connsiteX1" fmla="*/ 12192000 w 12192000"/>
-              <a:gd name="connsiteY1" fmla="*/ 0 h 1917576"/>
-              <a:gd name="connsiteX2" fmla="*/ 12192000 w 12192000"/>
-              <a:gd name="connsiteY2" fmla="*/ 1242874 h 1917576"/>
-              <a:gd name="connsiteX3" fmla="*/ 6655293 w 12192000"/>
-              <a:gd name="connsiteY3" fmla="*/ 1242874 h 1917576"/>
-              <a:gd name="connsiteX4" fmla="*/ 6655293 w 12192000"/>
-              <a:gd name="connsiteY4" fmla="*/ 1756295 h 1917576"/>
-              <a:gd name="connsiteX5" fmla="*/ 6494012 w 12192000"/>
-              <a:gd name="connsiteY5" fmla="*/ 1917576 h 1917576"/>
-              <a:gd name="connsiteX6" fmla="*/ 5697988 w 12192000"/>
-              <a:gd name="connsiteY6" fmla="*/ 1917576 h 1917576"/>
-              <a:gd name="connsiteX7" fmla="*/ 5536707 w 12192000"/>
-              <a:gd name="connsiteY7" fmla="*/ 1756295 h 1917576"/>
-              <a:gd name="connsiteX8" fmla="*/ 5536707 w 12192000"/>
-              <a:gd name="connsiteY8" fmla="*/ 1242874 h 1917576"/>
-              <a:gd name="connsiteX9" fmla="*/ 0 w 12192000"/>
-              <a:gd name="connsiteY9" fmla="*/ 1242874 h 1917576"/>
-            </a:gdLst>
-            <a:ahLst/>
-            <a:cxnLst>
-              <a:cxn ang="0">
-                <a:pos x="connsiteX0" y="connsiteY0"/>
-              </a:cxn>
-              <a:cxn ang="0">
-                <a:pos x="connsiteX1" y="connsiteY1"/>
-              </a:cxn>
-              <a:cxn ang="0">
-                <a:pos x="connsiteX2" y="connsiteY2"/>
-              </a:cxn>
-              <a:cxn ang="0">
-                <a:pos x="connsiteX3" y="connsiteY3"/>
-              </a:cxn>
-              <a:cxn ang="0">
-                <a:pos x="connsiteX4" y="connsiteY4"/>
-              </a:cxn>
-              <a:cxn ang="0">
-                <a:pos x="connsiteX5" y="connsiteY5"/>
-              </a:cxn>
-              <a:cxn ang="0">
-                <a:pos x="connsiteX6" y="connsiteY6"/>
-              </a:cxn>
-              <a:cxn ang="0">
-                <a:pos x="connsiteX7" y="connsiteY7"/>
-              </a:cxn>
-              <a:cxn ang="0">
-                <a:pos x="connsiteX8" y="connsiteY8"/>
-              </a:cxn>
-              <a:cxn ang="0">
-                <a:pos x="connsiteX9" y="connsiteY9"/>
-              </a:cxn>
-            </a:cxnLst>
-            <a:rect l="l" t="t" r="r" b="b"/>
-            <a:pathLst>
-              <a:path w="12192000" h="1917576">
-                <a:moveTo>
-                  <a:pt x="0" y="0"/>
-                </a:moveTo>
-                <a:lnTo>
-                  <a:pt x="12192000" y="0"/>
-                </a:lnTo>
-                <a:lnTo>
-                  <a:pt x="12192000" y="1242874"/>
-                </a:lnTo>
-                <a:lnTo>
-                  <a:pt x="6655293" y="1242874"/>
-                </a:lnTo>
-                <a:lnTo>
-                  <a:pt x="6655293" y="1756295"/>
-                </a:lnTo>
-                <a:cubicBezTo>
-                  <a:pt x="6655293" y="1845368"/>
-                  <a:pt x="6583085" y="1917576"/>
-                  <a:pt x="6494012" y="1917576"/>
-                </a:cubicBezTo>
-                <a:lnTo>
-                  <a:pt x="5697988" y="1917576"/>
-                </a:lnTo>
-                <a:cubicBezTo>
-                  <a:pt x="5608916" y="1917576"/>
-                  <a:pt x="5536707" y="1845368"/>
-                  <a:pt x="5536707" y="1756295"/>
-                </a:cubicBezTo>
-                <a:lnTo>
-                  <a:pt x="5536707" y="1242874"/>
-                </a:lnTo>
-                <a:lnTo>
-                  <a:pt x="0" y="1242874"/>
-                </a:lnTo>
-                <a:close/>
-              </a:path>
-            </a:pathLst>
-          </a:custGeom>
-          <a:solidFill>
-            <a:schemeClr val="accent1">
-              <a:lumMod val="50000"/>
-            </a:schemeClr>
-          </a:solidFill>
-          <a:ln>
-            <a:noFill/>
-          </a:ln>
-        </p:spPr>
-        <p:style>
-          <a:lnRef idx="2">
-            <a:schemeClr val="accent1">
-              <a:shade val="15000"/>
-            </a:schemeClr>
-          </a:lnRef>
-          <a:fillRef idx="1">
-            <a:schemeClr val="accent1"/>
-          </a:fillRef>
-          <a:effectRef idx="0">
-            <a:schemeClr val="accent1"/>
-          </a:effectRef>
-          <a:fontRef idx="minor">
-            <a:schemeClr val="lt1"/>
-          </a:fontRef>
-        </p:style>
-        <p:txBody>
-          <a:bodyPr wrap="square" rtlCol="0" anchor="ctr">
-            <a:noAutofit/>
-          </a:bodyPr>
-          <a:lstStyle/>
-          <a:p>
-            <a:pPr algn="ctr"/>
-            <a:endParaRPr lang="en-US"/>
-          </a:p>
-        </p:txBody>
-      </p:sp>
-      <p:sp>
-        <p:nvSpPr>
-          <p:cNvPr id="33" name="Freeform: Shape 32">
-            <a:extLst>
-              <a:ext uri="{FF2B5EF4-FFF2-40B4-BE49-F238E27FC236}">
-                <a16:creationId xmlns:a16="http://schemas.microsoft.com/office/drawing/2014/main" id="{AF5E3A6E-B9CA-3041-D1DB-9A896CC0EC7A}"/>
-              </a:ext>
-            </a:extLst>
-          </p:cNvPr>
-          <p:cNvSpPr/>
-          <p:nvPr/>
-        </p:nvSpPr>
-        <p:spPr>
-          <a:xfrm>
-            <a:off x="0" y="0"/>
-            <a:ext cx="12192000" cy="266330"/>
-          </a:xfrm>
-          <a:custGeom>
-            <a:avLst/>
-            <a:gdLst>
-              <a:gd name="connsiteX0" fmla="*/ 0 w 12192000"/>
-              <a:gd name="connsiteY0" fmla="*/ 0 h 1917576"/>
-              <a:gd name="connsiteX1" fmla="*/ 12192000 w 12192000"/>
-              <a:gd name="connsiteY1" fmla="*/ 0 h 1917576"/>
-              <a:gd name="connsiteX2" fmla="*/ 12192000 w 12192000"/>
-              <a:gd name="connsiteY2" fmla="*/ 1242874 h 1917576"/>
-              <a:gd name="connsiteX3" fmla="*/ 6655293 w 12192000"/>
-              <a:gd name="connsiteY3" fmla="*/ 1242874 h 1917576"/>
-              <a:gd name="connsiteX4" fmla="*/ 6655293 w 12192000"/>
-              <a:gd name="connsiteY4" fmla="*/ 1756295 h 1917576"/>
-              <a:gd name="connsiteX5" fmla="*/ 6494012 w 12192000"/>
-              <a:gd name="connsiteY5" fmla="*/ 1917576 h 1917576"/>
-              <a:gd name="connsiteX6" fmla="*/ 5697988 w 12192000"/>
-              <a:gd name="connsiteY6" fmla="*/ 1917576 h 1917576"/>
-              <a:gd name="connsiteX7" fmla="*/ 5536707 w 12192000"/>
-              <a:gd name="connsiteY7" fmla="*/ 1756295 h 1917576"/>
-              <a:gd name="connsiteX8" fmla="*/ 5536707 w 12192000"/>
-              <a:gd name="connsiteY8" fmla="*/ 1242874 h 1917576"/>
-              <a:gd name="connsiteX9" fmla="*/ 0 w 12192000"/>
-              <a:gd name="connsiteY9" fmla="*/ 1242874 h 1917576"/>
-            </a:gdLst>
-            <a:ahLst/>
-            <a:cxnLst>
-              <a:cxn ang="0">
-                <a:pos x="connsiteX0" y="connsiteY0"/>
-              </a:cxn>
-              <a:cxn ang="0">
-                <a:pos x="connsiteX1" y="connsiteY1"/>
-              </a:cxn>
-              <a:cxn ang="0">
-                <a:pos x="connsiteX2" y="connsiteY2"/>
-              </a:cxn>
-              <a:cxn ang="0">
-                <a:pos x="connsiteX3" y="connsiteY3"/>
-              </a:cxn>
-              <a:cxn ang="0">
-                <a:pos x="connsiteX4" y="connsiteY4"/>
-              </a:cxn>
-              <a:cxn ang="0">
-                <a:pos x="connsiteX5" y="connsiteY5"/>
-              </a:cxn>
-              <a:cxn ang="0">
-                <a:pos x="connsiteX6" y="connsiteY6"/>
-              </a:cxn>
-              <a:cxn ang="0">
-                <a:pos x="connsiteX7" y="connsiteY7"/>
-              </a:cxn>
-              <a:cxn ang="0">
-                <a:pos x="connsiteX8" y="connsiteY8"/>
-              </a:cxn>
-              <a:cxn ang="0">
-                <a:pos x="connsiteX9" y="connsiteY9"/>
-              </a:cxn>
-            </a:cxnLst>
-            <a:rect l="l" t="t" r="r" b="b"/>
-            <a:pathLst>
-              <a:path w="12192000" h="1917576">
-                <a:moveTo>
-                  <a:pt x="0" y="0"/>
-                </a:moveTo>
-                <a:lnTo>
-                  <a:pt x="12192000" y="0"/>
-                </a:lnTo>
-                <a:lnTo>
-                  <a:pt x="12192000" y="1242874"/>
-                </a:lnTo>
-                <a:lnTo>
-                  <a:pt x="6655293" y="1242874"/>
-                </a:lnTo>
-                <a:lnTo>
-                  <a:pt x="6655293" y="1756295"/>
-                </a:lnTo>
-                <a:cubicBezTo>
-                  <a:pt x="6655293" y="1845368"/>
-                  <a:pt x="6583085" y="1917576"/>
-                  <a:pt x="6494012" y="1917576"/>
-                </a:cubicBezTo>
-                <a:lnTo>
-                  <a:pt x="5697988" y="1917576"/>
-                </a:lnTo>
-                <a:cubicBezTo>
-                  <a:pt x="5608916" y="1917576"/>
-                  <a:pt x="5536707" y="1845368"/>
-                  <a:pt x="5536707" y="1756295"/>
-                </a:cubicBezTo>
-                <a:lnTo>
-                  <a:pt x="5536707" y="1242874"/>
-                </a:lnTo>
-                <a:lnTo>
-                  <a:pt x="0" y="1242874"/>
-                </a:lnTo>
-                <a:close/>
-              </a:path>
-            </a:pathLst>
-          </a:custGeom>
-          <a:solidFill>
-            <a:schemeClr val="accent1">
-              <a:lumMod val="75000"/>
-            </a:schemeClr>
-          </a:solidFill>
-          <a:ln>
-            <a:noFill/>
-          </a:ln>
-        </p:spPr>
-        <p:style>
-          <a:lnRef idx="2">
-            <a:schemeClr val="accent1">
-              <a:shade val="15000"/>
-            </a:schemeClr>
-          </a:lnRef>
-          <a:fillRef idx="1">
-            <a:schemeClr val="accent1"/>
-          </a:fillRef>
-          <a:effectRef idx="0">
-            <a:schemeClr val="accent1"/>
-          </a:effectRef>
-          <a:fontRef idx="minor">
-            <a:schemeClr val="lt1"/>
-          </a:fontRef>
-        </p:style>
-        <p:txBody>
-          <a:bodyPr wrap="square" rtlCol="0" anchor="ctr">
-            <a:noAutofit/>
-          </a:bodyPr>
-          <a:lstStyle/>
-          <a:p>
-            <a:pPr algn="ctr"/>
-            <a:endParaRPr lang="en-US"/>
-          </a:p>
-        </p:txBody>
-      </p:sp>
-      <p:sp>
-        <p:nvSpPr>
-          <p:cNvPr id="34" name="Freeform: Shape 33">
-            <a:extLst>
-              <a:ext uri="{FF2B5EF4-FFF2-40B4-BE49-F238E27FC236}">
-                <a16:creationId xmlns:a16="http://schemas.microsoft.com/office/drawing/2014/main" id="{CBB9583C-A8E3-C410-05EE-E9F4A3C0A13B}"/>
-              </a:ext>
-            </a:extLst>
-          </p:cNvPr>
-          <p:cNvSpPr/>
-          <p:nvPr/>
-        </p:nvSpPr>
-        <p:spPr>
-          <a:xfrm>
-            <a:off x="0" y="53266"/>
-            <a:ext cx="12192000" cy="115410"/>
-          </a:xfrm>
-          <a:custGeom>
-            <a:avLst/>
-            <a:gdLst>
-              <a:gd name="connsiteX0" fmla="*/ 0 w 12192000"/>
-              <a:gd name="connsiteY0" fmla="*/ 0 h 1917576"/>
-              <a:gd name="connsiteX1" fmla="*/ 12192000 w 12192000"/>
-              <a:gd name="connsiteY1" fmla="*/ 0 h 1917576"/>
-              <a:gd name="connsiteX2" fmla="*/ 12192000 w 12192000"/>
-              <a:gd name="connsiteY2" fmla="*/ 1242874 h 1917576"/>
-              <a:gd name="connsiteX3" fmla="*/ 6655293 w 12192000"/>
-              <a:gd name="connsiteY3" fmla="*/ 1242874 h 1917576"/>
-              <a:gd name="connsiteX4" fmla="*/ 6655293 w 12192000"/>
-              <a:gd name="connsiteY4" fmla="*/ 1756295 h 1917576"/>
-              <a:gd name="connsiteX5" fmla="*/ 6494012 w 12192000"/>
-              <a:gd name="connsiteY5" fmla="*/ 1917576 h 1917576"/>
-              <a:gd name="connsiteX6" fmla="*/ 5697988 w 12192000"/>
-              <a:gd name="connsiteY6" fmla="*/ 1917576 h 1917576"/>
-              <a:gd name="connsiteX7" fmla="*/ 5536707 w 12192000"/>
-              <a:gd name="connsiteY7" fmla="*/ 1756295 h 1917576"/>
-              <a:gd name="connsiteX8" fmla="*/ 5536707 w 12192000"/>
-              <a:gd name="connsiteY8" fmla="*/ 1242874 h 1917576"/>
-              <a:gd name="connsiteX9" fmla="*/ 0 w 12192000"/>
-              <a:gd name="connsiteY9" fmla="*/ 1242874 h 1917576"/>
-            </a:gdLst>
-            <a:ahLst/>
-            <a:cxnLst>
-              <a:cxn ang="0">
-                <a:pos x="connsiteX0" y="connsiteY0"/>
-              </a:cxn>
-              <a:cxn ang="0">
-                <a:pos x="connsiteX1" y="connsiteY1"/>
-              </a:cxn>
-              <a:cxn ang="0">
-                <a:pos x="connsiteX2" y="connsiteY2"/>
-              </a:cxn>
-              <a:cxn ang="0">
-                <a:pos x="connsiteX3" y="connsiteY3"/>
-              </a:cxn>
-              <a:cxn ang="0">
-                <a:pos x="connsiteX4" y="connsiteY4"/>
-              </a:cxn>
-              <a:cxn ang="0">
-                <a:pos x="connsiteX5" y="connsiteY5"/>
-              </a:cxn>
-              <a:cxn ang="0">
-                <a:pos x="connsiteX6" y="connsiteY6"/>
-              </a:cxn>
-              <a:cxn ang="0">
-                <a:pos x="connsiteX7" y="connsiteY7"/>
-              </a:cxn>
-              <a:cxn ang="0">
-                <a:pos x="connsiteX8" y="connsiteY8"/>
-              </a:cxn>
-              <a:cxn ang="0">
-                <a:pos x="connsiteX9" y="connsiteY9"/>
-              </a:cxn>
-            </a:cxnLst>
-            <a:rect l="l" t="t" r="r" b="b"/>
-            <a:pathLst>
-              <a:path w="12192000" h="1917576">
-                <a:moveTo>
-                  <a:pt x="0" y="0"/>
-                </a:moveTo>
-                <a:lnTo>
-                  <a:pt x="12192000" y="0"/>
-                </a:lnTo>
-                <a:lnTo>
-                  <a:pt x="12192000" y="1242874"/>
-                </a:lnTo>
-                <a:lnTo>
-                  <a:pt x="6655293" y="1242874"/>
-                </a:lnTo>
-                <a:lnTo>
-                  <a:pt x="6655293" y="1756295"/>
-                </a:lnTo>
-                <a:cubicBezTo>
-                  <a:pt x="6655293" y="1845368"/>
-                  <a:pt x="6583085" y="1917576"/>
-                  <a:pt x="6494012" y="1917576"/>
-                </a:cubicBezTo>
-                <a:lnTo>
-                  <a:pt x="5697988" y="1917576"/>
-                </a:lnTo>
-                <a:cubicBezTo>
-                  <a:pt x="5608916" y="1917576"/>
-                  <a:pt x="5536707" y="1845368"/>
-                  <a:pt x="5536707" y="1756295"/>
-                </a:cubicBezTo>
-                <a:lnTo>
-                  <a:pt x="5536707" y="1242874"/>
-                </a:lnTo>
-                <a:lnTo>
-                  <a:pt x="0" y="1242874"/>
-                </a:lnTo>
-                <a:close/>
-              </a:path>
-            </a:pathLst>
-          </a:custGeom>
-          <a:solidFill>
-            <a:schemeClr val="accent1">
-              <a:lumMod val="60000"/>
-              <a:lumOff val="40000"/>
-            </a:schemeClr>
-          </a:solidFill>
-          <a:ln>
-            <a:noFill/>
-          </a:ln>
-        </p:spPr>
-        <p:style>
-          <a:lnRef idx="2">
-            <a:schemeClr val="accent1">
-              <a:shade val="15000"/>
-            </a:schemeClr>
-          </a:lnRef>
-          <a:fillRef idx="1">
-            <a:schemeClr val="accent1"/>
-          </a:fillRef>
-          <a:effectRef idx="0">
-            <a:schemeClr val="accent1"/>
-          </a:effectRef>
-          <a:fontRef idx="minor">
-            <a:schemeClr val="lt1"/>
-          </a:fontRef>
-        </p:style>
-        <p:txBody>
-          <a:bodyPr wrap="square" rtlCol="0" anchor="ctr">
-            <a:noAutofit/>
-          </a:bodyPr>
-          <a:lstStyle/>
-          <a:p>
-            <a:pPr algn="ctr"/>
-            <a:endParaRPr lang="en-US"/>
-          </a:p>
-        </p:txBody>
-      </p:sp>
-      <p:sp>
-        <p:nvSpPr>
-          <p:cNvPr id="35" name="TextBox 34">
-            <a:extLst>
-              <a:ext uri="{FF2B5EF4-FFF2-40B4-BE49-F238E27FC236}">
-                <a16:creationId xmlns:a16="http://schemas.microsoft.com/office/drawing/2014/main" id="{8D864EFC-7EEA-7A6D-EDD2-0EED2D7ECB1E}"/>
-              </a:ext>
-            </a:extLst>
-          </p:cNvPr>
-          <p:cNvSpPr txBox="1"/>
-          <p:nvPr/>
-        </p:nvSpPr>
-        <p:spPr>
-          <a:xfrm>
-            <a:off x="1727635" y="1170645"/>
+            <a:off x="1745923" y="1313446"/>
             <a:ext cx="7235687" cy="830997"/>
           </a:xfrm>
           <a:prstGeom prst="rect">
@@ -31118,25 +27589,20 @@
             <a:pPr algn="ctr"/>
             <a:r>
               <a:rPr lang="en-US" sz="4800" b="1" dirty="0">
-                <a:latin typeface="Abadi" panose="020B0604020104020204" pitchFamily="34" charset="0"/>
+                <a:latin typeface="Times New Roman" panose="02020603050405020304" pitchFamily="18" charset="0"/>
                 <a:ea typeface="ADLaM Display" panose="020F0502020204030204" pitchFamily="2" charset="0"/>
-                <a:cs typeface="Aldhabi" panose="020F0502020204030204" pitchFamily="2" charset="-78"/>
+                <a:cs typeface="Times New Roman" panose="02020603050405020304" pitchFamily="18" charset="0"/>
               </a:rPr>
               <a:t> </a:t>
             </a:r>
             <a:r>
-              <a:rPr lang="en-US" sz="3600" b="1" dirty="0" smtClean="0">
-                <a:latin typeface="Abadi" panose="020B0604020104020204" pitchFamily="34" charset="0"/>
+              <a:rPr lang="en-US" sz="3600" b="1" dirty="0">
+                <a:latin typeface="Times New Roman" panose="02020603050405020304" pitchFamily="18" charset="0"/>
                 <a:ea typeface="ADLaM Display" panose="020F0502020204030204" pitchFamily="2" charset="0"/>
-                <a:cs typeface="Aldhabi" panose="020F0502020204030204" pitchFamily="2" charset="-78"/>
+                <a:cs typeface="Times New Roman" panose="02020603050405020304" pitchFamily="18" charset="0"/>
               </a:rPr>
-              <a:t>Conclusion:</a:t>
+              <a:t>CONCLUSION</a:t>
             </a:r>
-            <a:endParaRPr lang="en-US" sz="3600" b="1" dirty="0">
-              <a:latin typeface="Abadi" panose="020B0604020104020204" pitchFamily="34" charset="0"/>
-              <a:ea typeface="ADLaM Display" panose="020F0502020204030204" pitchFamily="2" charset="0"/>
-              <a:cs typeface="Aldhabi" panose="020F0502020204030204" pitchFamily="2" charset="-78"/>
-            </a:endParaRPr>
           </a:p>
         </p:txBody>
       </p:sp>
@@ -31148,8 +27614,8 @@
         </p:nvSpPr>
         <p:spPr>
           <a:xfrm>
-            <a:off x="806335" y="2319251"/>
-            <a:ext cx="5843847" cy="1938992"/>
+            <a:off x="2296807" y="2710983"/>
+            <a:ext cx="5843847" cy="2554545"/>
           </a:xfrm>
           <a:prstGeom prst="rect">
             <a:avLst/>
@@ -31167,13 +27633,18 @@
               <a:buChar char="•"/>
             </a:pPr>
             <a:r>
-              <a:rPr lang="en-US" sz="2000" dirty="0"/>
-              <a:t>Reiterate the key benefits of using AI for SRD analysis and design</a:t>
+              <a:rPr lang="en-US" sz="2000" dirty="0">
+                <a:latin typeface="Times New Roman" panose="02020603050405020304" pitchFamily="18" charset="0"/>
+                <a:cs typeface="Times New Roman" panose="02020603050405020304" pitchFamily="18" charset="0"/>
+              </a:rPr>
+              <a:t>Reiterate the key benefits of using AI for SRD analysis and design.</a:t>
             </a:r>
-            <a:r>
-              <a:rPr lang="en-US" sz="2000" dirty="0" smtClean="0"/>
-              <a:t>.</a:t>
-            </a:r>
+          </a:p>
+          <a:p>
+            <a:endParaRPr lang="en-US" sz="2000" dirty="0">
+              <a:latin typeface="Times New Roman" panose="02020603050405020304" pitchFamily="18" charset="0"/>
+              <a:cs typeface="Times New Roman" panose="02020603050405020304" pitchFamily="18" charset="0"/>
+            </a:endParaRPr>
           </a:p>
           <a:p>
             <a:pPr marL="285750" indent="-285750">
@@ -31181,17 +27652,18 @@
               <a:buChar char="•"/>
             </a:pPr>
             <a:r>
-              <a:rPr lang="en-US" sz="2000" dirty="0" smtClean="0"/>
-              <a:t>Emphasize </a:t>
+              <a:rPr lang="en-US" sz="2000" dirty="0">
+                <a:latin typeface="Times New Roman" panose="02020603050405020304" pitchFamily="18" charset="0"/>
+                <a:cs typeface="Times New Roman" panose="02020603050405020304" pitchFamily="18" charset="0"/>
+              </a:rPr>
+              <a:t>Emphasize the potential of this approach to revolutionize software development.</a:t>
             </a:r>
-            <a:r>
-              <a:rPr lang="en-US" sz="2000" dirty="0"/>
-              <a:t>the potential of this approach to revolutionize software development</a:t>
-            </a:r>
-            <a:r>
-              <a:rPr lang="en-US" sz="2000" dirty="0" smtClean="0"/>
-              <a:t>.</a:t>
-            </a:r>
+          </a:p>
+          <a:p>
+            <a:endParaRPr lang="en-US" sz="2000" dirty="0">
+              <a:latin typeface="Times New Roman" panose="02020603050405020304" pitchFamily="18" charset="0"/>
+              <a:cs typeface="Times New Roman" panose="02020603050405020304" pitchFamily="18" charset="0"/>
+            </a:endParaRPr>
           </a:p>
           <a:p>
             <a:pPr marL="285750" indent="-285750">
@@ -31199,12 +27671,11 @@
               <a:buChar char="•"/>
             </a:pPr>
             <a:r>
-              <a:rPr lang="en-US" sz="2000" dirty="0" smtClean="0"/>
-              <a:t>Encourage </a:t>
-            </a:r>
-            <a:r>
-              <a:rPr lang="en-US" sz="2000" dirty="0"/>
-              <a:t>further exploration and collaboration in this field</a:t>
+              <a:rPr lang="en-US" sz="2000" dirty="0">
+                <a:latin typeface="Times New Roman" panose="02020603050405020304" pitchFamily="18" charset="0"/>
+                <a:cs typeface="Times New Roman" panose="02020603050405020304" pitchFamily="18" charset="0"/>
+              </a:rPr>
+              <a:t>Encourage further exploration and collaboration in this field</a:t>
             </a:r>
           </a:p>
         </p:txBody>
@@ -31231,13 +27702,6 @@
       </p:transition>
     </mc:Fallback>
   </mc:AlternateContent>
-  <p:timing>
-    <p:tnLst>
-      <p:par>
-        <p:cTn id="1" dur="indefinite" restart="never" nodeType="tmRoot"/>
-      </p:par>
-    </p:tnLst>
-  </p:timing>
 </p:sld>
 </file>
 
